--- a/Lectures/Slides/Week2.pptx
+++ b/Lectures/Slides/Week2.pptx
@@ -26,8 +26,6 @@
     <p:sldId id="273" r:id="rId21"/>
     <p:sldId id="274" r:id="rId22"/>
     <p:sldId id="275" r:id="rId23"/>
-    <p:sldId id="276" r:id="rId24"/>
-    <p:sldId id="277" r:id="rId25"/>
   </p:sldIdLst>
   <p:sldSz cx="12192000" cy="6858000"/>
   <p:notesSz cx="7772400" cy="10058400"/>
@@ -75,7 +73,7 @@
       </p:grpSpPr>
       <p:sp>
         <p:nvSpPr>
-          <p:cNvPr id="26" name="PlaceHolder 1"/>
+          <p:cNvPr id="23" name="PlaceHolder 1"/>
           <p:cNvSpPr>
             <a:spLocks noGrp="1"/>
           </p:cNvSpPr>
@@ -85,8 +83,8 @@
         </p:nvSpPr>
         <p:spPr>
           <a:xfrm>
-            <a:off x="838080" y="365040"/>
-            <a:ext cx="10515240" cy="1325160"/>
+            <a:off x="609480" y="273600"/>
+            <a:ext cx="10972440" cy="1144800"/>
           </a:xfrm>
           <a:prstGeom prst="rect">
             <a:avLst/>
@@ -97,18 +95,16 @@
             <a:spAutoFit/>
           </a:bodyPr>
           <a:p>
-            <a:endParaRPr b="0" lang="en-US" sz="1800" spc="-1" strike="noStrike">
-              <a:solidFill>
-                <a:srgbClr val="000000"/>
-              </a:solidFill>
-              <a:latin typeface="Calibri"/>
-            </a:endParaRPr>
-          </a:p>
-        </p:txBody>
-      </p:sp>
-      <p:sp>
-        <p:nvSpPr>
-          <p:cNvPr id="27" name="PlaceHolder 2"/>
+            <a:pPr algn="ctr"/>
+            <a:endParaRPr b="0" lang="en-CA" sz="4400" spc="-1" strike="noStrike">
+              <a:latin typeface="Arial"/>
+            </a:endParaRPr>
+          </a:p>
+        </p:txBody>
+      </p:sp>
+      <p:sp>
+        <p:nvSpPr>
+          <p:cNvPr id="24" name="PlaceHolder 2"/>
           <p:cNvSpPr>
             <a:spLocks noGrp="1"/>
           </p:cNvSpPr>
@@ -118,8 +114,8 @@
         </p:nvSpPr>
         <p:spPr>
           <a:xfrm>
-            <a:off x="838080" y="1825560"/>
-            <a:ext cx="10515240" cy="2075040"/>
+            <a:off x="609480" y="1604520"/>
+            <a:ext cx="10972440" cy="1896840"/>
           </a:xfrm>
           <a:prstGeom prst="rect">
             <a:avLst/>
@@ -130,18 +126,15 @@
             <a:normAutofit/>
           </a:bodyPr>
           <a:p>
-            <a:endParaRPr b="0" lang="en-US" sz="2800" spc="-1" strike="noStrike">
-              <a:solidFill>
-                <a:srgbClr val="000000"/>
-              </a:solidFill>
-              <a:latin typeface="Calibri"/>
-            </a:endParaRPr>
-          </a:p>
-        </p:txBody>
-      </p:sp>
-      <p:sp>
-        <p:nvSpPr>
-          <p:cNvPr id="28" name="PlaceHolder 3"/>
+            <a:endParaRPr b="0" lang="en-CA" sz="3200" spc="-1" strike="noStrike">
+              <a:latin typeface="Arial"/>
+            </a:endParaRPr>
+          </a:p>
+        </p:txBody>
+      </p:sp>
+      <p:sp>
+        <p:nvSpPr>
+          <p:cNvPr id="25" name="PlaceHolder 3"/>
           <p:cNvSpPr>
             <a:spLocks noGrp="1"/>
           </p:cNvSpPr>
@@ -151,8 +144,8 @@
         </p:nvSpPr>
         <p:spPr>
           <a:xfrm>
-            <a:off x="838080" y="4098240"/>
-            <a:ext cx="10515240" cy="2075040"/>
+            <a:off x="609480" y="3682080"/>
+            <a:ext cx="10972440" cy="1896840"/>
           </a:xfrm>
           <a:prstGeom prst="rect">
             <a:avLst/>
@@ -163,11 +156,8 @@
             <a:normAutofit/>
           </a:bodyPr>
           <a:p>
-            <a:endParaRPr b="0" lang="en-US" sz="2800" spc="-1" strike="noStrike">
-              <a:solidFill>
-                <a:srgbClr val="000000"/>
-              </a:solidFill>
-              <a:latin typeface="Calibri"/>
+            <a:endParaRPr b="0" lang="en-CA" sz="3200" spc="-1" strike="noStrike">
+              <a:latin typeface="Arial"/>
             </a:endParaRPr>
           </a:p>
         </p:txBody>
@@ -196,7 +186,7 @@
       </p:grpSpPr>
       <p:sp>
         <p:nvSpPr>
-          <p:cNvPr id="29" name="PlaceHolder 1"/>
+          <p:cNvPr id="26" name="PlaceHolder 1"/>
           <p:cNvSpPr>
             <a:spLocks noGrp="1"/>
           </p:cNvSpPr>
@@ -206,8 +196,8 @@
         </p:nvSpPr>
         <p:spPr>
           <a:xfrm>
-            <a:off x="838080" y="365040"/>
-            <a:ext cx="10515240" cy="1325160"/>
+            <a:off x="609480" y="273600"/>
+            <a:ext cx="10972440" cy="1144800"/>
           </a:xfrm>
           <a:prstGeom prst="rect">
             <a:avLst/>
@@ -218,18 +208,16 @@
             <a:spAutoFit/>
           </a:bodyPr>
           <a:p>
-            <a:endParaRPr b="0" lang="en-US" sz="1800" spc="-1" strike="noStrike">
-              <a:solidFill>
-                <a:srgbClr val="000000"/>
-              </a:solidFill>
-              <a:latin typeface="Calibri"/>
-            </a:endParaRPr>
-          </a:p>
-        </p:txBody>
-      </p:sp>
-      <p:sp>
-        <p:nvSpPr>
-          <p:cNvPr id="30" name="PlaceHolder 2"/>
+            <a:pPr algn="ctr"/>
+            <a:endParaRPr b="0" lang="en-CA" sz="4400" spc="-1" strike="noStrike">
+              <a:latin typeface="Arial"/>
+            </a:endParaRPr>
+          </a:p>
+        </p:txBody>
+      </p:sp>
+      <p:sp>
+        <p:nvSpPr>
+          <p:cNvPr id="27" name="PlaceHolder 2"/>
           <p:cNvSpPr>
             <a:spLocks noGrp="1"/>
           </p:cNvSpPr>
@@ -239,8 +227,8 @@
         </p:nvSpPr>
         <p:spPr>
           <a:xfrm>
-            <a:off x="838080" y="1825560"/>
-            <a:ext cx="5131080" cy="2075040"/>
+            <a:off x="609480" y="1604520"/>
+            <a:ext cx="5354280" cy="1896840"/>
           </a:xfrm>
           <a:prstGeom prst="rect">
             <a:avLst/>
@@ -251,18 +239,15 @@
             <a:normAutofit/>
           </a:bodyPr>
           <a:p>
-            <a:endParaRPr b="0" lang="en-US" sz="2800" spc="-1" strike="noStrike">
-              <a:solidFill>
-                <a:srgbClr val="000000"/>
-              </a:solidFill>
-              <a:latin typeface="Calibri"/>
-            </a:endParaRPr>
-          </a:p>
-        </p:txBody>
-      </p:sp>
-      <p:sp>
-        <p:nvSpPr>
-          <p:cNvPr id="31" name="PlaceHolder 3"/>
+            <a:endParaRPr b="0" lang="en-CA" sz="3200" spc="-1" strike="noStrike">
+              <a:latin typeface="Arial"/>
+            </a:endParaRPr>
+          </a:p>
+        </p:txBody>
+      </p:sp>
+      <p:sp>
+        <p:nvSpPr>
+          <p:cNvPr id="28" name="PlaceHolder 3"/>
           <p:cNvSpPr>
             <a:spLocks noGrp="1"/>
           </p:cNvSpPr>
@@ -272,8 +257,8 @@
         </p:nvSpPr>
         <p:spPr>
           <a:xfrm>
-            <a:off x="6226200" y="1825560"/>
-            <a:ext cx="5131080" cy="2075040"/>
+            <a:off x="6231960" y="1604520"/>
+            <a:ext cx="5354280" cy="1896840"/>
           </a:xfrm>
           <a:prstGeom prst="rect">
             <a:avLst/>
@@ -284,18 +269,15 @@
             <a:normAutofit/>
           </a:bodyPr>
           <a:p>
-            <a:endParaRPr b="0" lang="en-US" sz="2800" spc="-1" strike="noStrike">
-              <a:solidFill>
-                <a:srgbClr val="000000"/>
-              </a:solidFill>
-              <a:latin typeface="Calibri"/>
-            </a:endParaRPr>
-          </a:p>
-        </p:txBody>
-      </p:sp>
-      <p:sp>
-        <p:nvSpPr>
-          <p:cNvPr id="32" name="PlaceHolder 4"/>
+            <a:endParaRPr b="0" lang="en-CA" sz="3200" spc="-1" strike="noStrike">
+              <a:latin typeface="Arial"/>
+            </a:endParaRPr>
+          </a:p>
+        </p:txBody>
+      </p:sp>
+      <p:sp>
+        <p:nvSpPr>
+          <p:cNvPr id="29" name="PlaceHolder 4"/>
           <p:cNvSpPr>
             <a:spLocks noGrp="1"/>
           </p:cNvSpPr>
@@ -305,8 +287,8 @@
         </p:nvSpPr>
         <p:spPr>
           <a:xfrm>
-            <a:off x="838080" y="4098240"/>
-            <a:ext cx="5131080" cy="2075040"/>
+            <a:off x="609480" y="3682080"/>
+            <a:ext cx="5354280" cy="1896840"/>
           </a:xfrm>
           <a:prstGeom prst="rect">
             <a:avLst/>
@@ -317,18 +299,15 @@
             <a:normAutofit/>
           </a:bodyPr>
           <a:p>
-            <a:endParaRPr b="0" lang="en-US" sz="2800" spc="-1" strike="noStrike">
-              <a:solidFill>
-                <a:srgbClr val="000000"/>
-              </a:solidFill>
-              <a:latin typeface="Calibri"/>
-            </a:endParaRPr>
-          </a:p>
-        </p:txBody>
-      </p:sp>
-      <p:sp>
-        <p:nvSpPr>
-          <p:cNvPr id="33" name="PlaceHolder 5"/>
+            <a:endParaRPr b="0" lang="en-CA" sz="3200" spc="-1" strike="noStrike">
+              <a:latin typeface="Arial"/>
+            </a:endParaRPr>
+          </a:p>
+        </p:txBody>
+      </p:sp>
+      <p:sp>
+        <p:nvSpPr>
+          <p:cNvPr id="30" name="PlaceHolder 5"/>
           <p:cNvSpPr>
             <a:spLocks noGrp="1"/>
           </p:cNvSpPr>
@@ -338,8 +317,8 @@
         </p:nvSpPr>
         <p:spPr>
           <a:xfrm>
-            <a:off x="6226200" y="4098240"/>
-            <a:ext cx="5131080" cy="2075040"/>
+            <a:off x="6231960" y="3682080"/>
+            <a:ext cx="5354280" cy="1896840"/>
           </a:xfrm>
           <a:prstGeom prst="rect">
             <a:avLst/>
@@ -350,11 +329,8 @@
             <a:normAutofit/>
           </a:bodyPr>
           <a:p>
-            <a:endParaRPr b="0" lang="en-US" sz="2800" spc="-1" strike="noStrike">
-              <a:solidFill>
-                <a:srgbClr val="000000"/>
-              </a:solidFill>
-              <a:latin typeface="Calibri"/>
+            <a:endParaRPr b="0" lang="en-CA" sz="3200" spc="-1" strike="noStrike">
+              <a:latin typeface="Arial"/>
             </a:endParaRPr>
           </a:p>
         </p:txBody>
@@ -383,7 +359,7 @@
       </p:grpSpPr>
       <p:sp>
         <p:nvSpPr>
-          <p:cNvPr id="34" name="PlaceHolder 1"/>
+          <p:cNvPr id="31" name="PlaceHolder 1"/>
           <p:cNvSpPr>
             <a:spLocks noGrp="1"/>
           </p:cNvSpPr>
@@ -393,8 +369,8 @@
         </p:nvSpPr>
         <p:spPr>
           <a:xfrm>
-            <a:off x="838080" y="365040"/>
-            <a:ext cx="10515240" cy="1325160"/>
+            <a:off x="609480" y="273600"/>
+            <a:ext cx="10972440" cy="1144800"/>
           </a:xfrm>
           <a:prstGeom prst="rect">
             <a:avLst/>
@@ -405,18 +381,16 @@
             <a:spAutoFit/>
           </a:bodyPr>
           <a:p>
-            <a:endParaRPr b="0" lang="en-US" sz="1800" spc="-1" strike="noStrike">
-              <a:solidFill>
-                <a:srgbClr val="000000"/>
-              </a:solidFill>
-              <a:latin typeface="Calibri"/>
-            </a:endParaRPr>
-          </a:p>
-        </p:txBody>
-      </p:sp>
-      <p:sp>
-        <p:nvSpPr>
-          <p:cNvPr id="35" name="PlaceHolder 2"/>
+            <a:pPr algn="ctr"/>
+            <a:endParaRPr b="0" lang="en-CA" sz="4400" spc="-1" strike="noStrike">
+              <a:latin typeface="Arial"/>
+            </a:endParaRPr>
+          </a:p>
+        </p:txBody>
+      </p:sp>
+      <p:sp>
+        <p:nvSpPr>
+          <p:cNvPr id="32" name="PlaceHolder 2"/>
           <p:cNvSpPr>
             <a:spLocks noGrp="1"/>
           </p:cNvSpPr>
@@ -426,8 +400,8 @@
         </p:nvSpPr>
         <p:spPr>
           <a:xfrm>
-            <a:off x="838080" y="1825560"/>
-            <a:ext cx="3385800" cy="2075040"/>
+            <a:off x="609480" y="1604520"/>
+            <a:ext cx="3533040" cy="1896840"/>
           </a:xfrm>
           <a:prstGeom prst="rect">
             <a:avLst/>
@@ -438,18 +412,15 @@
             <a:normAutofit/>
           </a:bodyPr>
           <a:p>
-            <a:endParaRPr b="0" lang="en-US" sz="2800" spc="-1" strike="noStrike">
-              <a:solidFill>
-                <a:srgbClr val="000000"/>
-              </a:solidFill>
-              <a:latin typeface="Calibri"/>
-            </a:endParaRPr>
-          </a:p>
-        </p:txBody>
-      </p:sp>
-      <p:sp>
-        <p:nvSpPr>
-          <p:cNvPr id="36" name="PlaceHolder 3"/>
+            <a:endParaRPr b="0" lang="en-CA" sz="3200" spc="-1" strike="noStrike">
+              <a:latin typeface="Arial"/>
+            </a:endParaRPr>
+          </a:p>
+        </p:txBody>
+      </p:sp>
+      <p:sp>
+        <p:nvSpPr>
+          <p:cNvPr id="33" name="PlaceHolder 3"/>
           <p:cNvSpPr>
             <a:spLocks noGrp="1"/>
           </p:cNvSpPr>
@@ -459,8 +430,8 @@
         </p:nvSpPr>
         <p:spPr>
           <a:xfrm>
-            <a:off x="4393440" y="1825560"/>
-            <a:ext cx="3385800" cy="2075040"/>
+            <a:off x="4319640" y="1604520"/>
+            <a:ext cx="3533040" cy="1896840"/>
           </a:xfrm>
           <a:prstGeom prst="rect">
             <a:avLst/>
@@ -471,18 +442,15 @@
             <a:normAutofit/>
           </a:bodyPr>
           <a:p>
-            <a:endParaRPr b="0" lang="en-US" sz="2800" spc="-1" strike="noStrike">
-              <a:solidFill>
-                <a:srgbClr val="000000"/>
-              </a:solidFill>
-              <a:latin typeface="Calibri"/>
-            </a:endParaRPr>
-          </a:p>
-        </p:txBody>
-      </p:sp>
-      <p:sp>
-        <p:nvSpPr>
-          <p:cNvPr id="37" name="PlaceHolder 4"/>
+            <a:endParaRPr b="0" lang="en-CA" sz="3200" spc="-1" strike="noStrike">
+              <a:latin typeface="Arial"/>
+            </a:endParaRPr>
+          </a:p>
+        </p:txBody>
+      </p:sp>
+      <p:sp>
+        <p:nvSpPr>
+          <p:cNvPr id="34" name="PlaceHolder 4"/>
           <p:cNvSpPr>
             <a:spLocks noGrp="1"/>
           </p:cNvSpPr>
@@ -492,8 +460,8 @@
         </p:nvSpPr>
         <p:spPr>
           <a:xfrm>
-            <a:off x="7949160" y="1825560"/>
-            <a:ext cx="3385800" cy="2075040"/>
+            <a:off x="8029800" y="1604520"/>
+            <a:ext cx="3533040" cy="1896840"/>
           </a:xfrm>
           <a:prstGeom prst="rect">
             <a:avLst/>
@@ -504,18 +472,15 @@
             <a:normAutofit/>
           </a:bodyPr>
           <a:p>
-            <a:endParaRPr b="0" lang="en-US" sz="2800" spc="-1" strike="noStrike">
-              <a:solidFill>
-                <a:srgbClr val="000000"/>
-              </a:solidFill>
-              <a:latin typeface="Calibri"/>
-            </a:endParaRPr>
-          </a:p>
-        </p:txBody>
-      </p:sp>
-      <p:sp>
-        <p:nvSpPr>
-          <p:cNvPr id="38" name="PlaceHolder 5"/>
+            <a:endParaRPr b="0" lang="en-CA" sz="3200" spc="-1" strike="noStrike">
+              <a:latin typeface="Arial"/>
+            </a:endParaRPr>
+          </a:p>
+        </p:txBody>
+      </p:sp>
+      <p:sp>
+        <p:nvSpPr>
+          <p:cNvPr id="35" name="PlaceHolder 5"/>
           <p:cNvSpPr>
             <a:spLocks noGrp="1"/>
           </p:cNvSpPr>
@@ -525,8 +490,8 @@
         </p:nvSpPr>
         <p:spPr>
           <a:xfrm>
-            <a:off x="838080" y="4098240"/>
-            <a:ext cx="3385800" cy="2075040"/>
+            <a:off x="609480" y="3682080"/>
+            <a:ext cx="3533040" cy="1896840"/>
           </a:xfrm>
           <a:prstGeom prst="rect">
             <a:avLst/>
@@ -537,18 +502,15 @@
             <a:normAutofit/>
           </a:bodyPr>
           <a:p>
-            <a:endParaRPr b="0" lang="en-US" sz="2800" spc="-1" strike="noStrike">
-              <a:solidFill>
-                <a:srgbClr val="000000"/>
-              </a:solidFill>
-              <a:latin typeface="Calibri"/>
-            </a:endParaRPr>
-          </a:p>
-        </p:txBody>
-      </p:sp>
-      <p:sp>
-        <p:nvSpPr>
-          <p:cNvPr id="39" name="PlaceHolder 6"/>
+            <a:endParaRPr b="0" lang="en-CA" sz="3200" spc="-1" strike="noStrike">
+              <a:latin typeface="Arial"/>
+            </a:endParaRPr>
+          </a:p>
+        </p:txBody>
+      </p:sp>
+      <p:sp>
+        <p:nvSpPr>
+          <p:cNvPr id="36" name="PlaceHolder 6"/>
           <p:cNvSpPr>
             <a:spLocks noGrp="1"/>
           </p:cNvSpPr>
@@ -558,8 +520,8 @@
         </p:nvSpPr>
         <p:spPr>
           <a:xfrm>
-            <a:off x="4393440" y="4098240"/>
-            <a:ext cx="3385800" cy="2075040"/>
+            <a:off x="4319640" y="3682080"/>
+            <a:ext cx="3533040" cy="1896840"/>
           </a:xfrm>
           <a:prstGeom prst="rect">
             <a:avLst/>
@@ -570,18 +532,15 @@
             <a:normAutofit/>
           </a:bodyPr>
           <a:p>
-            <a:endParaRPr b="0" lang="en-US" sz="2800" spc="-1" strike="noStrike">
-              <a:solidFill>
-                <a:srgbClr val="000000"/>
-              </a:solidFill>
-              <a:latin typeface="Calibri"/>
-            </a:endParaRPr>
-          </a:p>
-        </p:txBody>
-      </p:sp>
-      <p:sp>
-        <p:nvSpPr>
-          <p:cNvPr id="40" name="PlaceHolder 7"/>
+            <a:endParaRPr b="0" lang="en-CA" sz="3200" spc="-1" strike="noStrike">
+              <a:latin typeface="Arial"/>
+            </a:endParaRPr>
+          </a:p>
+        </p:txBody>
+      </p:sp>
+      <p:sp>
+        <p:nvSpPr>
+          <p:cNvPr id="37" name="PlaceHolder 7"/>
           <p:cNvSpPr>
             <a:spLocks noGrp="1"/>
           </p:cNvSpPr>
@@ -591,8 +550,8 @@
         </p:nvSpPr>
         <p:spPr>
           <a:xfrm>
-            <a:off x="7949160" y="4098240"/>
-            <a:ext cx="3385800" cy="2075040"/>
+            <a:off x="8029800" y="3682080"/>
+            <a:ext cx="3533040" cy="1896840"/>
           </a:xfrm>
           <a:prstGeom prst="rect">
             <a:avLst/>
@@ -603,11 +562,8 @@
             <a:normAutofit/>
           </a:bodyPr>
           <a:p>
-            <a:endParaRPr b="0" lang="en-US" sz="2800" spc="-1" strike="noStrike">
-              <a:solidFill>
-                <a:srgbClr val="000000"/>
-              </a:solidFill>
-              <a:latin typeface="Calibri"/>
+            <a:endParaRPr b="0" lang="en-CA" sz="3200" spc="-1" strike="noStrike">
+              <a:latin typeface="Arial"/>
             </a:endParaRPr>
           </a:p>
         </p:txBody>
@@ -658,7 +614,7 @@
       </p:grpSpPr>
       <p:sp>
         <p:nvSpPr>
-          <p:cNvPr id="46" name="PlaceHolder 1"/>
+          <p:cNvPr id="40" name="PlaceHolder 1"/>
           <p:cNvSpPr>
             <a:spLocks noGrp="1"/>
           </p:cNvSpPr>
@@ -668,8 +624,8 @@
         </p:nvSpPr>
         <p:spPr>
           <a:xfrm>
-            <a:off x="838080" y="365040"/>
-            <a:ext cx="10515240" cy="1325160"/>
+            <a:off x="609480" y="273600"/>
+            <a:ext cx="10972440" cy="1144800"/>
           </a:xfrm>
           <a:prstGeom prst="rect">
             <a:avLst/>
@@ -680,18 +636,16 @@
             <a:spAutoFit/>
           </a:bodyPr>
           <a:p>
-            <a:endParaRPr b="0" lang="en-US" sz="1800" spc="-1" strike="noStrike">
-              <a:solidFill>
-                <a:srgbClr val="000000"/>
-              </a:solidFill>
-              <a:latin typeface="Calibri"/>
-            </a:endParaRPr>
-          </a:p>
-        </p:txBody>
-      </p:sp>
-      <p:sp>
-        <p:nvSpPr>
-          <p:cNvPr id="47" name="PlaceHolder 2"/>
+            <a:pPr algn="ctr"/>
+            <a:endParaRPr b="0" lang="en-CA" sz="4400" spc="-1" strike="noStrike">
+              <a:latin typeface="Arial"/>
+            </a:endParaRPr>
+          </a:p>
+        </p:txBody>
+      </p:sp>
+      <p:sp>
+        <p:nvSpPr>
+          <p:cNvPr id="41" name="PlaceHolder 2"/>
           <p:cNvSpPr>
             <a:spLocks noGrp="1"/>
           </p:cNvSpPr>
@@ -701,8 +655,8 @@
         </p:nvSpPr>
         <p:spPr>
           <a:xfrm>
-            <a:off x="838080" y="1825560"/>
-            <a:ext cx="10515240" cy="4350960"/>
+            <a:off x="609480" y="1604520"/>
+            <a:ext cx="10972440" cy="3977280"/>
           </a:xfrm>
           <a:prstGeom prst="rect">
             <a:avLst/>
@@ -744,7 +698,7 @@
       </p:grpSpPr>
       <p:sp>
         <p:nvSpPr>
-          <p:cNvPr id="48" name="PlaceHolder 1"/>
+          <p:cNvPr id="42" name="PlaceHolder 1"/>
           <p:cNvSpPr>
             <a:spLocks noGrp="1"/>
           </p:cNvSpPr>
@@ -754,8 +708,8 @@
         </p:nvSpPr>
         <p:spPr>
           <a:xfrm>
-            <a:off x="838080" y="365040"/>
-            <a:ext cx="10515240" cy="1325160"/>
+            <a:off x="609480" y="273600"/>
+            <a:ext cx="10972440" cy="1144800"/>
           </a:xfrm>
           <a:prstGeom prst="rect">
             <a:avLst/>
@@ -766,18 +720,16 @@
             <a:spAutoFit/>
           </a:bodyPr>
           <a:p>
-            <a:endParaRPr b="0" lang="en-US" sz="1800" spc="-1" strike="noStrike">
-              <a:solidFill>
-                <a:srgbClr val="000000"/>
-              </a:solidFill>
-              <a:latin typeface="Calibri"/>
-            </a:endParaRPr>
-          </a:p>
-        </p:txBody>
-      </p:sp>
-      <p:sp>
-        <p:nvSpPr>
-          <p:cNvPr id="49" name="PlaceHolder 2"/>
+            <a:pPr algn="ctr"/>
+            <a:endParaRPr b="0" lang="en-CA" sz="4400" spc="-1" strike="noStrike">
+              <a:latin typeface="Arial"/>
+            </a:endParaRPr>
+          </a:p>
+        </p:txBody>
+      </p:sp>
+      <p:sp>
+        <p:nvSpPr>
+          <p:cNvPr id="43" name="PlaceHolder 2"/>
           <p:cNvSpPr>
             <a:spLocks noGrp="1"/>
           </p:cNvSpPr>
@@ -787,8 +739,8 @@
         </p:nvSpPr>
         <p:spPr>
           <a:xfrm>
-            <a:off x="838080" y="1825560"/>
-            <a:ext cx="10515240" cy="4350960"/>
+            <a:off x="609480" y="1604520"/>
+            <a:ext cx="10972440" cy="3977280"/>
           </a:xfrm>
           <a:prstGeom prst="rect">
             <a:avLst/>
@@ -799,11 +751,8 @@
             <a:normAutofit/>
           </a:bodyPr>
           <a:p>
-            <a:endParaRPr b="0" lang="en-US" sz="2800" spc="-1" strike="noStrike">
-              <a:solidFill>
-                <a:srgbClr val="000000"/>
-              </a:solidFill>
-              <a:latin typeface="Calibri"/>
+            <a:endParaRPr b="0" lang="en-CA" sz="3200" spc="-1" strike="noStrike">
+              <a:latin typeface="Arial"/>
             </a:endParaRPr>
           </a:p>
         </p:txBody>
@@ -832,7 +781,7 @@
       </p:grpSpPr>
       <p:sp>
         <p:nvSpPr>
-          <p:cNvPr id="50" name="PlaceHolder 1"/>
+          <p:cNvPr id="44" name="PlaceHolder 1"/>
           <p:cNvSpPr>
             <a:spLocks noGrp="1"/>
           </p:cNvSpPr>
@@ -842,8 +791,8 @@
         </p:nvSpPr>
         <p:spPr>
           <a:xfrm>
-            <a:off x="838080" y="365040"/>
-            <a:ext cx="10515240" cy="1325160"/>
+            <a:off x="609480" y="273600"/>
+            <a:ext cx="10972440" cy="1144800"/>
           </a:xfrm>
           <a:prstGeom prst="rect">
             <a:avLst/>
@@ -854,18 +803,16 @@
             <a:spAutoFit/>
           </a:bodyPr>
           <a:p>
-            <a:endParaRPr b="0" lang="en-US" sz="1800" spc="-1" strike="noStrike">
-              <a:solidFill>
-                <a:srgbClr val="000000"/>
-              </a:solidFill>
-              <a:latin typeface="Calibri"/>
-            </a:endParaRPr>
-          </a:p>
-        </p:txBody>
-      </p:sp>
-      <p:sp>
-        <p:nvSpPr>
-          <p:cNvPr id="51" name="PlaceHolder 2"/>
+            <a:pPr algn="ctr"/>
+            <a:endParaRPr b="0" lang="en-CA" sz="4400" spc="-1" strike="noStrike">
+              <a:latin typeface="Arial"/>
+            </a:endParaRPr>
+          </a:p>
+        </p:txBody>
+      </p:sp>
+      <p:sp>
+        <p:nvSpPr>
+          <p:cNvPr id="45" name="PlaceHolder 2"/>
           <p:cNvSpPr>
             <a:spLocks noGrp="1"/>
           </p:cNvSpPr>
@@ -875,8 +822,8 @@
         </p:nvSpPr>
         <p:spPr>
           <a:xfrm>
-            <a:off x="838080" y="1825560"/>
-            <a:ext cx="5131080" cy="4350960"/>
+            <a:off x="609480" y="1604520"/>
+            <a:ext cx="5354280" cy="3977280"/>
           </a:xfrm>
           <a:prstGeom prst="rect">
             <a:avLst/>
@@ -887,18 +834,15 @@
             <a:normAutofit/>
           </a:bodyPr>
           <a:p>
-            <a:endParaRPr b="0" lang="en-US" sz="2800" spc="-1" strike="noStrike">
-              <a:solidFill>
-                <a:srgbClr val="000000"/>
-              </a:solidFill>
-              <a:latin typeface="Calibri"/>
-            </a:endParaRPr>
-          </a:p>
-        </p:txBody>
-      </p:sp>
-      <p:sp>
-        <p:nvSpPr>
-          <p:cNvPr id="52" name="PlaceHolder 3"/>
+            <a:endParaRPr b="0" lang="en-CA" sz="3200" spc="-1" strike="noStrike">
+              <a:latin typeface="Arial"/>
+            </a:endParaRPr>
+          </a:p>
+        </p:txBody>
+      </p:sp>
+      <p:sp>
+        <p:nvSpPr>
+          <p:cNvPr id="46" name="PlaceHolder 3"/>
           <p:cNvSpPr>
             <a:spLocks noGrp="1"/>
           </p:cNvSpPr>
@@ -908,8 +852,8 @@
         </p:nvSpPr>
         <p:spPr>
           <a:xfrm>
-            <a:off x="6226200" y="1825560"/>
-            <a:ext cx="5131080" cy="4350960"/>
+            <a:off x="6231960" y="1604520"/>
+            <a:ext cx="5354280" cy="3977280"/>
           </a:xfrm>
           <a:prstGeom prst="rect">
             <a:avLst/>
@@ -920,11 +864,8 @@
             <a:normAutofit/>
           </a:bodyPr>
           <a:p>
-            <a:endParaRPr b="0" lang="en-US" sz="2800" spc="-1" strike="noStrike">
-              <a:solidFill>
-                <a:srgbClr val="000000"/>
-              </a:solidFill>
-              <a:latin typeface="Calibri"/>
+            <a:endParaRPr b="0" lang="en-CA" sz="3200" spc="-1" strike="noStrike">
+              <a:latin typeface="Arial"/>
             </a:endParaRPr>
           </a:p>
         </p:txBody>
@@ -953,7 +894,7 @@
       </p:grpSpPr>
       <p:sp>
         <p:nvSpPr>
-          <p:cNvPr id="53" name="PlaceHolder 1"/>
+          <p:cNvPr id="47" name="PlaceHolder 1"/>
           <p:cNvSpPr>
             <a:spLocks noGrp="1"/>
           </p:cNvSpPr>
@@ -963,8 +904,8 @@
         </p:nvSpPr>
         <p:spPr>
           <a:xfrm>
-            <a:off x="838080" y="365040"/>
-            <a:ext cx="10515240" cy="1325160"/>
+            <a:off x="609480" y="273600"/>
+            <a:ext cx="10972440" cy="1144800"/>
           </a:xfrm>
           <a:prstGeom prst="rect">
             <a:avLst/>
@@ -975,11 +916,9 @@
             <a:spAutoFit/>
           </a:bodyPr>
           <a:p>
-            <a:endParaRPr b="0" lang="en-US" sz="1800" spc="-1" strike="noStrike">
-              <a:solidFill>
-                <a:srgbClr val="000000"/>
-              </a:solidFill>
-              <a:latin typeface="Calibri"/>
+            <a:pPr algn="ctr"/>
+            <a:endParaRPr b="0" lang="en-CA" sz="4400" spc="-1" strike="noStrike">
+              <a:latin typeface="Arial"/>
             </a:endParaRPr>
           </a:p>
         </p:txBody>
@@ -1008,7 +947,7 @@
       </p:grpSpPr>
       <p:sp>
         <p:nvSpPr>
-          <p:cNvPr id="54" name="PlaceHolder 1"/>
+          <p:cNvPr id="48" name="PlaceHolder 1"/>
           <p:cNvSpPr>
             <a:spLocks noGrp="1"/>
           </p:cNvSpPr>
@@ -1018,8 +957,8 @@
         </p:nvSpPr>
         <p:spPr>
           <a:xfrm>
-            <a:off x="838080" y="365040"/>
-            <a:ext cx="10515240" cy="6144120"/>
+            <a:off x="609480" y="273600"/>
+            <a:ext cx="10972440" cy="5307840"/>
           </a:xfrm>
           <a:prstGeom prst="rect">
             <a:avLst/>
@@ -1061,7 +1000,7 @@
       </p:grpSpPr>
       <p:sp>
         <p:nvSpPr>
-          <p:cNvPr id="55" name="PlaceHolder 1"/>
+          <p:cNvPr id="49" name="PlaceHolder 1"/>
           <p:cNvSpPr>
             <a:spLocks noGrp="1"/>
           </p:cNvSpPr>
@@ -1071,8 +1010,8 @@
         </p:nvSpPr>
         <p:spPr>
           <a:xfrm>
-            <a:off x="838080" y="365040"/>
-            <a:ext cx="10515240" cy="1325160"/>
+            <a:off x="609480" y="273600"/>
+            <a:ext cx="10972440" cy="1144800"/>
           </a:xfrm>
           <a:prstGeom prst="rect">
             <a:avLst/>
@@ -1083,18 +1022,16 @@
             <a:spAutoFit/>
           </a:bodyPr>
           <a:p>
-            <a:endParaRPr b="0" lang="en-US" sz="1800" spc="-1" strike="noStrike">
-              <a:solidFill>
-                <a:srgbClr val="000000"/>
-              </a:solidFill>
-              <a:latin typeface="Calibri"/>
-            </a:endParaRPr>
-          </a:p>
-        </p:txBody>
-      </p:sp>
-      <p:sp>
-        <p:nvSpPr>
-          <p:cNvPr id="56" name="PlaceHolder 2"/>
+            <a:pPr algn="ctr"/>
+            <a:endParaRPr b="0" lang="en-CA" sz="4400" spc="-1" strike="noStrike">
+              <a:latin typeface="Arial"/>
+            </a:endParaRPr>
+          </a:p>
+        </p:txBody>
+      </p:sp>
+      <p:sp>
+        <p:nvSpPr>
+          <p:cNvPr id="50" name="PlaceHolder 2"/>
           <p:cNvSpPr>
             <a:spLocks noGrp="1"/>
           </p:cNvSpPr>
@@ -1104,8 +1041,8 @@
         </p:nvSpPr>
         <p:spPr>
           <a:xfrm>
-            <a:off x="838080" y="1825560"/>
-            <a:ext cx="5131080" cy="2075040"/>
+            <a:off x="609480" y="1604520"/>
+            <a:ext cx="5354280" cy="1896840"/>
           </a:xfrm>
           <a:prstGeom prst="rect">
             <a:avLst/>
@@ -1116,18 +1053,15 @@
             <a:normAutofit/>
           </a:bodyPr>
           <a:p>
-            <a:endParaRPr b="0" lang="en-US" sz="2800" spc="-1" strike="noStrike">
-              <a:solidFill>
-                <a:srgbClr val="000000"/>
-              </a:solidFill>
-              <a:latin typeface="Calibri"/>
-            </a:endParaRPr>
-          </a:p>
-        </p:txBody>
-      </p:sp>
-      <p:sp>
-        <p:nvSpPr>
-          <p:cNvPr id="57" name="PlaceHolder 3"/>
+            <a:endParaRPr b="0" lang="en-CA" sz="3200" spc="-1" strike="noStrike">
+              <a:latin typeface="Arial"/>
+            </a:endParaRPr>
+          </a:p>
+        </p:txBody>
+      </p:sp>
+      <p:sp>
+        <p:nvSpPr>
+          <p:cNvPr id="51" name="PlaceHolder 3"/>
           <p:cNvSpPr>
             <a:spLocks noGrp="1"/>
           </p:cNvSpPr>
@@ -1137,8 +1071,8 @@
         </p:nvSpPr>
         <p:spPr>
           <a:xfrm>
-            <a:off x="6226200" y="1825560"/>
-            <a:ext cx="5131080" cy="4350960"/>
+            <a:off x="6231960" y="1604520"/>
+            <a:ext cx="5354280" cy="3977280"/>
           </a:xfrm>
           <a:prstGeom prst="rect">
             <a:avLst/>
@@ -1149,18 +1083,15 @@
             <a:normAutofit/>
           </a:bodyPr>
           <a:p>
-            <a:endParaRPr b="0" lang="en-US" sz="2800" spc="-1" strike="noStrike">
-              <a:solidFill>
-                <a:srgbClr val="000000"/>
-              </a:solidFill>
-              <a:latin typeface="Calibri"/>
-            </a:endParaRPr>
-          </a:p>
-        </p:txBody>
-      </p:sp>
-      <p:sp>
-        <p:nvSpPr>
-          <p:cNvPr id="58" name="PlaceHolder 4"/>
+            <a:endParaRPr b="0" lang="en-CA" sz="3200" spc="-1" strike="noStrike">
+              <a:latin typeface="Arial"/>
+            </a:endParaRPr>
+          </a:p>
+        </p:txBody>
+      </p:sp>
+      <p:sp>
+        <p:nvSpPr>
+          <p:cNvPr id="52" name="PlaceHolder 4"/>
           <p:cNvSpPr>
             <a:spLocks noGrp="1"/>
           </p:cNvSpPr>
@@ -1170,8 +1101,8 @@
         </p:nvSpPr>
         <p:spPr>
           <a:xfrm>
-            <a:off x="838080" y="4098240"/>
-            <a:ext cx="5131080" cy="2075040"/>
+            <a:off x="609480" y="3682080"/>
+            <a:ext cx="5354280" cy="1896840"/>
           </a:xfrm>
           <a:prstGeom prst="rect">
             <a:avLst/>
@@ -1182,11 +1113,8 @@
             <a:normAutofit/>
           </a:bodyPr>
           <a:p>
-            <a:endParaRPr b="0" lang="en-US" sz="2800" spc="-1" strike="noStrike">
-              <a:solidFill>
-                <a:srgbClr val="000000"/>
-              </a:solidFill>
-              <a:latin typeface="Calibri"/>
+            <a:endParaRPr b="0" lang="en-CA" sz="3200" spc="-1" strike="noStrike">
+              <a:latin typeface="Arial"/>
             </a:endParaRPr>
           </a:p>
         </p:txBody>
@@ -1215,7 +1143,7 @@
       </p:grpSpPr>
       <p:sp>
         <p:nvSpPr>
-          <p:cNvPr id="5" name="PlaceHolder 1"/>
+          <p:cNvPr id="2" name="PlaceHolder 1"/>
           <p:cNvSpPr>
             <a:spLocks noGrp="1"/>
           </p:cNvSpPr>
@@ -1225,8 +1153,8 @@
         </p:nvSpPr>
         <p:spPr>
           <a:xfrm>
-            <a:off x="838080" y="365040"/>
-            <a:ext cx="10515240" cy="1325160"/>
+            <a:off x="609480" y="273600"/>
+            <a:ext cx="10972440" cy="1144800"/>
           </a:xfrm>
           <a:prstGeom prst="rect">
             <a:avLst/>
@@ -1237,18 +1165,16 @@
             <a:spAutoFit/>
           </a:bodyPr>
           <a:p>
-            <a:endParaRPr b="0" lang="en-US" sz="1800" spc="-1" strike="noStrike">
-              <a:solidFill>
-                <a:srgbClr val="000000"/>
-              </a:solidFill>
-              <a:latin typeface="Calibri"/>
-            </a:endParaRPr>
-          </a:p>
-        </p:txBody>
-      </p:sp>
-      <p:sp>
-        <p:nvSpPr>
-          <p:cNvPr id="6" name="PlaceHolder 2"/>
+            <a:pPr algn="ctr"/>
+            <a:endParaRPr b="0" lang="en-CA" sz="4400" spc="-1" strike="noStrike">
+              <a:latin typeface="Arial"/>
+            </a:endParaRPr>
+          </a:p>
+        </p:txBody>
+      </p:sp>
+      <p:sp>
+        <p:nvSpPr>
+          <p:cNvPr id="3" name="PlaceHolder 2"/>
           <p:cNvSpPr>
             <a:spLocks noGrp="1"/>
           </p:cNvSpPr>
@@ -1258,8 +1184,8 @@
         </p:nvSpPr>
         <p:spPr>
           <a:xfrm>
-            <a:off x="838080" y="1825560"/>
-            <a:ext cx="10515240" cy="4350960"/>
+            <a:off x="609480" y="1604520"/>
+            <a:ext cx="10972440" cy="3977280"/>
           </a:xfrm>
           <a:prstGeom prst="rect">
             <a:avLst/>
@@ -1301,7 +1227,7 @@
       </p:grpSpPr>
       <p:sp>
         <p:nvSpPr>
-          <p:cNvPr id="59" name="PlaceHolder 1"/>
+          <p:cNvPr id="53" name="PlaceHolder 1"/>
           <p:cNvSpPr>
             <a:spLocks noGrp="1"/>
           </p:cNvSpPr>
@@ -1311,8 +1237,8 @@
         </p:nvSpPr>
         <p:spPr>
           <a:xfrm>
-            <a:off x="838080" y="365040"/>
-            <a:ext cx="10515240" cy="1325160"/>
+            <a:off x="609480" y="273600"/>
+            <a:ext cx="10972440" cy="1144800"/>
           </a:xfrm>
           <a:prstGeom prst="rect">
             <a:avLst/>
@@ -1323,18 +1249,16 @@
             <a:spAutoFit/>
           </a:bodyPr>
           <a:p>
-            <a:endParaRPr b="0" lang="en-US" sz="1800" spc="-1" strike="noStrike">
-              <a:solidFill>
-                <a:srgbClr val="000000"/>
-              </a:solidFill>
-              <a:latin typeface="Calibri"/>
-            </a:endParaRPr>
-          </a:p>
-        </p:txBody>
-      </p:sp>
-      <p:sp>
-        <p:nvSpPr>
-          <p:cNvPr id="60" name="PlaceHolder 2"/>
+            <a:pPr algn="ctr"/>
+            <a:endParaRPr b="0" lang="en-CA" sz="4400" spc="-1" strike="noStrike">
+              <a:latin typeface="Arial"/>
+            </a:endParaRPr>
+          </a:p>
+        </p:txBody>
+      </p:sp>
+      <p:sp>
+        <p:nvSpPr>
+          <p:cNvPr id="54" name="PlaceHolder 2"/>
           <p:cNvSpPr>
             <a:spLocks noGrp="1"/>
           </p:cNvSpPr>
@@ -1344,8 +1268,8 @@
         </p:nvSpPr>
         <p:spPr>
           <a:xfrm>
-            <a:off x="838080" y="1825560"/>
-            <a:ext cx="5131080" cy="4350960"/>
+            <a:off x="609480" y="1604520"/>
+            <a:ext cx="5354280" cy="3977280"/>
           </a:xfrm>
           <a:prstGeom prst="rect">
             <a:avLst/>
@@ -1356,18 +1280,15 @@
             <a:normAutofit/>
           </a:bodyPr>
           <a:p>
-            <a:endParaRPr b="0" lang="en-US" sz="2800" spc="-1" strike="noStrike">
-              <a:solidFill>
-                <a:srgbClr val="000000"/>
-              </a:solidFill>
-              <a:latin typeface="Calibri"/>
-            </a:endParaRPr>
-          </a:p>
-        </p:txBody>
-      </p:sp>
-      <p:sp>
-        <p:nvSpPr>
-          <p:cNvPr id="61" name="PlaceHolder 3"/>
+            <a:endParaRPr b="0" lang="en-CA" sz="3200" spc="-1" strike="noStrike">
+              <a:latin typeface="Arial"/>
+            </a:endParaRPr>
+          </a:p>
+        </p:txBody>
+      </p:sp>
+      <p:sp>
+        <p:nvSpPr>
+          <p:cNvPr id="55" name="PlaceHolder 3"/>
           <p:cNvSpPr>
             <a:spLocks noGrp="1"/>
           </p:cNvSpPr>
@@ -1377,8 +1298,8 @@
         </p:nvSpPr>
         <p:spPr>
           <a:xfrm>
-            <a:off x="6226200" y="1825560"/>
-            <a:ext cx="5131080" cy="2075040"/>
+            <a:off x="6231960" y="1604520"/>
+            <a:ext cx="5354280" cy="1896840"/>
           </a:xfrm>
           <a:prstGeom prst="rect">
             <a:avLst/>
@@ -1389,18 +1310,15 @@
             <a:normAutofit/>
           </a:bodyPr>
           <a:p>
-            <a:endParaRPr b="0" lang="en-US" sz="2800" spc="-1" strike="noStrike">
-              <a:solidFill>
-                <a:srgbClr val="000000"/>
-              </a:solidFill>
-              <a:latin typeface="Calibri"/>
-            </a:endParaRPr>
-          </a:p>
-        </p:txBody>
-      </p:sp>
-      <p:sp>
-        <p:nvSpPr>
-          <p:cNvPr id="62" name="PlaceHolder 4"/>
+            <a:endParaRPr b="0" lang="en-CA" sz="3200" spc="-1" strike="noStrike">
+              <a:latin typeface="Arial"/>
+            </a:endParaRPr>
+          </a:p>
+        </p:txBody>
+      </p:sp>
+      <p:sp>
+        <p:nvSpPr>
+          <p:cNvPr id="56" name="PlaceHolder 4"/>
           <p:cNvSpPr>
             <a:spLocks noGrp="1"/>
           </p:cNvSpPr>
@@ -1410,8 +1328,8 @@
         </p:nvSpPr>
         <p:spPr>
           <a:xfrm>
-            <a:off x="6226200" y="4098240"/>
-            <a:ext cx="5131080" cy="2075040"/>
+            <a:off x="6231960" y="3682080"/>
+            <a:ext cx="5354280" cy="1896840"/>
           </a:xfrm>
           <a:prstGeom prst="rect">
             <a:avLst/>
@@ -1422,11 +1340,8 @@
             <a:normAutofit/>
           </a:bodyPr>
           <a:p>
-            <a:endParaRPr b="0" lang="en-US" sz="2800" spc="-1" strike="noStrike">
-              <a:solidFill>
-                <a:srgbClr val="000000"/>
-              </a:solidFill>
-              <a:latin typeface="Calibri"/>
+            <a:endParaRPr b="0" lang="en-CA" sz="3200" spc="-1" strike="noStrike">
+              <a:latin typeface="Arial"/>
             </a:endParaRPr>
           </a:p>
         </p:txBody>
@@ -1455,7 +1370,7 @@
       </p:grpSpPr>
       <p:sp>
         <p:nvSpPr>
-          <p:cNvPr id="63" name="PlaceHolder 1"/>
+          <p:cNvPr id="57" name="PlaceHolder 1"/>
           <p:cNvSpPr>
             <a:spLocks noGrp="1"/>
           </p:cNvSpPr>
@@ -1465,8 +1380,8 @@
         </p:nvSpPr>
         <p:spPr>
           <a:xfrm>
-            <a:off x="838080" y="365040"/>
-            <a:ext cx="10515240" cy="1325160"/>
+            <a:off x="609480" y="273600"/>
+            <a:ext cx="10972440" cy="1144800"/>
           </a:xfrm>
           <a:prstGeom prst="rect">
             <a:avLst/>
@@ -1477,18 +1392,16 @@
             <a:spAutoFit/>
           </a:bodyPr>
           <a:p>
-            <a:endParaRPr b="0" lang="en-US" sz="1800" spc="-1" strike="noStrike">
-              <a:solidFill>
-                <a:srgbClr val="000000"/>
-              </a:solidFill>
-              <a:latin typeface="Calibri"/>
-            </a:endParaRPr>
-          </a:p>
-        </p:txBody>
-      </p:sp>
-      <p:sp>
-        <p:nvSpPr>
-          <p:cNvPr id="64" name="PlaceHolder 2"/>
+            <a:pPr algn="ctr"/>
+            <a:endParaRPr b="0" lang="en-CA" sz="4400" spc="-1" strike="noStrike">
+              <a:latin typeface="Arial"/>
+            </a:endParaRPr>
+          </a:p>
+        </p:txBody>
+      </p:sp>
+      <p:sp>
+        <p:nvSpPr>
+          <p:cNvPr id="58" name="PlaceHolder 2"/>
           <p:cNvSpPr>
             <a:spLocks noGrp="1"/>
           </p:cNvSpPr>
@@ -1498,8 +1411,8 @@
         </p:nvSpPr>
         <p:spPr>
           <a:xfrm>
-            <a:off x="838080" y="1825560"/>
-            <a:ext cx="5131080" cy="2075040"/>
+            <a:off x="609480" y="1604520"/>
+            <a:ext cx="5354280" cy="1896840"/>
           </a:xfrm>
           <a:prstGeom prst="rect">
             <a:avLst/>
@@ -1510,18 +1423,15 @@
             <a:normAutofit/>
           </a:bodyPr>
           <a:p>
-            <a:endParaRPr b="0" lang="en-US" sz="2800" spc="-1" strike="noStrike">
-              <a:solidFill>
-                <a:srgbClr val="000000"/>
-              </a:solidFill>
-              <a:latin typeface="Calibri"/>
-            </a:endParaRPr>
-          </a:p>
-        </p:txBody>
-      </p:sp>
-      <p:sp>
-        <p:nvSpPr>
-          <p:cNvPr id="65" name="PlaceHolder 3"/>
+            <a:endParaRPr b="0" lang="en-CA" sz="3200" spc="-1" strike="noStrike">
+              <a:latin typeface="Arial"/>
+            </a:endParaRPr>
+          </a:p>
+        </p:txBody>
+      </p:sp>
+      <p:sp>
+        <p:nvSpPr>
+          <p:cNvPr id="59" name="PlaceHolder 3"/>
           <p:cNvSpPr>
             <a:spLocks noGrp="1"/>
           </p:cNvSpPr>
@@ -1531,8 +1441,8 @@
         </p:nvSpPr>
         <p:spPr>
           <a:xfrm>
-            <a:off x="6226200" y="1825560"/>
-            <a:ext cx="5131080" cy="2075040"/>
+            <a:off x="6231960" y="1604520"/>
+            <a:ext cx="5354280" cy="1896840"/>
           </a:xfrm>
           <a:prstGeom prst="rect">
             <a:avLst/>
@@ -1543,18 +1453,15 @@
             <a:normAutofit/>
           </a:bodyPr>
           <a:p>
-            <a:endParaRPr b="0" lang="en-US" sz="2800" spc="-1" strike="noStrike">
-              <a:solidFill>
-                <a:srgbClr val="000000"/>
-              </a:solidFill>
-              <a:latin typeface="Calibri"/>
-            </a:endParaRPr>
-          </a:p>
-        </p:txBody>
-      </p:sp>
-      <p:sp>
-        <p:nvSpPr>
-          <p:cNvPr id="66" name="PlaceHolder 4"/>
+            <a:endParaRPr b="0" lang="en-CA" sz="3200" spc="-1" strike="noStrike">
+              <a:latin typeface="Arial"/>
+            </a:endParaRPr>
+          </a:p>
+        </p:txBody>
+      </p:sp>
+      <p:sp>
+        <p:nvSpPr>
+          <p:cNvPr id="60" name="PlaceHolder 4"/>
           <p:cNvSpPr>
             <a:spLocks noGrp="1"/>
           </p:cNvSpPr>
@@ -1564,8 +1471,8 @@
         </p:nvSpPr>
         <p:spPr>
           <a:xfrm>
-            <a:off x="838080" y="4098240"/>
-            <a:ext cx="10515240" cy="2075040"/>
+            <a:off x="609480" y="3682080"/>
+            <a:ext cx="10972440" cy="1896840"/>
           </a:xfrm>
           <a:prstGeom prst="rect">
             <a:avLst/>
@@ -1576,11 +1483,8 @@
             <a:normAutofit/>
           </a:bodyPr>
           <a:p>
-            <a:endParaRPr b="0" lang="en-US" sz="2800" spc="-1" strike="noStrike">
-              <a:solidFill>
-                <a:srgbClr val="000000"/>
-              </a:solidFill>
-              <a:latin typeface="Calibri"/>
+            <a:endParaRPr b="0" lang="en-CA" sz="3200" spc="-1" strike="noStrike">
+              <a:latin typeface="Arial"/>
             </a:endParaRPr>
           </a:p>
         </p:txBody>
@@ -1609,7 +1513,7 @@
       </p:grpSpPr>
       <p:sp>
         <p:nvSpPr>
-          <p:cNvPr id="67" name="PlaceHolder 1"/>
+          <p:cNvPr id="61" name="PlaceHolder 1"/>
           <p:cNvSpPr>
             <a:spLocks noGrp="1"/>
           </p:cNvSpPr>
@@ -1619,8 +1523,8 @@
         </p:nvSpPr>
         <p:spPr>
           <a:xfrm>
-            <a:off x="838080" y="365040"/>
-            <a:ext cx="10515240" cy="1325160"/>
+            <a:off x="609480" y="273600"/>
+            <a:ext cx="10972440" cy="1144800"/>
           </a:xfrm>
           <a:prstGeom prst="rect">
             <a:avLst/>
@@ -1631,18 +1535,16 @@
             <a:spAutoFit/>
           </a:bodyPr>
           <a:p>
-            <a:endParaRPr b="0" lang="en-US" sz="1800" spc="-1" strike="noStrike">
-              <a:solidFill>
-                <a:srgbClr val="000000"/>
-              </a:solidFill>
-              <a:latin typeface="Calibri"/>
-            </a:endParaRPr>
-          </a:p>
-        </p:txBody>
-      </p:sp>
-      <p:sp>
-        <p:nvSpPr>
-          <p:cNvPr id="68" name="PlaceHolder 2"/>
+            <a:pPr algn="ctr"/>
+            <a:endParaRPr b="0" lang="en-CA" sz="4400" spc="-1" strike="noStrike">
+              <a:latin typeface="Arial"/>
+            </a:endParaRPr>
+          </a:p>
+        </p:txBody>
+      </p:sp>
+      <p:sp>
+        <p:nvSpPr>
+          <p:cNvPr id="62" name="PlaceHolder 2"/>
           <p:cNvSpPr>
             <a:spLocks noGrp="1"/>
           </p:cNvSpPr>
@@ -1652,8 +1554,8 @@
         </p:nvSpPr>
         <p:spPr>
           <a:xfrm>
-            <a:off x="838080" y="1825560"/>
-            <a:ext cx="10515240" cy="2075040"/>
+            <a:off x="609480" y="1604520"/>
+            <a:ext cx="10972440" cy="1896840"/>
           </a:xfrm>
           <a:prstGeom prst="rect">
             <a:avLst/>
@@ -1664,18 +1566,15 @@
             <a:normAutofit/>
           </a:bodyPr>
           <a:p>
-            <a:endParaRPr b="0" lang="en-US" sz="2800" spc="-1" strike="noStrike">
-              <a:solidFill>
-                <a:srgbClr val="000000"/>
-              </a:solidFill>
-              <a:latin typeface="Calibri"/>
-            </a:endParaRPr>
-          </a:p>
-        </p:txBody>
-      </p:sp>
-      <p:sp>
-        <p:nvSpPr>
-          <p:cNvPr id="69" name="PlaceHolder 3"/>
+            <a:endParaRPr b="0" lang="en-CA" sz="3200" spc="-1" strike="noStrike">
+              <a:latin typeface="Arial"/>
+            </a:endParaRPr>
+          </a:p>
+        </p:txBody>
+      </p:sp>
+      <p:sp>
+        <p:nvSpPr>
+          <p:cNvPr id="63" name="PlaceHolder 3"/>
           <p:cNvSpPr>
             <a:spLocks noGrp="1"/>
           </p:cNvSpPr>
@@ -1685,8 +1584,8 @@
         </p:nvSpPr>
         <p:spPr>
           <a:xfrm>
-            <a:off x="838080" y="4098240"/>
-            <a:ext cx="10515240" cy="2075040"/>
+            <a:off x="609480" y="3682080"/>
+            <a:ext cx="10972440" cy="1896840"/>
           </a:xfrm>
           <a:prstGeom prst="rect">
             <a:avLst/>
@@ -1697,11 +1596,8 @@
             <a:normAutofit/>
           </a:bodyPr>
           <a:p>
-            <a:endParaRPr b="0" lang="en-US" sz="2800" spc="-1" strike="noStrike">
-              <a:solidFill>
-                <a:srgbClr val="000000"/>
-              </a:solidFill>
-              <a:latin typeface="Calibri"/>
+            <a:endParaRPr b="0" lang="en-CA" sz="3200" spc="-1" strike="noStrike">
+              <a:latin typeface="Arial"/>
             </a:endParaRPr>
           </a:p>
         </p:txBody>
@@ -1730,7 +1626,7 @@
       </p:grpSpPr>
       <p:sp>
         <p:nvSpPr>
-          <p:cNvPr id="70" name="PlaceHolder 1"/>
+          <p:cNvPr id="64" name="PlaceHolder 1"/>
           <p:cNvSpPr>
             <a:spLocks noGrp="1"/>
           </p:cNvSpPr>
@@ -1740,8 +1636,8 @@
         </p:nvSpPr>
         <p:spPr>
           <a:xfrm>
-            <a:off x="838080" y="365040"/>
-            <a:ext cx="10515240" cy="1325160"/>
+            <a:off x="609480" y="273600"/>
+            <a:ext cx="10972440" cy="1144800"/>
           </a:xfrm>
           <a:prstGeom prst="rect">
             <a:avLst/>
@@ -1752,18 +1648,16 @@
             <a:spAutoFit/>
           </a:bodyPr>
           <a:p>
-            <a:endParaRPr b="0" lang="en-US" sz="1800" spc="-1" strike="noStrike">
-              <a:solidFill>
-                <a:srgbClr val="000000"/>
-              </a:solidFill>
-              <a:latin typeface="Calibri"/>
-            </a:endParaRPr>
-          </a:p>
-        </p:txBody>
-      </p:sp>
-      <p:sp>
-        <p:nvSpPr>
-          <p:cNvPr id="71" name="PlaceHolder 2"/>
+            <a:pPr algn="ctr"/>
+            <a:endParaRPr b="0" lang="en-CA" sz="4400" spc="-1" strike="noStrike">
+              <a:latin typeface="Arial"/>
+            </a:endParaRPr>
+          </a:p>
+        </p:txBody>
+      </p:sp>
+      <p:sp>
+        <p:nvSpPr>
+          <p:cNvPr id="65" name="PlaceHolder 2"/>
           <p:cNvSpPr>
             <a:spLocks noGrp="1"/>
           </p:cNvSpPr>
@@ -1773,8 +1667,8 @@
         </p:nvSpPr>
         <p:spPr>
           <a:xfrm>
-            <a:off x="838080" y="1825560"/>
-            <a:ext cx="5131080" cy="2075040"/>
+            <a:off x="609480" y="1604520"/>
+            <a:ext cx="5354280" cy="1896840"/>
           </a:xfrm>
           <a:prstGeom prst="rect">
             <a:avLst/>
@@ -1785,18 +1679,15 @@
             <a:normAutofit/>
           </a:bodyPr>
           <a:p>
-            <a:endParaRPr b="0" lang="en-US" sz="2800" spc="-1" strike="noStrike">
-              <a:solidFill>
-                <a:srgbClr val="000000"/>
-              </a:solidFill>
-              <a:latin typeface="Calibri"/>
-            </a:endParaRPr>
-          </a:p>
-        </p:txBody>
-      </p:sp>
-      <p:sp>
-        <p:nvSpPr>
-          <p:cNvPr id="72" name="PlaceHolder 3"/>
+            <a:endParaRPr b="0" lang="en-CA" sz="3200" spc="-1" strike="noStrike">
+              <a:latin typeface="Arial"/>
+            </a:endParaRPr>
+          </a:p>
+        </p:txBody>
+      </p:sp>
+      <p:sp>
+        <p:nvSpPr>
+          <p:cNvPr id="66" name="PlaceHolder 3"/>
           <p:cNvSpPr>
             <a:spLocks noGrp="1"/>
           </p:cNvSpPr>
@@ -1806,8 +1697,8 @@
         </p:nvSpPr>
         <p:spPr>
           <a:xfrm>
-            <a:off x="6226200" y="1825560"/>
-            <a:ext cx="5131080" cy="2075040"/>
+            <a:off x="6231960" y="1604520"/>
+            <a:ext cx="5354280" cy="1896840"/>
           </a:xfrm>
           <a:prstGeom prst="rect">
             <a:avLst/>
@@ -1818,18 +1709,15 @@
             <a:normAutofit/>
           </a:bodyPr>
           <a:p>
-            <a:endParaRPr b="0" lang="en-US" sz="2800" spc="-1" strike="noStrike">
-              <a:solidFill>
-                <a:srgbClr val="000000"/>
-              </a:solidFill>
-              <a:latin typeface="Calibri"/>
-            </a:endParaRPr>
-          </a:p>
-        </p:txBody>
-      </p:sp>
-      <p:sp>
-        <p:nvSpPr>
-          <p:cNvPr id="73" name="PlaceHolder 4"/>
+            <a:endParaRPr b="0" lang="en-CA" sz="3200" spc="-1" strike="noStrike">
+              <a:latin typeface="Arial"/>
+            </a:endParaRPr>
+          </a:p>
+        </p:txBody>
+      </p:sp>
+      <p:sp>
+        <p:nvSpPr>
+          <p:cNvPr id="67" name="PlaceHolder 4"/>
           <p:cNvSpPr>
             <a:spLocks noGrp="1"/>
           </p:cNvSpPr>
@@ -1839,8 +1727,8 @@
         </p:nvSpPr>
         <p:spPr>
           <a:xfrm>
-            <a:off x="838080" y="4098240"/>
-            <a:ext cx="5131080" cy="2075040"/>
+            <a:off x="609480" y="3682080"/>
+            <a:ext cx="5354280" cy="1896840"/>
           </a:xfrm>
           <a:prstGeom prst="rect">
             <a:avLst/>
@@ -1851,18 +1739,15 @@
             <a:normAutofit/>
           </a:bodyPr>
           <a:p>
-            <a:endParaRPr b="0" lang="en-US" sz="2800" spc="-1" strike="noStrike">
-              <a:solidFill>
-                <a:srgbClr val="000000"/>
-              </a:solidFill>
-              <a:latin typeface="Calibri"/>
-            </a:endParaRPr>
-          </a:p>
-        </p:txBody>
-      </p:sp>
-      <p:sp>
-        <p:nvSpPr>
-          <p:cNvPr id="74" name="PlaceHolder 5"/>
+            <a:endParaRPr b="0" lang="en-CA" sz="3200" spc="-1" strike="noStrike">
+              <a:latin typeface="Arial"/>
+            </a:endParaRPr>
+          </a:p>
+        </p:txBody>
+      </p:sp>
+      <p:sp>
+        <p:nvSpPr>
+          <p:cNvPr id="68" name="PlaceHolder 5"/>
           <p:cNvSpPr>
             <a:spLocks noGrp="1"/>
           </p:cNvSpPr>
@@ -1872,8 +1757,8 @@
         </p:nvSpPr>
         <p:spPr>
           <a:xfrm>
-            <a:off x="6226200" y="4098240"/>
-            <a:ext cx="5131080" cy="2075040"/>
+            <a:off x="6231960" y="3682080"/>
+            <a:ext cx="5354280" cy="1896840"/>
           </a:xfrm>
           <a:prstGeom prst="rect">
             <a:avLst/>
@@ -1884,11 +1769,8 @@
             <a:normAutofit/>
           </a:bodyPr>
           <a:p>
-            <a:endParaRPr b="0" lang="en-US" sz="2800" spc="-1" strike="noStrike">
-              <a:solidFill>
-                <a:srgbClr val="000000"/>
-              </a:solidFill>
-              <a:latin typeface="Calibri"/>
+            <a:endParaRPr b="0" lang="en-CA" sz="3200" spc="-1" strike="noStrike">
+              <a:latin typeface="Arial"/>
             </a:endParaRPr>
           </a:p>
         </p:txBody>
@@ -1917,7 +1799,7 @@
       </p:grpSpPr>
       <p:sp>
         <p:nvSpPr>
-          <p:cNvPr id="75" name="PlaceHolder 1"/>
+          <p:cNvPr id="69" name="PlaceHolder 1"/>
           <p:cNvSpPr>
             <a:spLocks noGrp="1"/>
           </p:cNvSpPr>
@@ -1927,8 +1809,8 @@
         </p:nvSpPr>
         <p:spPr>
           <a:xfrm>
-            <a:off x="838080" y="365040"/>
-            <a:ext cx="10515240" cy="1325160"/>
+            <a:off x="609480" y="273600"/>
+            <a:ext cx="10972440" cy="1144800"/>
           </a:xfrm>
           <a:prstGeom prst="rect">
             <a:avLst/>
@@ -1939,18 +1821,16 @@
             <a:spAutoFit/>
           </a:bodyPr>
           <a:p>
-            <a:endParaRPr b="0" lang="en-US" sz="1800" spc="-1" strike="noStrike">
-              <a:solidFill>
-                <a:srgbClr val="000000"/>
-              </a:solidFill>
-              <a:latin typeface="Calibri"/>
-            </a:endParaRPr>
-          </a:p>
-        </p:txBody>
-      </p:sp>
-      <p:sp>
-        <p:nvSpPr>
-          <p:cNvPr id="76" name="PlaceHolder 2"/>
+            <a:pPr algn="ctr"/>
+            <a:endParaRPr b="0" lang="en-CA" sz="4400" spc="-1" strike="noStrike">
+              <a:latin typeface="Arial"/>
+            </a:endParaRPr>
+          </a:p>
+        </p:txBody>
+      </p:sp>
+      <p:sp>
+        <p:nvSpPr>
+          <p:cNvPr id="70" name="PlaceHolder 2"/>
           <p:cNvSpPr>
             <a:spLocks noGrp="1"/>
           </p:cNvSpPr>
@@ -1960,8 +1840,8 @@
         </p:nvSpPr>
         <p:spPr>
           <a:xfrm>
-            <a:off x="838080" y="1825560"/>
-            <a:ext cx="3385800" cy="2075040"/>
+            <a:off x="609480" y="1604520"/>
+            <a:ext cx="3533040" cy="1896840"/>
           </a:xfrm>
           <a:prstGeom prst="rect">
             <a:avLst/>
@@ -1972,18 +1852,15 @@
             <a:normAutofit/>
           </a:bodyPr>
           <a:p>
-            <a:endParaRPr b="0" lang="en-US" sz="2800" spc="-1" strike="noStrike">
-              <a:solidFill>
-                <a:srgbClr val="000000"/>
-              </a:solidFill>
-              <a:latin typeface="Calibri"/>
-            </a:endParaRPr>
-          </a:p>
-        </p:txBody>
-      </p:sp>
-      <p:sp>
-        <p:nvSpPr>
-          <p:cNvPr id="77" name="PlaceHolder 3"/>
+            <a:endParaRPr b="0" lang="en-CA" sz="3200" spc="-1" strike="noStrike">
+              <a:latin typeface="Arial"/>
+            </a:endParaRPr>
+          </a:p>
+        </p:txBody>
+      </p:sp>
+      <p:sp>
+        <p:nvSpPr>
+          <p:cNvPr id="71" name="PlaceHolder 3"/>
           <p:cNvSpPr>
             <a:spLocks noGrp="1"/>
           </p:cNvSpPr>
@@ -1993,8 +1870,8 @@
         </p:nvSpPr>
         <p:spPr>
           <a:xfrm>
-            <a:off x="4393440" y="1825560"/>
-            <a:ext cx="3385800" cy="2075040"/>
+            <a:off x="4319640" y="1604520"/>
+            <a:ext cx="3533040" cy="1896840"/>
           </a:xfrm>
           <a:prstGeom prst="rect">
             <a:avLst/>
@@ -2005,18 +1882,15 @@
             <a:normAutofit/>
           </a:bodyPr>
           <a:p>
-            <a:endParaRPr b="0" lang="en-US" sz="2800" spc="-1" strike="noStrike">
-              <a:solidFill>
-                <a:srgbClr val="000000"/>
-              </a:solidFill>
-              <a:latin typeface="Calibri"/>
-            </a:endParaRPr>
-          </a:p>
-        </p:txBody>
-      </p:sp>
-      <p:sp>
-        <p:nvSpPr>
-          <p:cNvPr id="78" name="PlaceHolder 4"/>
+            <a:endParaRPr b="0" lang="en-CA" sz="3200" spc="-1" strike="noStrike">
+              <a:latin typeface="Arial"/>
+            </a:endParaRPr>
+          </a:p>
+        </p:txBody>
+      </p:sp>
+      <p:sp>
+        <p:nvSpPr>
+          <p:cNvPr id="72" name="PlaceHolder 4"/>
           <p:cNvSpPr>
             <a:spLocks noGrp="1"/>
           </p:cNvSpPr>
@@ -2026,8 +1900,8 @@
         </p:nvSpPr>
         <p:spPr>
           <a:xfrm>
-            <a:off x="7949160" y="1825560"/>
-            <a:ext cx="3385800" cy="2075040"/>
+            <a:off x="8029800" y="1604520"/>
+            <a:ext cx="3533040" cy="1896840"/>
           </a:xfrm>
           <a:prstGeom prst="rect">
             <a:avLst/>
@@ -2038,18 +1912,15 @@
             <a:normAutofit/>
           </a:bodyPr>
           <a:p>
-            <a:endParaRPr b="0" lang="en-US" sz="2800" spc="-1" strike="noStrike">
-              <a:solidFill>
-                <a:srgbClr val="000000"/>
-              </a:solidFill>
-              <a:latin typeface="Calibri"/>
-            </a:endParaRPr>
-          </a:p>
-        </p:txBody>
-      </p:sp>
-      <p:sp>
-        <p:nvSpPr>
-          <p:cNvPr id="79" name="PlaceHolder 5"/>
+            <a:endParaRPr b="0" lang="en-CA" sz="3200" spc="-1" strike="noStrike">
+              <a:latin typeface="Arial"/>
+            </a:endParaRPr>
+          </a:p>
+        </p:txBody>
+      </p:sp>
+      <p:sp>
+        <p:nvSpPr>
+          <p:cNvPr id="73" name="PlaceHolder 5"/>
           <p:cNvSpPr>
             <a:spLocks noGrp="1"/>
           </p:cNvSpPr>
@@ -2059,8 +1930,8 @@
         </p:nvSpPr>
         <p:spPr>
           <a:xfrm>
-            <a:off x="838080" y="4098240"/>
-            <a:ext cx="3385800" cy="2075040"/>
+            <a:off x="609480" y="3682080"/>
+            <a:ext cx="3533040" cy="1896840"/>
           </a:xfrm>
           <a:prstGeom prst="rect">
             <a:avLst/>
@@ -2071,18 +1942,15 @@
             <a:normAutofit/>
           </a:bodyPr>
           <a:p>
-            <a:endParaRPr b="0" lang="en-US" sz="2800" spc="-1" strike="noStrike">
-              <a:solidFill>
-                <a:srgbClr val="000000"/>
-              </a:solidFill>
-              <a:latin typeface="Calibri"/>
-            </a:endParaRPr>
-          </a:p>
-        </p:txBody>
-      </p:sp>
-      <p:sp>
-        <p:nvSpPr>
-          <p:cNvPr id="80" name="PlaceHolder 6"/>
+            <a:endParaRPr b="0" lang="en-CA" sz="3200" spc="-1" strike="noStrike">
+              <a:latin typeface="Arial"/>
+            </a:endParaRPr>
+          </a:p>
+        </p:txBody>
+      </p:sp>
+      <p:sp>
+        <p:nvSpPr>
+          <p:cNvPr id="74" name="PlaceHolder 6"/>
           <p:cNvSpPr>
             <a:spLocks noGrp="1"/>
           </p:cNvSpPr>
@@ -2092,8 +1960,8 @@
         </p:nvSpPr>
         <p:spPr>
           <a:xfrm>
-            <a:off x="4393440" y="4098240"/>
-            <a:ext cx="3385800" cy="2075040"/>
+            <a:off x="4319640" y="3682080"/>
+            <a:ext cx="3533040" cy="1896840"/>
           </a:xfrm>
           <a:prstGeom prst="rect">
             <a:avLst/>
@@ -2104,18 +1972,15 @@
             <a:normAutofit/>
           </a:bodyPr>
           <a:p>
-            <a:endParaRPr b="0" lang="en-US" sz="2800" spc="-1" strike="noStrike">
-              <a:solidFill>
-                <a:srgbClr val="000000"/>
-              </a:solidFill>
-              <a:latin typeface="Calibri"/>
-            </a:endParaRPr>
-          </a:p>
-        </p:txBody>
-      </p:sp>
-      <p:sp>
-        <p:nvSpPr>
-          <p:cNvPr id="81" name="PlaceHolder 7"/>
+            <a:endParaRPr b="0" lang="en-CA" sz="3200" spc="-1" strike="noStrike">
+              <a:latin typeface="Arial"/>
+            </a:endParaRPr>
+          </a:p>
+        </p:txBody>
+      </p:sp>
+      <p:sp>
+        <p:nvSpPr>
+          <p:cNvPr id="75" name="PlaceHolder 7"/>
           <p:cNvSpPr>
             <a:spLocks noGrp="1"/>
           </p:cNvSpPr>
@@ -2125,8 +1990,8 @@
         </p:nvSpPr>
         <p:spPr>
           <a:xfrm>
-            <a:off x="7949160" y="4098240"/>
-            <a:ext cx="3385800" cy="2075040"/>
+            <a:off x="8029800" y="3682080"/>
+            <a:ext cx="3533040" cy="1896840"/>
           </a:xfrm>
           <a:prstGeom prst="rect">
             <a:avLst/>
@@ -2137,11 +2002,8 @@
             <a:normAutofit/>
           </a:bodyPr>
           <a:p>
-            <a:endParaRPr b="0" lang="en-US" sz="2800" spc="-1" strike="noStrike">
-              <a:solidFill>
-                <a:srgbClr val="000000"/>
-              </a:solidFill>
-              <a:latin typeface="Calibri"/>
+            <a:endParaRPr b="0" lang="en-CA" sz="3200" spc="-1" strike="noStrike">
+              <a:latin typeface="Arial"/>
             </a:endParaRPr>
           </a:p>
         </p:txBody>
@@ -2170,7 +2032,7 @@
       </p:grpSpPr>
       <p:sp>
         <p:nvSpPr>
-          <p:cNvPr id="7" name="PlaceHolder 1"/>
+          <p:cNvPr id="4" name="PlaceHolder 1"/>
           <p:cNvSpPr>
             <a:spLocks noGrp="1"/>
           </p:cNvSpPr>
@@ -2180,8 +2042,8 @@
         </p:nvSpPr>
         <p:spPr>
           <a:xfrm>
-            <a:off x="838080" y="365040"/>
-            <a:ext cx="10515240" cy="1325160"/>
+            <a:off x="609480" y="273600"/>
+            <a:ext cx="10972440" cy="1144800"/>
           </a:xfrm>
           <a:prstGeom prst="rect">
             <a:avLst/>
@@ -2192,18 +2054,16 @@
             <a:spAutoFit/>
           </a:bodyPr>
           <a:p>
-            <a:endParaRPr b="0" lang="en-US" sz="1800" spc="-1" strike="noStrike">
-              <a:solidFill>
-                <a:srgbClr val="000000"/>
-              </a:solidFill>
-              <a:latin typeface="Calibri"/>
-            </a:endParaRPr>
-          </a:p>
-        </p:txBody>
-      </p:sp>
-      <p:sp>
-        <p:nvSpPr>
-          <p:cNvPr id="8" name="PlaceHolder 2"/>
+            <a:pPr algn="ctr"/>
+            <a:endParaRPr b="0" lang="en-CA" sz="4400" spc="-1" strike="noStrike">
+              <a:latin typeface="Arial"/>
+            </a:endParaRPr>
+          </a:p>
+        </p:txBody>
+      </p:sp>
+      <p:sp>
+        <p:nvSpPr>
+          <p:cNvPr id="5" name="PlaceHolder 2"/>
           <p:cNvSpPr>
             <a:spLocks noGrp="1"/>
           </p:cNvSpPr>
@@ -2213,8 +2073,8 @@
         </p:nvSpPr>
         <p:spPr>
           <a:xfrm>
-            <a:off x="838080" y="1825560"/>
-            <a:ext cx="10515240" cy="4350960"/>
+            <a:off x="609480" y="1604520"/>
+            <a:ext cx="10972440" cy="3977280"/>
           </a:xfrm>
           <a:prstGeom prst="rect">
             <a:avLst/>
@@ -2225,11 +2085,8 @@
             <a:normAutofit/>
           </a:bodyPr>
           <a:p>
-            <a:endParaRPr b="0" lang="en-US" sz="2800" spc="-1" strike="noStrike">
-              <a:solidFill>
-                <a:srgbClr val="000000"/>
-              </a:solidFill>
-              <a:latin typeface="Calibri"/>
+            <a:endParaRPr b="0" lang="en-CA" sz="3200" spc="-1" strike="noStrike">
+              <a:latin typeface="Arial"/>
             </a:endParaRPr>
           </a:p>
         </p:txBody>
@@ -2258,7 +2115,7 @@
       </p:grpSpPr>
       <p:sp>
         <p:nvSpPr>
-          <p:cNvPr id="9" name="PlaceHolder 1"/>
+          <p:cNvPr id="6" name="PlaceHolder 1"/>
           <p:cNvSpPr>
             <a:spLocks noGrp="1"/>
           </p:cNvSpPr>
@@ -2268,8 +2125,8 @@
         </p:nvSpPr>
         <p:spPr>
           <a:xfrm>
-            <a:off x="838080" y="365040"/>
-            <a:ext cx="10515240" cy="1325160"/>
+            <a:off x="609480" y="273600"/>
+            <a:ext cx="10972440" cy="1144800"/>
           </a:xfrm>
           <a:prstGeom prst="rect">
             <a:avLst/>
@@ -2280,18 +2137,16 @@
             <a:spAutoFit/>
           </a:bodyPr>
           <a:p>
-            <a:endParaRPr b="0" lang="en-US" sz="1800" spc="-1" strike="noStrike">
-              <a:solidFill>
-                <a:srgbClr val="000000"/>
-              </a:solidFill>
-              <a:latin typeface="Calibri"/>
-            </a:endParaRPr>
-          </a:p>
-        </p:txBody>
-      </p:sp>
-      <p:sp>
-        <p:nvSpPr>
-          <p:cNvPr id="10" name="PlaceHolder 2"/>
+            <a:pPr algn="ctr"/>
+            <a:endParaRPr b="0" lang="en-CA" sz="4400" spc="-1" strike="noStrike">
+              <a:latin typeface="Arial"/>
+            </a:endParaRPr>
+          </a:p>
+        </p:txBody>
+      </p:sp>
+      <p:sp>
+        <p:nvSpPr>
+          <p:cNvPr id="7" name="PlaceHolder 2"/>
           <p:cNvSpPr>
             <a:spLocks noGrp="1"/>
           </p:cNvSpPr>
@@ -2301,8 +2156,8 @@
         </p:nvSpPr>
         <p:spPr>
           <a:xfrm>
-            <a:off x="838080" y="1825560"/>
-            <a:ext cx="5131080" cy="4350960"/>
+            <a:off x="609480" y="1604520"/>
+            <a:ext cx="5354280" cy="3977280"/>
           </a:xfrm>
           <a:prstGeom prst="rect">
             <a:avLst/>
@@ -2313,18 +2168,15 @@
             <a:normAutofit/>
           </a:bodyPr>
           <a:p>
-            <a:endParaRPr b="0" lang="en-US" sz="2800" spc="-1" strike="noStrike">
-              <a:solidFill>
-                <a:srgbClr val="000000"/>
-              </a:solidFill>
-              <a:latin typeface="Calibri"/>
-            </a:endParaRPr>
-          </a:p>
-        </p:txBody>
-      </p:sp>
-      <p:sp>
-        <p:nvSpPr>
-          <p:cNvPr id="11" name="PlaceHolder 3"/>
+            <a:endParaRPr b="0" lang="en-CA" sz="3200" spc="-1" strike="noStrike">
+              <a:latin typeface="Arial"/>
+            </a:endParaRPr>
+          </a:p>
+        </p:txBody>
+      </p:sp>
+      <p:sp>
+        <p:nvSpPr>
+          <p:cNvPr id="8" name="PlaceHolder 3"/>
           <p:cNvSpPr>
             <a:spLocks noGrp="1"/>
           </p:cNvSpPr>
@@ -2334,8 +2186,8 @@
         </p:nvSpPr>
         <p:spPr>
           <a:xfrm>
-            <a:off x="6226200" y="1825560"/>
-            <a:ext cx="5131080" cy="4350960"/>
+            <a:off x="6231960" y="1604520"/>
+            <a:ext cx="5354280" cy="3977280"/>
           </a:xfrm>
           <a:prstGeom prst="rect">
             <a:avLst/>
@@ -2346,11 +2198,8 @@
             <a:normAutofit/>
           </a:bodyPr>
           <a:p>
-            <a:endParaRPr b="0" lang="en-US" sz="2800" spc="-1" strike="noStrike">
-              <a:solidFill>
-                <a:srgbClr val="000000"/>
-              </a:solidFill>
-              <a:latin typeface="Calibri"/>
+            <a:endParaRPr b="0" lang="en-CA" sz="3200" spc="-1" strike="noStrike">
+              <a:latin typeface="Arial"/>
             </a:endParaRPr>
           </a:p>
         </p:txBody>
@@ -2379,7 +2228,7 @@
       </p:grpSpPr>
       <p:sp>
         <p:nvSpPr>
-          <p:cNvPr id="12" name="PlaceHolder 1"/>
+          <p:cNvPr id="9" name="PlaceHolder 1"/>
           <p:cNvSpPr>
             <a:spLocks noGrp="1"/>
           </p:cNvSpPr>
@@ -2389,8 +2238,8 @@
         </p:nvSpPr>
         <p:spPr>
           <a:xfrm>
-            <a:off x="838080" y="365040"/>
-            <a:ext cx="10515240" cy="1325160"/>
+            <a:off x="609480" y="273600"/>
+            <a:ext cx="10972440" cy="1144800"/>
           </a:xfrm>
           <a:prstGeom prst="rect">
             <a:avLst/>
@@ -2401,11 +2250,9 @@
             <a:spAutoFit/>
           </a:bodyPr>
           <a:p>
-            <a:endParaRPr b="0" lang="en-US" sz="1800" spc="-1" strike="noStrike">
-              <a:solidFill>
-                <a:srgbClr val="000000"/>
-              </a:solidFill>
-              <a:latin typeface="Calibri"/>
+            <a:pPr algn="ctr"/>
+            <a:endParaRPr b="0" lang="en-CA" sz="4400" spc="-1" strike="noStrike">
+              <a:latin typeface="Arial"/>
             </a:endParaRPr>
           </a:p>
         </p:txBody>
@@ -2434,7 +2281,7 @@
       </p:grpSpPr>
       <p:sp>
         <p:nvSpPr>
-          <p:cNvPr id="13" name="PlaceHolder 1"/>
+          <p:cNvPr id="10" name="PlaceHolder 1"/>
           <p:cNvSpPr>
             <a:spLocks noGrp="1"/>
           </p:cNvSpPr>
@@ -2444,8 +2291,8 @@
         </p:nvSpPr>
         <p:spPr>
           <a:xfrm>
-            <a:off x="838080" y="365040"/>
-            <a:ext cx="10515240" cy="6144120"/>
+            <a:off x="609480" y="273600"/>
+            <a:ext cx="10972440" cy="5307840"/>
           </a:xfrm>
           <a:prstGeom prst="rect">
             <a:avLst/>
@@ -2487,7 +2334,7 @@
       </p:grpSpPr>
       <p:sp>
         <p:nvSpPr>
-          <p:cNvPr id="14" name="PlaceHolder 1"/>
+          <p:cNvPr id="11" name="PlaceHolder 1"/>
           <p:cNvSpPr>
             <a:spLocks noGrp="1"/>
           </p:cNvSpPr>
@@ -2497,8 +2344,8 @@
         </p:nvSpPr>
         <p:spPr>
           <a:xfrm>
-            <a:off x="838080" y="365040"/>
-            <a:ext cx="10515240" cy="1325160"/>
+            <a:off x="609480" y="273600"/>
+            <a:ext cx="10972440" cy="1144800"/>
           </a:xfrm>
           <a:prstGeom prst="rect">
             <a:avLst/>
@@ -2509,18 +2356,16 @@
             <a:spAutoFit/>
           </a:bodyPr>
           <a:p>
-            <a:endParaRPr b="0" lang="en-US" sz="1800" spc="-1" strike="noStrike">
-              <a:solidFill>
-                <a:srgbClr val="000000"/>
-              </a:solidFill>
-              <a:latin typeface="Calibri"/>
-            </a:endParaRPr>
-          </a:p>
-        </p:txBody>
-      </p:sp>
-      <p:sp>
-        <p:nvSpPr>
-          <p:cNvPr id="15" name="PlaceHolder 2"/>
+            <a:pPr algn="ctr"/>
+            <a:endParaRPr b="0" lang="en-CA" sz="4400" spc="-1" strike="noStrike">
+              <a:latin typeface="Arial"/>
+            </a:endParaRPr>
+          </a:p>
+        </p:txBody>
+      </p:sp>
+      <p:sp>
+        <p:nvSpPr>
+          <p:cNvPr id="12" name="PlaceHolder 2"/>
           <p:cNvSpPr>
             <a:spLocks noGrp="1"/>
           </p:cNvSpPr>
@@ -2530,8 +2375,8 @@
         </p:nvSpPr>
         <p:spPr>
           <a:xfrm>
-            <a:off x="838080" y="1825560"/>
-            <a:ext cx="5131080" cy="2075040"/>
+            <a:off x="609480" y="1604520"/>
+            <a:ext cx="5354280" cy="1896840"/>
           </a:xfrm>
           <a:prstGeom prst="rect">
             <a:avLst/>
@@ -2542,18 +2387,15 @@
             <a:normAutofit/>
           </a:bodyPr>
           <a:p>
-            <a:endParaRPr b="0" lang="en-US" sz="2800" spc="-1" strike="noStrike">
-              <a:solidFill>
-                <a:srgbClr val="000000"/>
-              </a:solidFill>
-              <a:latin typeface="Calibri"/>
-            </a:endParaRPr>
-          </a:p>
-        </p:txBody>
-      </p:sp>
-      <p:sp>
-        <p:nvSpPr>
-          <p:cNvPr id="16" name="PlaceHolder 3"/>
+            <a:endParaRPr b="0" lang="en-CA" sz="3200" spc="-1" strike="noStrike">
+              <a:latin typeface="Arial"/>
+            </a:endParaRPr>
+          </a:p>
+        </p:txBody>
+      </p:sp>
+      <p:sp>
+        <p:nvSpPr>
+          <p:cNvPr id="13" name="PlaceHolder 3"/>
           <p:cNvSpPr>
             <a:spLocks noGrp="1"/>
           </p:cNvSpPr>
@@ -2563,8 +2405,8 @@
         </p:nvSpPr>
         <p:spPr>
           <a:xfrm>
-            <a:off x="6226200" y="1825560"/>
-            <a:ext cx="5131080" cy="4350960"/>
+            <a:off x="6231960" y="1604520"/>
+            <a:ext cx="5354280" cy="3977280"/>
           </a:xfrm>
           <a:prstGeom prst="rect">
             <a:avLst/>
@@ -2575,18 +2417,15 @@
             <a:normAutofit/>
           </a:bodyPr>
           <a:p>
-            <a:endParaRPr b="0" lang="en-US" sz="2800" spc="-1" strike="noStrike">
-              <a:solidFill>
-                <a:srgbClr val="000000"/>
-              </a:solidFill>
-              <a:latin typeface="Calibri"/>
-            </a:endParaRPr>
-          </a:p>
-        </p:txBody>
-      </p:sp>
-      <p:sp>
-        <p:nvSpPr>
-          <p:cNvPr id="17" name="PlaceHolder 4"/>
+            <a:endParaRPr b="0" lang="en-CA" sz="3200" spc="-1" strike="noStrike">
+              <a:latin typeface="Arial"/>
+            </a:endParaRPr>
+          </a:p>
+        </p:txBody>
+      </p:sp>
+      <p:sp>
+        <p:nvSpPr>
+          <p:cNvPr id="14" name="PlaceHolder 4"/>
           <p:cNvSpPr>
             <a:spLocks noGrp="1"/>
           </p:cNvSpPr>
@@ -2596,8 +2435,8 @@
         </p:nvSpPr>
         <p:spPr>
           <a:xfrm>
-            <a:off x="838080" y="4098240"/>
-            <a:ext cx="5131080" cy="2075040"/>
+            <a:off x="609480" y="3682080"/>
+            <a:ext cx="5354280" cy="1896840"/>
           </a:xfrm>
           <a:prstGeom prst="rect">
             <a:avLst/>
@@ -2608,11 +2447,8 @@
             <a:normAutofit/>
           </a:bodyPr>
           <a:p>
-            <a:endParaRPr b="0" lang="en-US" sz="2800" spc="-1" strike="noStrike">
-              <a:solidFill>
-                <a:srgbClr val="000000"/>
-              </a:solidFill>
-              <a:latin typeface="Calibri"/>
+            <a:endParaRPr b="0" lang="en-CA" sz="3200" spc="-1" strike="noStrike">
+              <a:latin typeface="Arial"/>
             </a:endParaRPr>
           </a:p>
         </p:txBody>
@@ -2641,7 +2477,7 @@
       </p:grpSpPr>
       <p:sp>
         <p:nvSpPr>
-          <p:cNvPr id="18" name="PlaceHolder 1"/>
+          <p:cNvPr id="15" name="PlaceHolder 1"/>
           <p:cNvSpPr>
             <a:spLocks noGrp="1"/>
           </p:cNvSpPr>
@@ -2651,8 +2487,8 @@
         </p:nvSpPr>
         <p:spPr>
           <a:xfrm>
-            <a:off x="838080" y="365040"/>
-            <a:ext cx="10515240" cy="1325160"/>
+            <a:off x="609480" y="273600"/>
+            <a:ext cx="10972440" cy="1144800"/>
           </a:xfrm>
           <a:prstGeom prst="rect">
             <a:avLst/>
@@ -2663,18 +2499,16 @@
             <a:spAutoFit/>
           </a:bodyPr>
           <a:p>
-            <a:endParaRPr b="0" lang="en-US" sz="1800" spc="-1" strike="noStrike">
-              <a:solidFill>
-                <a:srgbClr val="000000"/>
-              </a:solidFill>
-              <a:latin typeface="Calibri"/>
-            </a:endParaRPr>
-          </a:p>
-        </p:txBody>
-      </p:sp>
-      <p:sp>
-        <p:nvSpPr>
-          <p:cNvPr id="19" name="PlaceHolder 2"/>
+            <a:pPr algn="ctr"/>
+            <a:endParaRPr b="0" lang="en-CA" sz="4400" spc="-1" strike="noStrike">
+              <a:latin typeface="Arial"/>
+            </a:endParaRPr>
+          </a:p>
+        </p:txBody>
+      </p:sp>
+      <p:sp>
+        <p:nvSpPr>
+          <p:cNvPr id="16" name="PlaceHolder 2"/>
           <p:cNvSpPr>
             <a:spLocks noGrp="1"/>
           </p:cNvSpPr>
@@ -2684,8 +2518,8 @@
         </p:nvSpPr>
         <p:spPr>
           <a:xfrm>
-            <a:off x="838080" y="1825560"/>
-            <a:ext cx="5131080" cy="4350960"/>
+            <a:off x="609480" y="1604520"/>
+            <a:ext cx="5354280" cy="3977280"/>
           </a:xfrm>
           <a:prstGeom prst="rect">
             <a:avLst/>
@@ -2696,18 +2530,15 @@
             <a:normAutofit/>
           </a:bodyPr>
           <a:p>
-            <a:endParaRPr b="0" lang="en-US" sz="2800" spc="-1" strike="noStrike">
-              <a:solidFill>
-                <a:srgbClr val="000000"/>
-              </a:solidFill>
-              <a:latin typeface="Calibri"/>
-            </a:endParaRPr>
-          </a:p>
-        </p:txBody>
-      </p:sp>
-      <p:sp>
-        <p:nvSpPr>
-          <p:cNvPr id="20" name="PlaceHolder 3"/>
+            <a:endParaRPr b="0" lang="en-CA" sz="3200" spc="-1" strike="noStrike">
+              <a:latin typeface="Arial"/>
+            </a:endParaRPr>
+          </a:p>
+        </p:txBody>
+      </p:sp>
+      <p:sp>
+        <p:nvSpPr>
+          <p:cNvPr id="17" name="PlaceHolder 3"/>
           <p:cNvSpPr>
             <a:spLocks noGrp="1"/>
           </p:cNvSpPr>
@@ -2717,8 +2548,8 @@
         </p:nvSpPr>
         <p:spPr>
           <a:xfrm>
-            <a:off x="6226200" y="1825560"/>
-            <a:ext cx="5131080" cy="2075040"/>
+            <a:off x="6231960" y="1604520"/>
+            <a:ext cx="5354280" cy="1896840"/>
           </a:xfrm>
           <a:prstGeom prst="rect">
             <a:avLst/>
@@ -2729,18 +2560,15 @@
             <a:normAutofit/>
           </a:bodyPr>
           <a:p>
-            <a:endParaRPr b="0" lang="en-US" sz="2800" spc="-1" strike="noStrike">
-              <a:solidFill>
-                <a:srgbClr val="000000"/>
-              </a:solidFill>
-              <a:latin typeface="Calibri"/>
-            </a:endParaRPr>
-          </a:p>
-        </p:txBody>
-      </p:sp>
-      <p:sp>
-        <p:nvSpPr>
-          <p:cNvPr id="21" name="PlaceHolder 4"/>
+            <a:endParaRPr b="0" lang="en-CA" sz="3200" spc="-1" strike="noStrike">
+              <a:latin typeface="Arial"/>
+            </a:endParaRPr>
+          </a:p>
+        </p:txBody>
+      </p:sp>
+      <p:sp>
+        <p:nvSpPr>
+          <p:cNvPr id="18" name="PlaceHolder 4"/>
           <p:cNvSpPr>
             <a:spLocks noGrp="1"/>
           </p:cNvSpPr>
@@ -2750,8 +2578,8 @@
         </p:nvSpPr>
         <p:spPr>
           <a:xfrm>
-            <a:off x="6226200" y="4098240"/>
-            <a:ext cx="5131080" cy="2075040"/>
+            <a:off x="6231960" y="3682080"/>
+            <a:ext cx="5354280" cy="1896840"/>
           </a:xfrm>
           <a:prstGeom prst="rect">
             <a:avLst/>
@@ -2762,11 +2590,8 @@
             <a:normAutofit/>
           </a:bodyPr>
           <a:p>
-            <a:endParaRPr b="0" lang="en-US" sz="2800" spc="-1" strike="noStrike">
-              <a:solidFill>
-                <a:srgbClr val="000000"/>
-              </a:solidFill>
-              <a:latin typeface="Calibri"/>
+            <a:endParaRPr b="0" lang="en-CA" sz="3200" spc="-1" strike="noStrike">
+              <a:latin typeface="Arial"/>
             </a:endParaRPr>
           </a:p>
         </p:txBody>
@@ -2795,7 +2620,7 @@
       </p:grpSpPr>
       <p:sp>
         <p:nvSpPr>
-          <p:cNvPr id="22" name="PlaceHolder 1"/>
+          <p:cNvPr id="19" name="PlaceHolder 1"/>
           <p:cNvSpPr>
             <a:spLocks noGrp="1"/>
           </p:cNvSpPr>
@@ -2805,8 +2630,8 @@
         </p:nvSpPr>
         <p:spPr>
           <a:xfrm>
-            <a:off x="838080" y="365040"/>
-            <a:ext cx="10515240" cy="1325160"/>
+            <a:off x="609480" y="273600"/>
+            <a:ext cx="10972440" cy="1144800"/>
           </a:xfrm>
           <a:prstGeom prst="rect">
             <a:avLst/>
@@ -2817,18 +2642,16 @@
             <a:spAutoFit/>
           </a:bodyPr>
           <a:p>
-            <a:endParaRPr b="0" lang="en-US" sz="1800" spc="-1" strike="noStrike">
-              <a:solidFill>
-                <a:srgbClr val="000000"/>
-              </a:solidFill>
-              <a:latin typeface="Calibri"/>
-            </a:endParaRPr>
-          </a:p>
-        </p:txBody>
-      </p:sp>
-      <p:sp>
-        <p:nvSpPr>
-          <p:cNvPr id="23" name="PlaceHolder 2"/>
+            <a:pPr algn="ctr"/>
+            <a:endParaRPr b="0" lang="en-CA" sz="4400" spc="-1" strike="noStrike">
+              <a:latin typeface="Arial"/>
+            </a:endParaRPr>
+          </a:p>
+        </p:txBody>
+      </p:sp>
+      <p:sp>
+        <p:nvSpPr>
+          <p:cNvPr id="20" name="PlaceHolder 2"/>
           <p:cNvSpPr>
             <a:spLocks noGrp="1"/>
           </p:cNvSpPr>
@@ -2838,8 +2661,8 @@
         </p:nvSpPr>
         <p:spPr>
           <a:xfrm>
-            <a:off x="838080" y="1825560"/>
-            <a:ext cx="5131080" cy="2075040"/>
+            <a:off x="609480" y="1604520"/>
+            <a:ext cx="5354280" cy="1896840"/>
           </a:xfrm>
           <a:prstGeom prst="rect">
             <a:avLst/>
@@ -2850,18 +2673,15 @@
             <a:normAutofit/>
           </a:bodyPr>
           <a:p>
-            <a:endParaRPr b="0" lang="en-US" sz="2800" spc="-1" strike="noStrike">
-              <a:solidFill>
-                <a:srgbClr val="000000"/>
-              </a:solidFill>
-              <a:latin typeface="Calibri"/>
-            </a:endParaRPr>
-          </a:p>
-        </p:txBody>
-      </p:sp>
-      <p:sp>
-        <p:nvSpPr>
-          <p:cNvPr id="24" name="PlaceHolder 3"/>
+            <a:endParaRPr b="0" lang="en-CA" sz="3200" spc="-1" strike="noStrike">
+              <a:latin typeface="Arial"/>
+            </a:endParaRPr>
+          </a:p>
+        </p:txBody>
+      </p:sp>
+      <p:sp>
+        <p:nvSpPr>
+          <p:cNvPr id="21" name="PlaceHolder 3"/>
           <p:cNvSpPr>
             <a:spLocks noGrp="1"/>
           </p:cNvSpPr>
@@ -2871,8 +2691,8 @@
         </p:nvSpPr>
         <p:spPr>
           <a:xfrm>
-            <a:off x="6226200" y="1825560"/>
-            <a:ext cx="5131080" cy="2075040"/>
+            <a:off x="6231960" y="1604520"/>
+            <a:ext cx="5354280" cy="1896840"/>
           </a:xfrm>
           <a:prstGeom prst="rect">
             <a:avLst/>
@@ -2883,18 +2703,15 @@
             <a:normAutofit/>
           </a:bodyPr>
           <a:p>
-            <a:endParaRPr b="0" lang="en-US" sz="2800" spc="-1" strike="noStrike">
-              <a:solidFill>
-                <a:srgbClr val="000000"/>
-              </a:solidFill>
-              <a:latin typeface="Calibri"/>
-            </a:endParaRPr>
-          </a:p>
-        </p:txBody>
-      </p:sp>
-      <p:sp>
-        <p:nvSpPr>
-          <p:cNvPr id="25" name="PlaceHolder 4"/>
+            <a:endParaRPr b="0" lang="en-CA" sz="3200" spc="-1" strike="noStrike">
+              <a:latin typeface="Arial"/>
+            </a:endParaRPr>
+          </a:p>
+        </p:txBody>
+      </p:sp>
+      <p:sp>
+        <p:nvSpPr>
+          <p:cNvPr id="22" name="PlaceHolder 4"/>
           <p:cNvSpPr>
             <a:spLocks noGrp="1"/>
           </p:cNvSpPr>
@@ -2904,8 +2721,8 @@
         </p:nvSpPr>
         <p:spPr>
           <a:xfrm>
-            <a:off x="838080" y="4098240"/>
-            <a:ext cx="10515240" cy="2075040"/>
+            <a:off x="609480" y="3682080"/>
+            <a:ext cx="10972440" cy="1896840"/>
           </a:xfrm>
           <a:prstGeom prst="rect">
             <a:avLst/>
@@ -2916,11 +2733,8 @@
             <a:normAutofit/>
           </a:bodyPr>
           <a:p>
-            <a:endParaRPr b="0" lang="en-US" sz="2800" spc="-1" strike="noStrike">
-              <a:solidFill>
-                <a:srgbClr val="000000"/>
-              </a:solidFill>
-              <a:latin typeface="Calibri"/>
+            <a:endParaRPr b="0" lang="en-CA" sz="3200" spc="-1" strike="noStrike">
+              <a:latin typeface="Arial"/>
             </a:endParaRPr>
           </a:p>
         </p:txBody>
@@ -2966,37 +2780,26 @@
         </p:nvSpPr>
         <p:spPr>
           <a:xfrm>
-            <a:off x="1523880" y="1122480"/>
-            <a:ext cx="9143640" cy="2387160"/>
-          </a:xfrm>
-          <a:prstGeom prst="rect">
-            <a:avLst/>
-          </a:prstGeom>
-        </p:spPr>
-        <p:txBody>
-          <a:bodyPr anchor="b">
-            <a:noAutofit/>
-          </a:bodyPr>
-          <a:p>
-            <a:pPr algn="ctr">
-              <a:lnSpc>
-                <a:spcPct val="90000"/>
-              </a:lnSpc>
-            </a:pPr>
-            <a:r>
-              <a:rPr b="0" lang="en-US" sz="6000" spc="-1" strike="noStrike">
-                <a:solidFill>
-                  <a:srgbClr val="000000"/>
-                </a:solidFill>
-                <a:latin typeface="Calibri Light"/>
-              </a:rPr>
-              <a:t>Click to edit Master title style</a:t>
-            </a:r>
-            <a:endParaRPr b="0" lang="en-US" sz="6000" spc="-1" strike="noStrike">
-              <a:solidFill>
-                <a:srgbClr val="000000"/>
-              </a:solidFill>
-              <a:latin typeface="Calibri"/>
+            <a:off x="838080" y="454680"/>
+            <a:ext cx="10514880" cy="1145160"/>
+          </a:xfrm>
+          <a:prstGeom prst="rect">
+            <a:avLst/>
+          </a:prstGeom>
+        </p:spPr>
+        <p:txBody>
+          <a:bodyPr lIns="0" rIns="0" tIns="0" bIns="0" anchor="ctr">
+            <a:spAutoFit/>
+          </a:bodyPr>
+          <a:p>
+            <a:r>
+              <a:rPr b="0" lang="en-CA" sz="1800" spc="-1" strike="noStrike">
+                <a:latin typeface="Arial"/>
+              </a:rPr>
+              <a:t>Click to edit the title text format</a:t>
+            </a:r>
+            <a:endParaRPr b="0" lang="en-CA" sz="1800" spc="-1" strike="noStrike">
+              <a:latin typeface="Arial"/>
             </a:endParaRPr>
           </a:p>
         </p:txBody>
@@ -3004,124 +2807,6 @@
       <p:sp>
         <p:nvSpPr>
           <p:cNvPr id="1" name="PlaceHolder 2"/>
-          <p:cNvSpPr>
-            <a:spLocks noGrp="1"/>
-          </p:cNvSpPr>
-          <p:nvPr>
-            <p:ph type="dt"/>
-          </p:nvPr>
-        </p:nvSpPr>
-        <p:spPr>
-          <a:xfrm>
-            <a:off x="838080" y="6356520"/>
-            <a:ext cx="2742840" cy="364680"/>
-          </a:xfrm>
-          <a:prstGeom prst="rect">
-            <a:avLst/>
-          </a:prstGeom>
-        </p:spPr>
-        <p:txBody>
-          <a:bodyPr anchor="ctr">
-            <a:noAutofit/>
-          </a:bodyPr>
-          <a:p>
-            <a:pPr>
-              <a:lnSpc>
-                <a:spcPct val="100000"/>
-              </a:lnSpc>
-            </a:pPr>
-            <a:fld id="{DD43534D-8F6A-4B01-87A5-14F223D578EB}" type="datetime">
-              <a:rPr b="0" lang="en-CA" sz="1200" spc="-1" strike="noStrike">
-                <a:solidFill>
-                  <a:srgbClr val="8b8b8b"/>
-                </a:solidFill>
-                <a:latin typeface="Calibri"/>
-              </a:rPr>
-              <a:t>24-1-17</a:t>
-            </a:fld>
-            <a:endParaRPr b="0" lang="en-CA" sz="1200" spc="-1" strike="noStrike">
-              <a:latin typeface="Times New Roman"/>
-            </a:endParaRPr>
-          </a:p>
-        </p:txBody>
-      </p:sp>
-      <p:sp>
-        <p:nvSpPr>
-          <p:cNvPr id="2" name="PlaceHolder 3"/>
-          <p:cNvSpPr>
-            <a:spLocks noGrp="1"/>
-          </p:cNvSpPr>
-          <p:nvPr>
-            <p:ph type="ftr"/>
-          </p:nvPr>
-        </p:nvSpPr>
-        <p:spPr>
-          <a:xfrm>
-            <a:off x="4038480" y="6356520"/>
-            <a:ext cx="4114440" cy="364680"/>
-          </a:xfrm>
-          <a:prstGeom prst="rect">
-            <a:avLst/>
-          </a:prstGeom>
-        </p:spPr>
-        <p:txBody>
-          <a:bodyPr anchor="ctr">
-            <a:noAutofit/>
-          </a:bodyPr>
-          <a:p>
-            <a:endParaRPr b="0" lang="en-CA" sz="2400" spc="-1" strike="noStrike">
-              <a:latin typeface="Times New Roman"/>
-            </a:endParaRPr>
-          </a:p>
-        </p:txBody>
-      </p:sp>
-      <p:sp>
-        <p:nvSpPr>
-          <p:cNvPr id="3" name="PlaceHolder 4"/>
-          <p:cNvSpPr>
-            <a:spLocks noGrp="1"/>
-          </p:cNvSpPr>
-          <p:nvPr>
-            <p:ph type="sldNum"/>
-          </p:nvPr>
-        </p:nvSpPr>
-        <p:spPr>
-          <a:xfrm>
-            <a:off x="8610480" y="6356520"/>
-            <a:ext cx="2742840" cy="364680"/>
-          </a:xfrm>
-          <a:prstGeom prst="rect">
-            <a:avLst/>
-          </a:prstGeom>
-        </p:spPr>
-        <p:txBody>
-          <a:bodyPr anchor="ctr">
-            <a:noAutofit/>
-          </a:bodyPr>
-          <a:p>
-            <a:pPr algn="r">
-              <a:lnSpc>
-                <a:spcPct val="100000"/>
-              </a:lnSpc>
-            </a:pPr>
-            <a:fld id="{0F9F9542-A11B-4475-8A5D-847CD6EADB69}" type="slidenum">
-              <a:rPr b="0" lang="en-CA" sz="1200" spc="-1" strike="noStrike">
-                <a:solidFill>
-                  <a:srgbClr val="8b8b8b"/>
-                </a:solidFill>
-                <a:latin typeface="Calibri"/>
-              </a:rPr>
-              <a:t>12</a:t>
-            </a:fld>
-            <a:endParaRPr b="0" lang="en-CA" sz="1200" spc="-1" strike="noStrike">
-              <a:latin typeface="Times New Roman"/>
-            </a:endParaRPr>
-          </a:p>
-        </p:txBody>
-      </p:sp>
-      <p:sp>
-        <p:nvSpPr>
-          <p:cNvPr id="4" name="PlaceHolder 5"/>
           <p:cNvSpPr>
             <a:spLocks noGrp="1"/>
           </p:cNvSpPr>
@@ -3155,19 +2840,13 @@
               <a:buChar char=""/>
             </a:pPr>
             <a:r>
-              <a:rPr b="0" lang="en-US" sz="2800" spc="-1" strike="noStrike">
-                <a:solidFill>
-                  <a:srgbClr val="000000"/>
-                </a:solidFill>
-                <a:latin typeface="Calibri"/>
+              <a:rPr b="0" lang="en-CA" sz="3200" spc="-1" strike="noStrike">
+                <a:latin typeface="Arial"/>
               </a:rPr>
               <a:t>Click to edit the outline text format</a:t>
             </a:r>
-            <a:endParaRPr b="0" lang="en-US" sz="2800" spc="-1" strike="noStrike">
-              <a:solidFill>
-                <a:srgbClr val="000000"/>
-              </a:solidFill>
-              <a:latin typeface="Calibri"/>
+            <a:endParaRPr b="0" lang="en-CA" sz="3200" spc="-1" strike="noStrike">
+              <a:latin typeface="Arial"/>
             </a:endParaRPr>
           </a:p>
           <a:p>
@@ -3183,19 +2862,13 @@
               <a:buChar char=""/>
             </a:pPr>
             <a:r>
-              <a:rPr b="0" lang="en-US" sz="2000" spc="-1" strike="noStrike">
-                <a:solidFill>
-                  <a:srgbClr val="000000"/>
-                </a:solidFill>
-                <a:latin typeface="Calibri"/>
+              <a:rPr b="0" lang="en-CA" sz="2800" spc="-1" strike="noStrike">
+                <a:latin typeface="Arial"/>
               </a:rPr>
               <a:t>Second Outline Level</a:t>
             </a:r>
-            <a:endParaRPr b="0" lang="en-US" sz="2000" spc="-1" strike="noStrike">
-              <a:solidFill>
-                <a:srgbClr val="000000"/>
-              </a:solidFill>
-              <a:latin typeface="Calibri"/>
+            <a:endParaRPr b="0" lang="en-CA" sz="2800" spc="-1" strike="noStrike">
+              <a:latin typeface="Arial"/>
             </a:endParaRPr>
           </a:p>
           <a:p>
@@ -3211,19 +2884,13 @@
               <a:buChar char=""/>
             </a:pPr>
             <a:r>
-              <a:rPr b="0" lang="en-US" sz="1800" spc="-1" strike="noStrike">
-                <a:solidFill>
-                  <a:srgbClr val="000000"/>
-                </a:solidFill>
-                <a:latin typeface="Calibri"/>
+              <a:rPr b="0" lang="en-CA" sz="2400" spc="-1" strike="noStrike">
+                <a:latin typeface="Arial"/>
               </a:rPr>
               <a:t>Third Outline Level</a:t>
             </a:r>
-            <a:endParaRPr b="0" lang="en-US" sz="1800" spc="-1" strike="noStrike">
-              <a:solidFill>
-                <a:srgbClr val="000000"/>
-              </a:solidFill>
-              <a:latin typeface="Calibri"/>
+            <a:endParaRPr b="0" lang="en-CA" sz="2400" spc="-1" strike="noStrike">
+              <a:latin typeface="Arial"/>
             </a:endParaRPr>
           </a:p>
           <a:p>
@@ -3239,19 +2906,13 @@
               <a:buChar char=""/>
             </a:pPr>
             <a:r>
-              <a:rPr b="0" lang="en-US" sz="1800" spc="-1" strike="noStrike">
-                <a:solidFill>
-                  <a:srgbClr val="000000"/>
-                </a:solidFill>
-                <a:latin typeface="Calibri"/>
+              <a:rPr b="0" lang="en-CA" sz="2000" spc="-1" strike="noStrike">
+                <a:latin typeface="Arial"/>
               </a:rPr>
               <a:t>Fourth Outline Level</a:t>
             </a:r>
-            <a:endParaRPr b="0" lang="en-US" sz="1800" spc="-1" strike="noStrike">
-              <a:solidFill>
-                <a:srgbClr val="000000"/>
-              </a:solidFill>
-              <a:latin typeface="Calibri"/>
+            <a:endParaRPr b="0" lang="en-CA" sz="2000" spc="-1" strike="noStrike">
+              <a:latin typeface="Arial"/>
             </a:endParaRPr>
           </a:p>
           <a:p>
@@ -3267,19 +2928,13 @@
               <a:buChar char=""/>
             </a:pPr>
             <a:r>
-              <a:rPr b="0" lang="en-US" sz="2000" spc="-1" strike="noStrike">
-                <a:solidFill>
-                  <a:srgbClr val="000000"/>
-                </a:solidFill>
-                <a:latin typeface="Calibri"/>
+              <a:rPr b="0" lang="en-CA" sz="2000" spc="-1" strike="noStrike">
+                <a:latin typeface="Arial"/>
               </a:rPr>
               <a:t>Fifth Outline Level</a:t>
             </a:r>
-            <a:endParaRPr b="0" lang="en-US" sz="2000" spc="-1" strike="noStrike">
-              <a:solidFill>
-                <a:srgbClr val="000000"/>
-              </a:solidFill>
-              <a:latin typeface="Calibri"/>
+            <a:endParaRPr b="0" lang="en-CA" sz="2000" spc="-1" strike="noStrike">
+              <a:latin typeface="Arial"/>
             </a:endParaRPr>
           </a:p>
           <a:p>
@@ -3295,19 +2950,13 @@
               <a:buChar char=""/>
             </a:pPr>
             <a:r>
-              <a:rPr b="0" lang="en-US" sz="2000" spc="-1" strike="noStrike">
-                <a:solidFill>
-                  <a:srgbClr val="000000"/>
-                </a:solidFill>
-                <a:latin typeface="Calibri"/>
+              <a:rPr b="0" lang="en-CA" sz="2000" spc="-1" strike="noStrike">
+                <a:latin typeface="Arial"/>
               </a:rPr>
               <a:t>Sixth Outline Level</a:t>
             </a:r>
-            <a:endParaRPr b="0" lang="en-US" sz="2000" spc="-1" strike="noStrike">
-              <a:solidFill>
-                <a:srgbClr val="000000"/>
-              </a:solidFill>
-              <a:latin typeface="Calibri"/>
+            <a:endParaRPr b="0" lang="en-CA" sz="2000" spc="-1" strike="noStrike">
+              <a:latin typeface="Arial"/>
             </a:endParaRPr>
           </a:p>
           <a:p>
@@ -3323,19 +2972,13 @@
               <a:buChar char=""/>
             </a:pPr>
             <a:r>
-              <a:rPr b="0" lang="en-US" sz="2000" spc="-1" strike="noStrike">
-                <a:solidFill>
-                  <a:srgbClr val="000000"/>
-                </a:solidFill>
-                <a:latin typeface="Calibri"/>
+              <a:rPr b="0" lang="en-CA" sz="2000" spc="-1" strike="noStrike">
+                <a:latin typeface="Arial"/>
               </a:rPr>
               <a:t>Seventh Outline Level</a:t>
             </a:r>
-            <a:endParaRPr b="0" lang="en-US" sz="2000" spc="-1" strike="noStrike">
-              <a:solidFill>
-                <a:srgbClr val="000000"/>
-              </a:solidFill>
-              <a:latin typeface="Calibri"/>
+            <a:endParaRPr b="0" lang="en-CA" sz="2000" spc="-1" strike="noStrike">
+              <a:latin typeface="Arial"/>
             </a:endParaRPr>
           </a:p>
         </p:txBody>
@@ -3386,7 +3029,7 @@
       </p:grpSpPr>
       <p:sp>
         <p:nvSpPr>
-          <p:cNvPr id="41" name="PlaceHolder 1"/>
+          <p:cNvPr id="38" name="PlaceHolder 1"/>
           <p:cNvSpPr>
             <a:spLocks noGrp="1"/>
           </p:cNvSpPr>
@@ -3396,44 +3039,34 @@
         </p:nvSpPr>
         <p:spPr>
           <a:xfrm>
-            <a:off x="838080" y="365040"/>
-            <a:ext cx="10515240" cy="1325160"/>
-          </a:xfrm>
-          <a:prstGeom prst="rect">
-            <a:avLst/>
-          </a:prstGeom>
-        </p:spPr>
-        <p:txBody>
-          <a:bodyPr anchor="ctr">
+            <a:off x="609480" y="273600"/>
+            <a:ext cx="10972440" cy="1144800"/>
+          </a:xfrm>
+          <a:prstGeom prst="rect">
+            <a:avLst/>
+          </a:prstGeom>
+        </p:spPr>
+        <p:txBody>
+          <a:bodyPr lIns="0" rIns="0" tIns="0" bIns="0" anchor="ctr">
             <a:noAutofit/>
           </a:bodyPr>
           <a:p>
-            <a:pPr>
-              <a:lnSpc>
-                <a:spcPct val="90000"/>
-              </a:lnSpc>
-            </a:pPr>
-            <a:r>
-              <a:rPr b="0" lang="en-US" sz="4400" spc="-1" strike="noStrike">
-                <a:solidFill>
-                  <a:srgbClr val="000000"/>
-                </a:solidFill>
-                <a:latin typeface="Calibri Light"/>
-              </a:rPr>
-              <a:t>Click to edit Master title style</a:t>
-            </a:r>
-            <a:endParaRPr b="0" lang="en-US" sz="4400" spc="-1" strike="noStrike">
-              <a:solidFill>
-                <a:srgbClr val="000000"/>
-              </a:solidFill>
-              <a:latin typeface="Calibri"/>
-            </a:endParaRPr>
-          </a:p>
-        </p:txBody>
-      </p:sp>
-      <p:sp>
-        <p:nvSpPr>
-          <p:cNvPr id="42" name="PlaceHolder 2"/>
+            <a:pPr algn="ctr"/>
+            <a:r>
+              <a:rPr b="0" lang="en-CA" sz="4400" spc="-1" strike="noStrike">
+                <a:latin typeface="Arial"/>
+              </a:rPr>
+              <a:t>Click to edit the title text format</a:t>
+            </a:r>
+            <a:endParaRPr b="0" lang="en-CA" sz="4400" spc="-1" strike="noStrike">
+              <a:latin typeface="Arial"/>
+            </a:endParaRPr>
+          </a:p>
+        </p:txBody>
+      </p:sp>
+      <p:sp>
+        <p:nvSpPr>
+          <p:cNvPr id="39" name="PlaceHolder 2"/>
           <p:cNvSpPr>
             <a:spLocks noGrp="1"/>
           </p:cNvSpPr>
@@ -3443,283 +3076,169 @@
         </p:nvSpPr>
         <p:spPr>
           <a:xfrm>
-            <a:off x="838080" y="1825560"/>
-            <a:ext cx="10515240" cy="4350960"/>
-          </a:xfrm>
-          <a:prstGeom prst="rect">
-            <a:avLst/>
-          </a:prstGeom>
-        </p:spPr>
-        <p:txBody>
-          <a:bodyPr>
-            <a:noAutofit/>
-          </a:bodyPr>
-          <a:p>
-            <a:pPr marL="228600" indent="-228240">
-              <a:lnSpc>
-                <a:spcPct val="90000"/>
-              </a:lnSpc>
+            <a:off x="609480" y="1604520"/>
+            <a:ext cx="10972440" cy="3977280"/>
+          </a:xfrm>
+          <a:prstGeom prst="rect">
+            <a:avLst/>
+          </a:prstGeom>
+        </p:spPr>
+        <p:txBody>
+          <a:bodyPr lIns="0" rIns="0" tIns="0" bIns="0">
+            <a:normAutofit/>
+          </a:bodyPr>
+          <a:p>
+            <a:pPr marL="432000" indent="-324000">
               <a:spcBef>
-                <a:spcPts val="1001"/>
+                <a:spcPts val="1417"/>
               </a:spcBef>
               <a:buClr>
                 <a:srgbClr val="000000"/>
               </a:buClr>
-              <a:buFont typeface="Arial"/>
-              <a:buChar char="•"/>
-            </a:pPr>
-            <a:r>
-              <a:rPr b="0" lang="en-US" sz="2800" spc="-1" strike="noStrike">
-                <a:solidFill>
-                  <a:srgbClr val="000000"/>
-                </a:solidFill>
-                <a:latin typeface="Calibri"/>
-              </a:rPr>
-              <a:t>Click to edit Master text styles</a:t>
-            </a:r>
-            <a:endParaRPr b="0" lang="en-US" sz="2800" spc="-1" strike="noStrike">
-              <a:solidFill>
-                <a:srgbClr val="000000"/>
-              </a:solidFill>
-              <a:latin typeface="Calibri"/>
-            </a:endParaRPr>
-          </a:p>
-          <a:p>
-            <a:pPr lvl="1" marL="685800" indent="-228240">
-              <a:lnSpc>
-                <a:spcPct val="90000"/>
-              </a:lnSpc>
+              <a:buSzPct val="45000"/>
+              <a:buFont typeface="Wingdings" charset="2"/>
+              <a:buChar char=""/>
+            </a:pPr>
+            <a:r>
+              <a:rPr b="0" lang="en-CA" sz="3200" spc="-1" strike="noStrike">
+                <a:latin typeface="Arial"/>
+              </a:rPr>
+              <a:t>Click to edit the outline text format</a:t>
+            </a:r>
+            <a:endParaRPr b="0" lang="en-CA" sz="3200" spc="-1" strike="noStrike">
+              <a:latin typeface="Arial"/>
+            </a:endParaRPr>
+          </a:p>
+          <a:p>
+            <a:pPr lvl="1" marL="864000" indent="-324000">
               <a:spcBef>
-                <a:spcPts val="499"/>
+                <a:spcPts val="1134"/>
               </a:spcBef>
               <a:buClr>
                 <a:srgbClr val="000000"/>
               </a:buClr>
-              <a:buFont typeface="Arial"/>
-              <a:buChar char="•"/>
-            </a:pPr>
-            <a:r>
-              <a:rPr b="0" lang="en-US" sz="2400" spc="-1" strike="noStrike">
-                <a:solidFill>
-                  <a:srgbClr val="000000"/>
-                </a:solidFill>
-                <a:latin typeface="Calibri"/>
-              </a:rPr>
-              <a:t>Second level</a:t>
-            </a:r>
-            <a:endParaRPr b="0" lang="en-US" sz="2400" spc="-1" strike="noStrike">
-              <a:solidFill>
-                <a:srgbClr val="000000"/>
-              </a:solidFill>
-              <a:latin typeface="Calibri"/>
-            </a:endParaRPr>
-          </a:p>
-          <a:p>
-            <a:pPr lvl="2" marL="1143000" indent="-228240">
-              <a:lnSpc>
-                <a:spcPct val="90000"/>
-              </a:lnSpc>
+              <a:buSzPct val="75000"/>
+              <a:buFont typeface="Symbol" charset="2"/>
+              <a:buChar char=""/>
+            </a:pPr>
+            <a:r>
+              <a:rPr b="0" lang="en-CA" sz="2800" spc="-1" strike="noStrike">
+                <a:latin typeface="Arial"/>
+              </a:rPr>
+              <a:t>Second Outline Level</a:t>
+            </a:r>
+            <a:endParaRPr b="0" lang="en-CA" sz="2800" spc="-1" strike="noStrike">
+              <a:latin typeface="Arial"/>
+            </a:endParaRPr>
+          </a:p>
+          <a:p>
+            <a:pPr lvl="2" marL="1296000" indent="-288000">
               <a:spcBef>
-                <a:spcPts val="499"/>
+                <a:spcPts val="850"/>
               </a:spcBef>
               <a:buClr>
                 <a:srgbClr val="000000"/>
               </a:buClr>
-              <a:buFont typeface="Arial"/>
-              <a:buChar char="•"/>
-            </a:pPr>
-            <a:r>
-              <a:rPr b="0" lang="en-US" sz="2000" spc="-1" strike="noStrike">
-                <a:solidFill>
-                  <a:srgbClr val="000000"/>
-                </a:solidFill>
-                <a:latin typeface="Calibri"/>
-              </a:rPr>
-              <a:t>Third level</a:t>
-            </a:r>
-            <a:endParaRPr b="0" lang="en-US" sz="2000" spc="-1" strike="noStrike">
-              <a:solidFill>
-                <a:srgbClr val="000000"/>
-              </a:solidFill>
-              <a:latin typeface="Calibri"/>
-            </a:endParaRPr>
-          </a:p>
-          <a:p>
-            <a:pPr lvl="3" marL="1600200" indent="-228240">
-              <a:lnSpc>
-                <a:spcPct val="90000"/>
-              </a:lnSpc>
+              <a:buSzPct val="45000"/>
+              <a:buFont typeface="Wingdings" charset="2"/>
+              <a:buChar char=""/>
+            </a:pPr>
+            <a:r>
+              <a:rPr b="0" lang="en-CA" sz="2400" spc="-1" strike="noStrike">
+                <a:latin typeface="Arial"/>
+              </a:rPr>
+              <a:t>Third Outline Level</a:t>
+            </a:r>
+            <a:endParaRPr b="0" lang="en-CA" sz="2400" spc="-1" strike="noStrike">
+              <a:latin typeface="Arial"/>
+            </a:endParaRPr>
+          </a:p>
+          <a:p>
+            <a:pPr lvl="3" marL="1728000" indent="-216000">
               <a:spcBef>
-                <a:spcPts val="499"/>
+                <a:spcPts val="567"/>
               </a:spcBef>
               <a:buClr>
                 <a:srgbClr val="000000"/>
               </a:buClr>
-              <a:buFont typeface="Arial"/>
-              <a:buChar char="•"/>
-            </a:pPr>
-            <a:r>
-              <a:rPr b="0" lang="en-US" sz="1800" spc="-1" strike="noStrike">
-                <a:solidFill>
-                  <a:srgbClr val="000000"/>
-                </a:solidFill>
-                <a:latin typeface="Calibri"/>
-              </a:rPr>
-              <a:t>Fourth level</a:t>
-            </a:r>
-            <a:endParaRPr b="0" lang="en-US" sz="1800" spc="-1" strike="noStrike">
-              <a:solidFill>
-                <a:srgbClr val="000000"/>
-              </a:solidFill>
-              <a:latin typeface="Calibri"/>
-            </a:endParaRPr>
-          </a:p>
-          <a:p>
-            <a:pPr lvl="4" marL="2057400" indent="-228240">
-              <a:lnSpc>
-                <a:spcPct val="90000"/>
-              </a:lnSpc>
+              <a:buSzPct val="75000"/>
+              <a:buFont typeface="Symbol" charset="2"/>
+              <a:buChar char=""/>
+            </a:pPr>
+            <a:r>
+              <a:rPr b="0" lang="en-CA" sz="2000" spc="-1" strike="noStrike">
+                <a:latin typeface="Arial"/>
+              </a:rPr>
+              <a:t>Fourth Outline Level</a:t>
+            </a:r>
+            <a:endParaRPr b="0" lang="en-CA" sz="2000" spc="-1" strike="noStrike">
+              <a:latin typeface="Arial"/>
+            </a:endParaRPr>
+          </a:p>
+          <a:p>
+            <a:pPr lvl="4" marL="2160000" indent="-216000">
               <a:spcBef>
-                <a:spcPts val="499"/>
+                <a:spcPts val="283"/>
               </a:spcBef>
               <a:buClr>
                 <a:srgbClr val="000000"/>
               </a:buClr>
-              <a:buFont typeface="Arial"/>
-              <a:buChar char="•"/>
-            </a:pPr>
-            <a:r>
-              <a:rPr b="0" lang="en-US" sz="1800" spc="-1" strike="noStrike">
-                <a:solidFill>
-                  <a:srgbClr val="000000"/>
-                </a:solidFill>
-                <a:latin typeface="Calibri"/>
-              </a:rPr>
-              <a:t>Fifth level</a:t>
-            </a:r>
-            <a:endParaRPr b="0" lang="en-US" sz="1800" spc="-1" strike="noStrike">
-              <a:solidFill>
+              <a:buSzPct val="45000"/>
+              <a:buFont typeface="Wingdings" charset="2"/>
+              <a:buChar char=""/>
+            </a:pPr>
+            <a:r>
+              <a:rPr b="0" lang="en-CA" sz="2000" spc="-1" strike="noStrike">
+                <a:latin typeface="Arial"/>
+              </a:rPr>
+              <a:t>Fifth Outline Level</a:t>
+            </a:r>
+            <a:endParaRPr b="0" lang="en-CA" sz="2000" spc="-1" strike="noStrike">
+              <a:latin typeface="Arial"/>
+            </a:endParaRPr>
+          </a:p>
+          <a:p>
+            <a:pPr lvl="5" marL="2592000" indent="-216000">
+              <a:spcBef>
+                <a:spcPts val="283"/>
+              </a:spcBef>
+              <a:buClr>
                 <a:srgbClr val="000000"/>
-              </a:solidFill>
-              <a:latin typeface="Calibri"/>
-            </a:endParaRPr>
-          </a:p>
-        </p:txBody>
-      </p:sp>
-      <p:sp>
-        <p:nvSpPr>
-          <p:cNvPr id="43" name="PlaceHolder 3"/>
-          <p:cNvSpPr>
-            <a:spLocks noGrp="1"/>
-          </p:cNvSpPr>
-          <p:nvPr>
-            <p:ph type="dt"/>
-          </p:nvPr>
-        </p:nvSpPr>
-        <p:spPr>
-          <a:xfrm>
-            <a:off x="838080" y="6356520"/>
-            <a:ext cx="2742840" cy="364680"/>
-          </a:xfrm>
-          <a:prstGeom prst="rect">
-            <a:avLst/>
-          </a:prstGeom>
-        </p:spPr>
-        <p:txBody>
-          <a:bodyPr anchor="ctr">
-            <a:noAutofit/>
-          </a:bodyPr>
-          <a:p>
-            <a:pPr>
-              <a:lnSpc>
-                <a:spcPct val="100000"/>
-              </a:lnSpc>
-            </a:pPr>
-            <a:fld id="{284D8E68-6056-4354-9D1A-EDDD713CAEBF}" type="datetime">
-              <a:rPr b="0" lang="en-CA" sz="1200" spc="-1" strike="noStrike">
-                <a:solidFill>
-                  <a:srgbClr val="8b8b8b"/>
-                </a:solidFill>
-                <a:latin typeface="Calibri"/>
-              </a:rPr>
-              <a:t>24-1-17</a:t>
-            </a:fld>
-            <a:endParaRPr b="0" lang="en-CA" sz="1200" spc="-1" strike="noStrike">
-              <a:latin typeface="Times New Roman"/>
-            </a:endParaRPr>
-          </a:p>
-        </p:txBody>
-      </p:sp>
-      <p:sp>
-        <p:nvSpPr>
-          <p:cNvPr id="44" name="PlaceHolder 4"/>
-          <p:cNvSpPr>
-            <a:spLocks noGrp="1"/>
-          </p:cNvSpPr>
-          <p:nvPr>
-            <p:ph type="ftr"/>
-          </p:nvPr>
-        </p:nvSpPr>
-        <p:spPr>
-          <a:xfrm>
-            <a:off x="4038480" y="6356520"/>
-            <a:ext cx="4114440" cy="364680"/>
-          </a:xfrm>
-          <a:prstGeom prst="rect">
-            <a:avLst/>
-          </a:prstGeom>
-        </p:spPr>
-        <p:txBody>
-          <a:bodyPr anchor="ctr">
-            <a:noAutofit/>
-          </a:bodyPr>
-          <a:p>
-            <a:endParaRPr b="0" lang="en-CA" sz="2400" spc="-1" strike="noStrike">
-              <a:latin typeface="Times New Roman"/>
-            </a:endParaRPr>
-          </a:p>
-        </p:txBody>
-      </p:sp>
-      <p:sp>
-        <p:nvSpPr>
-          <p:cNvPr id="45" name="PlaceHolder 5"/>
-          <p:cNvSpPr>
-            <a:spLocks noGrp="1"/>
-          </p:cNvSpPr>
-          <p:nvPr>
-            <p:ph type="sldNum"/>
-          </p:nvPr>
-        </p:nvSpPr>
-        <p:spPr>
-          <a:xfrm>
-            <a:off x="8610480" y="6356520"/>
-            <a:ext cx="2742840" cy="364680"/>
-          </a:xfrm>
-          <a:prstGeom prst="rect">
-            <a:avLst/>
-          </a:prstGeom>
-        </p:spPr>
-        <p:txBody>
-          <a:bodyPr anchor="ctr">
-            <a:noAutofit/>
-          </a:bodyPr>
-          <a:p>
-            <a:pPr algn="r">
-              <a:lnSpc>
-                <a:spcPct val="100000"/>
-              </a:lnSpc>
-            </a:pPr>
-            <a:fld id="{418ECC2D-DC6D-45A8-B482-A810BE3D5FB1}" type="slidenum">
-              <a:rPr b="0" lang="en-CA" sz="1200" spc="-1" strike="noStrike">
-                <a:solidFill>
-                  <a:srgbClr val="8b8b8b"/>
-                </a:solidFill>
-                <a:latin typeface="Calibri"/>
-              </a:rPr>
-              <a:t>1</a:t>
-            </a:fld>
-            <a:endParaRPr b="0" lang="en-CA" sz="1200" spc="-1" strike="noStrike">
-              <a:latin typeface="Times New Roman"/>
+              </a:buClr>
+              <a:buSzPct val="45000"/>
+              <a:buFont typeface="Wingdings" charset="2"/>
+              <a:buChar char=""/>
+            </a:pPr>
+            <a:r>
+              <a:rPr b="0" lang="en-CA" sz="2000" spc="-1" strike="noStrike">
+                <a:latin typeface="Arial"/>
+              </a:rPr>
+              <a:t>Sixth Outline Level</a:t>
+            </a:r>
+            <a:endParaRPr b="0" lang="en-CA" sz="2000" spc="-1" strike="noStrike">
+              <a:latin typeface="Arial"/>
+            </a:endParaRPr>
+          </a:p>
+          <a:p>
+            <a:pPr lvl="6" marL="3024000" indent="-216000">
+              <a:spcBef>
+                <a:spcPts val="283"/>
+              </a:spcBef>
+              <a:buClr>
+                <a:srgbClr val="000000"/>
+              </a:buClr>
+              <a:buSzPct val="45000"/>
+              <a:buFont typeface="Wingdings" charset="2"/>
+              <a:buChar char=""/>
+            </a:pPr>
+            <a:r>
+              <a:rPr b="0" lang="en-CA" sz="2000" spc="-1" strike="noStrike">
+                <a:latin typeface="Arial"/>
+              </a:rPr>
+              <a:t>Seventh Outline Level</a:t>
+            </a:r>
+            <a:endParaRPr b="0" lang="en-CA" sz="2000" spc="-1" strike="noStrike">
+              <a:latin typeface="Arial"/>
             </a:endParaRPr>
           </a:p>
         </p:txBody>
@@ -3763,14 +3282,14 @@
       </p:grpSpPr>
       <p:sp>
         <p:nvSpPr>
-          <p:cNvPr id="82" name="TextShape 1"/>
-          <p:cNvSpPr txBox="1"/>
+          <p:cNvPr id="76" name="CustomShape 1"/>
+          <p:cNvSpPr/>
           <p:nvPr/>
         </p:nvSpPr>
         <p:spPr>
           <a:xfrm>
             <a:off x="1523880" y="1122480"/>
-            <a:ext cx="9143640" cy="2387160"/>
+            <a:ext cx="9143280" cy="2386800"/>
           </a:xfrm>
           <a:prstGeom prst="rect">
             <a:avLst/>
@@ -3780,8 +3299,14 @@
             <a:noFill/>
           </a:ln>
         </p:spPr>
-        <p:txBody>
-          <a:bodyPr anchor="b">
+        <p:style>
+          <a:lnRef idx="0"/>
+          <a:fillRef idx="0"/>
+          <a:effectRef idx="0"/>
+          <a:fontRef idx="minor"/>
+        </p:style>
+        <p:txBody>
+          <a:bodyPr lIns="90000" rIns="90000" tIns="45000" bIns="45000" anchor="b">
             <a:noAutofit/>
           </a:bodyPr>
           <a:p>
@@ -3791,7 +3316,7 @@
               </a:lnSpc>
             </a:pPr>
             <a:r>
-              <a:rPr b="0" lang="en-US" sz="6000" spc="-1" strike="noStrike">
+              <a:rPr b="0" lang="en-CA" sz="6000" spc="-1" strike="noStrike">
                 <a:solidFill>
                   <a:srgbClr val="000000"/>
                 </a:solidFill>
@@ -3799,25 +3324,22 @@
               </a:rPr>
               <a:t>OOP244_NHH</a:t>
             </a:r>
-            <a:endParaRPr b="0" lang="en-US" sz="6000" spc="-1" strike="noStrike">
-              <a:solidFill>
-                <a:srgbClr val="000000"/>
-              </a:solidFill>
-              <a:latin typeface="Calibri"/>
-            </a:endParaRPr>
-          </a:p>
-        </p:txBody>
-      </p:sp>
-      <p:sp>
-        <p:nvSpPr>
-          <p:cNvPr id="83" name="TextShape 2"/>
-          <p:cNvSpPr txBox="1"/>
+            <a:endParaRPr b="0" lang="en-CA" sz="6000" spc="-1" strike="noStrike">
+              <a:latin typeface="Arial"/>
+            </a:endParaRPr>
+          </a:p>
+        </p:txBody>
+      </p:sp>
+      <p:sp>
+        <p:nvSpPr>
+          <p:cNvPr id="77" name="CustomShape 2"/>
+          <p:cNvSpPr/>
           <p:nvPr/>
         </p:nvSpPr>
         <p:spPr>
           <a:xfrm>
             <a:off x="1523880" y="3602160"/>
-            <a:ext cx="9143640" cy="1655280"/>
+            <a:ext cx="9143280" cy="1654920"/>
           </a:xfrm>
           <a:prstGeom prst="rect">
             <a:avLst/>
@@ -3827,8 +3349,14 @@
             <a:noFill/>
           </a:ln>
         </p:spPr>
-        <p:txBody>
-          <a:bodyPr>
+        <p:style>
+          <a:lnRef idx="0"/>
+          <a:fillRef idx="0"/>
+          <a:effectRef idx="0"/>
+          <a:fontRef idx="minor"/>
+        </p:style>
+        <p:txBody>
+          <a:bodyPr lIns="90000" rIns="90000" tIns="45000" bIns="45000">
             <a:normAutofit/>
           </a:bodyPr>
           <a:p>
@@ -3887,14 +3415,14 @@
       </p:grpSpPr>
       <p:sp>
         <p:nvSpPr>
-          <p:cNvPr id="112" name="TextShape 1"/>
-          <p:cNvSpPr txBox="1"/>
+          <p:cNvPr id="106" name="CustomShape 1"/>
+          <p:cNvSpPr/>
           <p:nvPr/>
         </p:nvSpPr>
         <p:spPr>
           <a:xfrm>
             <a:off x="838080" y="365040"/>
-            <a:ext cx="10515240" cy="1325160"/>
+            <a:ext cx="10514880" cy="1324800"/>
           </a:xfrm>
           <a:prstGeom prst="rect">
             <a:avLst/>
@@ -3904,8 +3432,14 @@
             <a:noFill/>
           </a:ln>
         </p:spPr>
-        <p:txBody>
-          <a:bodyPr anchor="ctr">
+        <p:style>
+          <a:lnRef idx="0"/>
+          <a:fillRef idx="0"/>
+          <a:effectRef idx="0"/>
+          <a:fontRef idx="minor"/>
+        </p:style>
+        <p:txBody>
+          <a:bodyPr lIns="90000" rIns="90000" tIns="45000" bIns="45000" anchor="ctr">
             <a:noAutofit/>
           </a:bodyPr>
           <a:p>
@@ -3915,7 +3449,7 @@
               </a:lnSpc>
             </a:pPr>
             <a:r>
-              <a:rPr b="0" lang="en-US" sz="4400" spc="-1" strike="noStrike">
+              <a:rPr b="0" lang="en-CA" sz="4400" spc="-1" strike="noStrike">
                 <a:solidFill>
                   <a:srgbClr val="000000"/>
                 </a:solidFill>
@@ -3923,25 +3457,22 @@
               </a:rPr>
               <a:t>Function Overloading</a:t>
             </a:r>
-            <a:endParaRPr b="0" lang="en-US" sz="4400" spc="-1" strike="noStrike">
-              <a:solidFill>
-                <a:srgbClr val="000000"/>
-              </a:solidFill>
-              <a:latin typeface="Calibri"/>
-            </a:endParaRPr>
-          </a:p>
-        </p:txBody>
-      </p:sp>
-      <p:sp>
-        <p:nvSpPr>
-          <p:cNvPr id="113" name="TextShape 2"/>
-          <p:cNvSpPr txBox="1"/>
+            <a:endParaRPr b="0" lang="en-CA" sz="4400" spc="-1" strike="noStrike">
+              <a:latin typeface="Arial"/>
+            </a:endParaRPr>
+          </a:p>
+        </p:txBody>
+      </p:sp>
+      <p:sp>
+        <p:nvSpPr>
+          <p:cNvPr id="107" name="CustomShape 2"/>
+          <p:cNvSpPr/>
           <p:nvPr/>
         </p:nvSpPr>
         <p:spPr>
           <a:xfrm>
             <a:off x="838080" y="1825560"/>
-            <a:ext cx="10515240" cy="4350960"/>
+            <a:ext cx="10514880" cy="4350600"/>
           </a:xfrm>
           <a:prstGeom prst="rect">
             <a:avLst/>
@@ -3951,12 +3482,18 @@
             <a:noFill/>
           </a:ln>
         </p:spPr>
-        <p:txBody>
-          <a:bodyPr>
+        <p:style>
+          <a:lnRef idx="0"/>
+          <a:fillRef idx="0"/>
+          <a:effectRef idx="0"/>
+          <a:fontRef idx="minor"/>
+        </p:style>
+        <p:txBody>
+          <a:bodyPr lIns="90000" rIns="90000" tIns="45000" bIns="45000">
             <a:normAutofit/>
           </a:bodyPr>
           <a:p>
-            <a:pPr marL="228600" indent="-228240">
+            <a:pPr marL="228600" indent="-227880">
               <a:lnSpc>
                 <a:spcPct val="90000"/>
               </a:lnSpc>
@@ -3970,7 +3507,7 @@
               <a:buChar char="•"/>
             </a:pPr>
             <a:r>
-              <a:rPr b="0" lang="en-US" sz="2800" spc="-1" strike="noStrike">
+              <a:rPr b="0" lang="en-CA" sz="2800" spc="-1" strike="noStrike">
                 <a:solidFill>
                   <a:srgbClr val="000000"/>
                 </a:solidFill>
@@ -3978,15 +3515,12 @@
               </a:rPr>
               <a:t>drawLine function</a:t>
             </a:r>
-            <a:endParaRPr b="0" lang="en-US" sz="2800" spc="-1" strike="noStrike">
-              <a:solidFill>
-                <a:srgbClr val="000000"/>
-              </a:solidFill>
-              <a:latin typeface="Calibri"/>
-            </a:endParaRPr>
-          </a:p>
-          <a:p>
-            <a:pPr marL="228600" indent="-228240">
+            <a:endParaRPr b="0" lang="en-CA" sz="2800" spc="-1" strike="noStrike">
+              <a:latin typeface="Arial"/>
+            </a:endParaRPr>
+          </a:p>
+          <a:p>
+            <a:pPr marL="228600" indent="-227880">
               <a:lnSpc>
                 <a:spcPct val="90000"/>
               </a:lnSpc>
@@ -4000,7 +3534,7 @@
               <a:buChar char="•"/>
             </a:pPr>
             <a:r>
-              <a:rPr b="0" lang="en-US" sz="2800" spc="-1" strike="noStrike">
+              <a:rPr b="0" lang="en-CA" sz="2800" spc="-1" strike="noStrike">
                 <a:solidFill>
                   <a:srgbClr val="000000"/>
                 </a:solidFill>
@@ -4008,11 +3542,8 @@
               </a:rPr>
               <a:t>Default parameter values</a:t>
             </a:r>
-            <a:endParaRPr b="0" lang="en-US" sz="2800" spc="-1" strike="noStrike">
-              <a:solidFill>
-                <a:srgbClr val="000000"/>
-              </a:solidFill>
-              <a:latin typeface="Calibri"/>
+            <a:endParaRPr b="0" lang="en-CA" sz="2800" spc="-1" strike="noStrike">
+              <a:latin typeface="Arial"/>
             </a:endParaRPr>
           </a:p>
         </p:txBody>
@@ -4049,14 +3580,14 @@
       </p:grpSpPr>
       <p:sp>
         <p:nvSpPr>
-          <p:cNvPr id="114" name="TextShape 1"/>
-          <p:cNvSpPr txBox="1"/>
+          <p:cNvPr id="108" name="CustomShape 1"/>
+          <p:cNvSpPr/>
           <p:nvPr/>
         </p:nvSpPr>
         <p:spPr>
           <a:xfrm>
             <a:off x="838080" y="365040"/>
-            <a:ext cx="10515240" cy="1325160"/>
+            <a:ext cx="10514880" cy="1324800"/>
           </a:xfrm>
           <a:prstGeom prst="rect">
             <a:avLst/>
@@ -4066,8 +3597,14 @@
             <a:noFill/>
           </a:ln>
         </p:spPr>
-        <p:txBody>
-          <a:bodyPr anchor="ctr">
+        <p:style>
+          <a:lnRef idx="0"/>
+          <a:fillRef idx="0"/>
+          <a:effectRef idx="0"/>
+          <a:fontRef idx="minor"/>
+        </p:style>
+        <p:txBody>
+          <a:bodyPr lIns="90000" rIns="90000" tIns="45000" bIns="45000" anchor="ctr">
             <a:noAutofit/>
           </a:bodyPr>
           <a:p>
@@ -4077,7 +3614,7 @@
               </a:lnSpc>
             </a:pPr>
             <a:r>
-              <a:rPr b="0" lang="en-US" sz="4400" spc="-1" strike="noStrike">
+              <a:rPr b="0" lang="en-CA" sz="4400" spc="-1" strike="noStrike">
                 <a:solidFill>
                   <a:srgbClr val="000000"/>
                 </a:solidFill>
@@ -4085,25 +3622,22 @@
               </a:rPr>
               <a:t>References</a:t>
             </a:r>
-            <a:endParaRPr b="0" lang="en-US" sz="4400" spc="-1" strike="noStrike">
-              <a:solidFill>
-                <a:srgbClr val="000000"/>
-              </a:solidFill>
-              <a:latin typeface="Calibri"/>
-            </a:endParaRPr>
-          </a:p>
-        </p:txBody>
-      </p:sp>
-      <p:sp>
-        <p:nvSpPr>
-          <p:cNvPr id="115" name="TextShape 2"/>
-          <p:cNvSpPr txBox="1"/>
+            <a:endParaRPr b="0" lang="en-CA" sz="4400" spc="-1" strike="noStrike">
+              <a:latin typeface="Arial"/>
+            </a:endParaRPr>
+          </a:p>
+        </p:txBody>
+      </p:sp>
+      <p:sp>
+        <p:nvSpPr>
+          <p:cNvPr id="109" name="CustomShape 2"/>
+          <p:cNvSpPr/>
           <p:nvPr/>
         </p:nvSpPr>
         <p:spPr>
           <a:xfrm>
             <a:off x="838080" y="1825560"/>
-            <a:ext cx="10515240" cy="4350960"/>
+            <a:ext cx="10514880" cy="4350600"/>
           </a:xfrm>
           <a:prstGeom prst="rect">
             <a:avLst/>
@@ -4113,12 +3647,18 @@
             <a:noFill/>
           </a:ln>
         </p:spPr>
-        <p:txBody>
-          <a:bodyPr>
+        <p:style>
+          <a:lnRef idx="0"/>
+          <a:fillRef idx="0"/>
+          <a:effectRef idx="0"/>
+          <a:fontRef idx="minor"/>
+        </p:style>
+        <p:txBody>
+          <a:bodyPr lIns="90000" rIns="90000" tIns="45000" bIns="45000">
             <a:normAutofit/>
           </a:bodyPr>
           <a:p>
-            <a:pPr marL="228600" indent="-228240">
+            <a:pPr marL="228600" indent="-227880">
               <a:lnSpc>
                 <a:spcPct val="90000"/>
               </a:lnSpc>
@@ -4132,7 +3672,7 @@
               <a:buChar char="•"/>
             </a:pPr>
             <a:r>
-              <a:rPr b="0" lang="en-US" sz="2800" spc="-1" strike="noStrike">
+              <a:rPr b="0" lang="en-CA" sz="2800" spc="-1" strike="noStrike">
                 <a:solidFill>
                   <a:srgbClr val="000000"/>
                 </a:solidFill>
@@ -4140,11 +3680,8 @@
               </a:rPr>
               <a:t>Simple func</a:t>
             </a:r>
-            <a:endParaRPr b="0" lang="en-US" sz="2800" spc="-1" strike="noStrike">
-              <a:solidFill>
-                <a:srgbClr val="000000"/>
-              </a:solidFill>
-              <a:latin typeface="Calibri"/>
+            <a:endParaRPr b="0" lang="en-CA" sz="2800" spc="-1" strike="noStrike">
+              <a:latin typeface="Arial"/>
             </a:endParaRPr>
           </a:p>
         </p:txBody>
@@ -4181,14 +3718,14 @@
       </p:grpSpPr>
       <p:sp>
         <p:nvSpPr>
-          <p:cNvPr id="116" name="TextShape 1"/>
-          <p:cNvSpPr txBox="1"/>
+          <p:cNvPr id="110" name="CustomShape 1"/>
+          <p:cNvSpPr/>
           <p:nvPr/>
         </p:nvSpPr>
         <p:spPr>
           <a:xfrm>
             <a:off x="838080" y="365040"/>
-            <a:ext cx="10515240" cy="1325160"/>
+            <a:ext cx="10514880" cy="1324800"/>
           </a:xfrm>
           <a:prstGeom prst="rect">
             <a:avLst/>
@@ -4198,8 +3735,14 @@
             <a:noFill/>
           </a:ln>
         </p:spPr>
-        <p:txBody>
-          <a:bodyPr anchor="ctr">
+        <p:style>
+          <a:lnRef idx="0"/>
+          <a:fillRef idx="0"/>
+          <a:effectRef idx="0"/>
+          <a:fontRef idx="minor"/>
+        </p:style>
+        <p:txBody>
+          <a:bodyPr lIns="90000" rIns="90000" tIns="45000" bIns="45000" anchor="ctr">
             <a:noAutofit/>
           </a:bodyPr>
           <a:p>
@@ -4209,7 +3752,7 @@
               </a:lnSpc>
             </a:pPr>
             <a:r>
-              <a:rPr b="0" lang="en-US" sz="4400" spc="-1" strike="noStrike">
+              <a:rPr b="0" lang="en-CA" sz="4400" spc="-1" strike="noStrike">
                 <a:solidFill>
                   <a:srgbClr val="000000"/>
                 </a:solidFill>
@@ -4217,18 +3760,15 @@
               </a:rPr>
               <a:t>References: </a:t>
             </a:r>
-            <a:endParaRPr b="0" lang="en-US" sz="4400" spc="-1" strike="noStrike">
-              <a:solidFill>
-                <a:srgbClr val="000000"/>
-              </a:solidFill>
-              <a:latin typeface="Calibri"/>
+            <a:endParaRPr b="0" lang="en-CA" sz="4400" spc="-1" strike="noStrike">
+              <a:latin typeface="Arial"/>
             </a:endParaRPr>
           </a:p>
         </p:txBody>
       </p:sp>
       <p:pic>
         <p:nvPicPr>
-          <p:cNvPr id="117" name="Picture 3" descr=""/>
+          <p:cNvPr id="111" name="Picture 3" descr=""/>
           <p:cNvPicPr/>
           <p:nvPr/>
         </p:nvPicPr>
@@ -4239,7 +3779,7 @@
         <p:spPr>
           <a:xfrm>
             <a:off x="346320" y="2480760"/>
-            <a:ext cx="5460840" cy="2460600"/>
+            <a:ext cx="5460480" cy="2460240"/>
           </a:xfrm>
           <a:prstGeom prst="rect">
             <a:avLst/>
@@ -4251,7 +3791,7 @@
       </p:pic>
       <p:pic>
         <p:nvPicPr>
-          <p:cNvPr id="118" name="Picture 4" descr=""/>
+          <p:cNvPr id="112" name="Picture 4" descr=""/>
           <p:cNvPicPr/>
           <p:nvPr/>
         </p:nvPicPr>
@@ -4262,7 +3802,7 @@
         <p:spPr>
           <a:xfrm>
             <a:off x="6089400" y="2484360"/>
-            <a:ext cx="5121000" cy="2398320"/>
+            <a:ext cx="5120640" cy="2397960"/>
           </a:xfrm>
           <a:prstGeom prst="rect">
             <a:avLst/>
@@ -4274,14 +3814,14 @@
       </p:pic>
       <p:sp>
         <p:nvSpPr>
-          <p:cNvPr id="119" name="CustomShape 2"/>
+          <p:cNvPr id="113" name="CustomShape 2"/>
           <p:cNvSpPr/>
           <p:nvPr/>
         </p:nvSpPr>
         <p:spPr>
           <a:xfrm>
             <a:off x="1354680" y="5239800"/>
-            <a:ext cx="3988440" cy="457560"/>
+            <a:ext cx="3988080" cy="456120"/>
           </a:xfrm>
           <a:prstGeom prst="rect">
             <a:avLst/>
@@ -4298,7 +3838,7 @@
           <a:fontRef idx="minor"/>
         </p:style>
         <p:txBody>
-          <a:bodyPr>
+          <a:bodyPr lIns="90000" rIns="90000" tIns="45000" bIns="45000">
             <a:spAutoFit/>
           </a:bodyPr>
           <a:p>
@@ -4313,6 +3853,7 @@
                   <a:srgbClr val="000000"/>
                 </a:solidFill>
                 <a:latin typeface="Calibri"/>
+                <a:ea typeface="DejaVu Sans"/>
               </a:rPr>
               <a:t>Range based loop with COPY</a:t>
             </a:r>
@@ -4324,14 +3865,14 @@
       </p:sp>
       <p:sp>
         <p:nvSpPr>
-          <p:cNvPr id="120" name="CustomShape 3"/>
+          <p:cNvPr id="114" name="CustomShape 3"/>
           <p:cNvSpPr/>
           <p:nvPr/>
         </p:nvSpPr>
         <p:spPr>
           <a:xfrm>
             <a:off x="6632280" y="5145840"/>
-            <a:ext cx="4623840" cy="457560"/>
+            <a:ext cx="4623480" cy="456120"/>
           </a:xfrm>
           <a:prstGeom prst="rect">
             <a:avLst/>
@@ -4348,7 +3889,7 @@
           <a:fontRef idx="minor"/>
         </p:style>
         <p:txBody>
-          <a:bodyPr>
+          <a:bodyPr lIns="90000" rIns="90000" tIns="45000" bIns="45000">
             <a:spAutoFit/>
           </a:bodyPr>
           <a:p>
@@ -4363,6 +3904,7 @@
                   <a:srgbClr val="000000"/>
                 </a:solidFill>
                 <a:latin typeface="Calibri"/>
+                <a:ea typeface="DejaVu Sans"/>
               </a:rPr>
               <a:t>Range based loop with REFERENCE</a:t>
             </a:r>
@@ -4374,14 +3916,14 @@
       </p:sp>
       <p:sp>
         <p:nvSpPr>
-          <p:cNvPr id="121" name="CustomShape 4"/>
+          <p:cNvPr id="115" name="CustomShape 4"/>
           <p:cNvSpPr/>
           <p:nvPr/>
         </p:nvSpPr>
         <p:spPr>
           <a:xfrm>
             <a:off x="1128960" y="1655640"/>
-            <a:ext cx="9266040" cy="457560"/>
+            <a:ext cx="9265680" cy="456120"/>
           </a:xfrm>
           <a:prstGeom prst="rect">
             <a:avLst/>
@@ -4398,7 +3940,7 @@
           <a:fontRef idx="minor"/>
         </p:style>
         <p:txBody>
-          <a:bodyPr>
+          <a:bodyPr lIns="90000" rIns="90000" tIns="45000" bIns="45000">
             <a:spAutoFit/>
           </a:bodyPr>
           <a:p>
@@ -4413,6 +3955,7 @@
                   <a:srgbClr val="000000"/>
                 </a:solidFill>
                 <a:latin typeface="Calibri"/>
+                <a:ea typeface="DejaVu Sans"/>
               </a:rPr>
               <a:t>Which of the following is able to raise salary correctly?</a:t>
             </a:r>
@@ -4454,14 +3997,14 @@
       </p:grpSpPr>
       <p:sp>
         <p:nvSpPr>
-          <p:cNvPr id="122" name="TextShape 1"/>
-          <p:cNvSpPr txBox="1"/>
+          <p:cNvPr id="116" name="CustomShape 1"/>
+          <p:cNvSpPr/>
           <p:nvPr/>
         </p:nvSpPr>
         <p:spPr>
           <a:xfrm>
             <a:off x="838080" y="365040"/>
-            <a:ext cx="10515240" cy="1325160"/>
+            <a:ext cx="10514880" cy="1324800"/>
           </a:xfrm>
           <a:prstGeom prst="rect">
             <a:avLst/>
@@ -4471,8 +4014,14 @@
             <a:noFill/>
           </a:ln>
         </p:spPr>
-        <p:txBody>
-          <a:bodyPr anchor="ctr">
+        <p:style>
+          <a:lnRef idx="0"/>
+          <a:fillRef idx="0"/>
+          <a:effectRef idx="0"/>
+          <a:fontRef idx="minor"/>
+        </p:style>
+        <p:txBody>
+          <a:bodyPr lIns="90000" rIns="90000" tIns="45000" bIns="45000" anchor="ctr">
             <a:noAutofit/>
           </a:bodyPr>
           <a:p>
@@ -4482,7 +4031,7 @@
               </a:lnSpc>
             </a:pPr>
             <a:r>
-              <a:rPr b="0" lang="en-US" sz="4400" spc="-1" strike="noStrike">
+              <a:rPr b="0" lang="en-CA" sz="4400" spc="-1" strike="noStrike">
                 <a:solidFill>
                   <a:srgbClr val="000000"/>
                 </a:solidFill>
@@ -4490,25 +4039,22 @@
               </a:rPr>
               <a:t>Memory allocation</a:t>
             </a:r>
-            <a:endParaRPr b="0" lang="en-US" sz="4400" spc="-1" strike="noStrike">
-              <a:solidFill>
-                <a:srgbClr val="000000"/>
-              </a:solidFill>
-              <a:latin typeface="Calibri"/>
-            </a:endParaRPr>
-          </a:p>
-        </p:txBody>
-      </p:sp>
-      <p:sp>
-        <p:nvSpPr>
-          <p:cNvPr id="123" name="TextShape 2"/>
-          <p:cNvSpPr txBox="1"/>
+            <a:endParaRPr b="0" lang="en-CA" sz="4400" spc="-1" strike="noStrike">
+              <a:latin typeface="Arial"/>
+            </a:endParaRPr>
+          </a:p>
+        </p:txBody>
+      </p:sp>
+      <p:sp>
+        <p:nvSpPr>
+          <p:cNvPr id="117" name="CustomShape 2"/>
+          <p:cNvSpPr/>
           <p:nvPr/>
         </p:nvSpPr>
         <p:spPr>
           <a:xfrm>
             <a:off x="838080" y="1825560"/>
-            <a:ext cx="10515240" cy="4350960"/>
+            <a:ext cx="10514880" cy="4350600"/>
           </a:xfrm>
           <a:prstGeom prst="rect">
             <a:avLst/>
@@ -4518,12 +4064,18 @@
             <a:noFill/>
           </a:ln>
         </p:spPr>
-        <p:txBody>
-          <a:bodyPr>
+        <p:style>
+          <a:lnRef idx="0"/>
+          <a:fillRef idx="0"/>
+          <a:effectRef idx="0"/>
+          <a:fontRef idx="minor"/>
+        </p:style>
+        <p:txBody>
+          <a:bodyPr lIns="90000" rIns="90000" tIns="45000" bIns="45000">
             <a:normAutofit/>
           </a:bodyPr>
           <a:p>
-            <a:pPr marL="228600" indent="-228240">
+            <a:pPr marL="228600" indent="-227880">
               <a:lnSpc>
                 <a:spcPct val="90000"/>
               </a:lnSpc>
@@ -4537,7 +4089,7 @@
               <a:buChar char="•"/>
             </a:pPr>
             <a:r>
-              <a:rPr b="0" lang="en-US" sz="2800" spc="-1" strike="noStrike">
+              <a:rPr b="0" lang="en-CA" sz="2800" spc="-1" strike="noStrike">
                 <a:solidFill>
                   <a:srgbClr val="000000"/>
                 </a:solidFill>
@@ -4545,15 +4097,12 @@
               </a:rPr>
               <a:t>Allocation vs initialization</a:t>
             </a:r>
-            <a:endParaRPr b="0" lang="en-US" sz="2800" spc="-1" strike="noStrike">
-              <a:solidFill>
-                <a:srgbClr val="000000"/>
-              </a:solidFill>
-              <a:latin typeface="Calibri"/>
-            </a:endParaRPr>
-          </a:p>
-          <a:p>
-            <a:pPr marL="228600" indent="-228240">
+            <a:endParaRPr b="0" lang="en-CA" sz="2800" spc="-1" strike="noStrike">
+              <a:latin typeface="Arial"/>
+            </a:endParaRPr>
+          </a:p>
+          <a:p>
+            <a:pPr marL="228600" indent="-227880">
               <a:lnSpc>
                 <a:spcPct val="90000"/>
               </a:lnSpc>
@@ -4567,7 +4116,7 @@
               <a:buChar char="•"/>
             </a:pPr>
             <a:r>
-              <a:rPr b="0" lang="en-US" sz="2800" spc="-1" strike="noStrike">
+              <a:rPr b="0" lang="en-CA" sz="2800" spc="-1" strike="noStrike">
                 <a:solidFill>
                   <a:srgbClr val="000000"/>
                 </a:solidFill>
@@ -4575,11 +4124,8 @@
               </a:rPr>
               <a:t>Static and dynamic allocation</a:t>
             </a:r>
-            <a:endParaRPr b="0" lang="en-US" sz="2800" spc="-1" strike="noStrike">
-              <a:solidFill>
-                <a:srgbClr val="000000"/>
-              </a:solidFill>
-              <a:latin typeface="Calibri"/>
+            <a:endParaRPr b="0" lang="en-CA" sz="2800" spc="-1" strike="noStrike">
+              <a:latin typeface="Arial"/>
             </a:endParaRPr>
           </a:p>
         </p:txBody>
@@ -4616,72 +4162,14 @@
       </p:grpSpPr>
       <p:sp>
         <p:nvSpPr>
-          <p:cNvPr id="124" name="TextShape 1"/>
-          <p:cNvSpPr txBox="1"/>
-          <p:nvPr/>
-        </p:nvSpPr>
-        <p:spPr>
-          <a:xfrm>
-            <a:off x="838080" y="365040"/>
-            <a:ext cx="10515240" cy="1325160"/>
-          </a:xfrm>
-          <a:prstGeom prst="rect">
-            <a:avLst/>
-          </a:prstGeom>
-          <a:noFill/>
-          <a:ln>
-            <a:noFill/>
-          </a:ln>
-        </p:spPr>
-        <p:txBody>
-          <a:bodyPr anchor="ctr">
-            <a:noAutofit/>
-          </a:bodyPr>
-          <a:p>
-            <a:pPr>
-              <a:lnSpc>
-                <a:spcPct val="90000"/>
-              </a:lnSpc>
-            </a:pPr>
-            <a:r>
-              <a:rPr b="0" lang="en-US" sz="4400" spc="-1" strike="noStrike">
-                <a:solidFill>
-                  <a:srgbClr val="000000"/>
-                </a:solidFill>
-                <a:latin typeface="Calibri Light"/>
-                <a:ea typeface="Calibri Light"/>
-              </a:rPr>
-              <a:t> </a:t>
-            </a:r>
-            <a:r>
-              <a:rPr b="0" lang="en-US" sz="4400" spc="-1" strike="noStrike">
-                <a:solidFill>
-                  <a:srgbClr val="000000"/>
-                </a:solidFill>
-                <a:latin typeface="Calibri Light"/>
-                <a:ea typeface="Calibri Light"/>
-              </a:rPr>
-              <a:t>Assembly Analysis</a:t>
-            </a:r>
-            <a:endParaRPr b="0" lang="en-US" sz="4400" spc="-1" strike="noStrike">
-              <a:solidFill>
-                <a:srgbClr val="000000"/>
-              </a:solidFill>
-              <a:latin typeface="Calibri"/>
-            </a:endParaRPr>
-          </a:p>
-        </p:txBody>
-      </p:sp>
-      <p:sp>
-        <p:nvSpPr>
-          <p:cNvPr id="125" name="CustomShape 2"/>
+          <p:cNvPr id="118" name="CustomShape 1"/>
           <p:cNvSpPr/>
           <p:nvPr/>
         </p:nvSpPr>
         <p:spPr>
           <a:xfrm>
-            <a:off x="1006920" y="1578600"/>
-            <a:ext cx="1968840" cy="1463400"/>
+            <a:off x="838080" y="365040"/>
+            <a:ext cx="10514880" cy="1324800"/>
           </a:xfrm>
           <a:prstGeom prst="rect">
             <a:avLst/>
@@ -4698,7 +4186,68 @@
           <a:fontRef idx="minor"/>
         </p:style>
         <p:txBody>
-          <a:bodyPr>
+          <a:bodyPr lIns="90000" rIns="90000" tIns="45000" bIns="45000" anchor="ctr">
+            <a:noAutofit/>
+          </a:bodyPr>
+          <a:p>
+            <a:pPr>
+              <a:lnSpc>
+                <a:spcPct val="90000"/>
+              </a:lnSpc>
+            </a:pPr>
+            <a:r>
+              <a:rPr b="0" lang="en-CA" sz="4400" spc="-1" strike="noStrike">
+                <a:solidFill>
+                  <a:srgbClr val="000000"/>
+                </a:solidFill>
+                <a:latin typeface="Calibri Light"/>
+                <a:ea typeface="Calibri Light"/>
+              </a:rPr>
+              <a:t> </a:t>
+            </a:r>
+            <a:r>
+              <a:rPr b="0" lang="en-CA" sz="4400" spc="-1" strike="noStrike">
+                <a:solidFill>
+                  <a:srgbClr val="000000"/>
+                </a:solidFill>
+                <a:latin typeface="Calibri Light"/>
+                <a:ea typeface="Calibri Light"/>
+              </a:rPr>
+              <a:t>Assembly Analysis</a:t>
+            </a:r>
+            <a:endParaRPr b="0" lang="en-CA" sz="4400" spc="-1" strike="noStrike">
+              <a:latin typeface="Arial"/>
+            </a:endParaRPr>
+          </a:p>
+        </p:txBody>
+      </p:sp>
+      <p:sp>
+        <p:nvSpPr>
+          <p:cNvPr id="119" name="CustomShape 2"/>
+          <p:cNvSpPr/>
+          <p:nvPr/>
+        </p:nvSpPr>
+        <p:spPr>
+          <a:xfrm>
+            <a:off x="1006920" y="1578600"/>
+            <a:ext cx="1968480" cy="1461960"/>
+          </a:xfrm>
+          <a:prstGeom prst="rect">
+            <a:avLst/>
+          </a:prstGeom>
+          <a:noFill/>
+          <a:ln>
+            <a:noFill/>
+          </a:ln>
+        </p:spPr>
+        <p:style>
+          <a:lnRef idx="0"/>
+          <a:fillRef idx="0"/>
+          <a:effectRef idx="0"/>
+          <a:fontRef idx="minor"/>
+        </p:style>
+        <p:txBody>
+          <a:bodyPr lIns="90000" rIns="90000" tIns="45000" bIns="45000">
             <a:spAutoFit/>
           </a:bodyPr>
           <a:p>
@@ -4815,14 +4364,14 @@
       </p:sp>
       <p:sp>
         <p:nvSpPr>
-          <p:cNvPr id="126" name="CustomShape 3"/>
+          <p:cNvPr id="120" name="CustomShape 3"/>
           <p:cNvSpPr/>
           <p:nvPr/>
         </p:nvSpPr>
         <p:spPr>
           <a:xfrm>
             <a:off x="4274280" y="1576800"/>
-            <a:ext cx="7422840" cy="945000"/>
+            <a:ext cx="7422480" cy="943560"/>
           </a:xfrm>
           <a:prstGeom prst="rect">
             <a:avLst/>
@@ -4839,7 +4388,7 @@
           <a:fontRef idx="minor"/>
         </p:style>
         <p:txBody>
-          <a:bodyPr>
+          <a:bodyPr lIns="90000" rIns="90000" tIns="45000" bIns="45000">
             <a:spAutoFit/>
           </a:bodyPr>
           <a:p>
@@ -4866,7 +4415,7 @@
       </p:sp>
       <p:pic>
         <p:nvPicPr>
-          <p:cNvPr id="127" name="Picture 5" descr=""/>
+          <p:cNvPr id="121" name="Picture 5" descr=""/>
           <p:cNvPicPr/>
           <p:nvPr/>
         </p:nvPicPr>
@@ -4877,7 +4426,7 @@
         <p:spPr>
           <a:xfrm>
             <a:off x="706320" y="2781360"/>
-            <a:ext cx="4420440" cy="2100240"/>
+            <a:ext cx="4420080" cy="2099880"/>
           </a:xfrm>
           <a:prstGeom prst="rect">
             <a:avLst/>
@@ -4889,7 +4438,7 @@
       </p:pic>
       <p:pic>
         <p:nvPicPr>
-          <p:cNvPr id="128" name="Picture 6" descr=""/>
+          <p:cNvPr id="122" name="Picture 6" descr=""/>
           <p:cNvPicPr/>
           <p:nvPr/>
         </p:nvPicPr>
@@ -4900,7 +4449,7 @@
         <p:spPr>
           <a:xfrm>
             <a:off x="6901560" y="4097880"/>
-            <a:ext cx="4063320" cy="2754720"/>
+            <a:ext cx="4062960" cy="2754360"/>
           </a:xfrm>
           <a:prstGeom prst="rect">
             <a:avLst/>
@@ -4912,14 +4461,14 @@
       </p:pic>
       <p:sp>
         <p:nvSpPr>
-          <p:cNvPr id="129" name="CustomShape 4"/>
+          <p:cNvPr id="123" name="CustomShape 4"/>
           <p:cNvSpPr/>
           <p:nvPr/>
         </p:nvSpPr>
         <p:spPr>
           <a:xfrm>
             <a:off x="7603560" y="2692080"/>
-            <a:ext cx="1968840" cy="1463400"/>
+            <a:ext cx="1968480" cy="1461960"/>
           </a:xfrm>
           <a:prstGeom prst="rect">
             <a:avLst/>
@@ -4936,7 +4485,7 @@
           <a:fontRef idx="minor"/>
         </p:style>
         <p:txBody>
-          <a:bodyPr>
+          <a:bodyPr lIns="90000" rIns="90000" tIns="45000" bIns="45000">
             <a:spAutoFit/>
           </a:bodyPr>
           <a:p>
@@ -5083,14 +4632,14 @@
       </p:grpSpPr>
       <p:sp>
         <p:nvSpPr>
-          <p:cNvPr id="130" name="TextShape 1"/>
-          <p:cNvSpPr txBox="1"/>
+          <p:cNvPr id="124" name="CustomShape 1"/>
+          <p:cNvSpPr/>
           <p:nvPr/>
         </p:nvSpPr>
         <p:spPr>
           <a:xfrm>
             <a:off x="838080" y="365040"/>
-            <a:ext cx="10515240" cy="1325160"/>
+            <a:ext cx="10514880" cy="1324800"/>
           </a:xfrm>
           <a:prstGeom prst="rect">
             <a:avLst/>
@@ -5100,8 +4649,14 @@
             <a:noFill/>
           </a:ln>
         </p:spPr>
-        <p:txBody>
-          <a:bodyPr anchor="ctr">
+        <p:style>
+          <a:lnRef idx="0"/>
+          <a:fillRef idx="0"/>
+          <a:effectRef idx="0"/>
+          <a:fontRef idx="minor"/>
+        </p:style>
+        <p:txBody>
+          <a:bodyPr lIns="90000" rIns="90000" tIns="45000" bIns="45000" anchor="ctr">
             <a:noAutofit/>
           </a:bodyPr>
           <a:p>
@@ -5111,7 +4666,7 @@
               </a:lnSpc>
             </a:pPr>
             <a:r>
-              <a:rPr b="0" lang="en-US" sz="4400" spc="-1" strike="noStrike">
+              <a:rPr b="0" lang="en-CA" sz="4400" spc="-1" strike="noStrike">
                 <a:solidFill>
                   <a:srgbClr val="000000"/>
                 </a:solidFill>
@@ -5120,18 +4675,15 @@
               </a:rPr>
               <a:t>How functions are called</a:t>
             </a:r>
-            <a:endParaRPr b="0" lang="en-US" sz="4400" spc="-1" strike="noStrike">
-              <a:solidFill>
-                <a:srgbClr val="000000"/>
-              </a:solidFill>
-              <a:latin typeface="Calibri"/>
+            <a:endParaRPr b="0" lang="en-CA" sz="4400" spc="-1" strike="noStrike">
+              <a:latin typeface="Arial"/>
             </a:endParaRPr>
           </a:p>
         </p:txBody>
       </p:sp>
       <p:pic>
         <p:nvPicPr>
-          <p:cNvPr id="131" name="Picture 3" descr=""/>
+          <p:cNvPr id="125" name="Picture 3" descr=""/>
           <p:cNvPicPr/>
           <p:nvPr/>
         </p:nvPicPr>
@@ -5142,7 +4694,7 @@
         <p:spPr>
           <a:xfrm>
             <a:off x="1008000" y="1618200"/>
-            <a:ext cx="6845400" cy="4383360"/>
+            <a:ext cx="6845040" cy="4383000"/>
           </a:xfrm>
           <a:prstGeom prst="rect">
             <a:avLst/>
@@ -5184,14 +4736,14 @@
       </p:grpSpPr>
       <p:sp>
         <p:nvSpPr>
-          <p:cNvPr id="132" name="TextShape 1"/>
-          <p:cNvSpPr txBox="1"/>
+          <p:cNvPr id="126" name="CustomShape 1"/>
+          <p:cNvSpPr/>
           <p:nvPr/>
         </p:nvSpPr>
         <p:spPr>
           <a:xfrm>
             <a:off x="838080" y="365040"/>
-            <a:ext cx="10515240" cy="1325160"/>
+            <a:ext cx="10514880" cy="1324800"/>
           </a:xfrm>
           <a:prstGeom prst="rect">
             <a:avLst/>
@@ -5201,8 +4753,14 @@
             <a:noFill/>
           </a:ln>
         </p:spPr>
-        <p:txBody>
-          <a:bodyPr anchor="ctr">
+        <p:style>
+          <a:lnRef idx="0"/>
+          <a:fillRef idx="0"/>
+          <a:effectRef idx="0"/>
+          <a:fontRef idx="minor"/>
+        </p:style>
+        <p:txBody>
+          <a:bodyPr lIns="90000" rIns="90000" tIns="45000" bIns="45000" anchor="ctr">
             <a:noAutofit/>
           </a:bodyPr>
           <a:p>
@@ -5212,7 +4770,7 @@
               </a:lnSpc>
             </a:pPr>
             <a:r>
-              <a:rPr b="0" lang="en-US" sz="4400" spc="-1" strike="noStrike">
+              <a:rPr b="0" lang="en-CA" sz="4400" spc="-1" strike="noStrike">
                 <a:solidFill>
                   <a:srgbClr val="000000"/>
                 </a:solidFill>
@@ -5221,25 +4779,22 @@
               </a:rPr>
               <a:t>How functions are called</a:t>
             </a:r>
-            <a:endParaRPr b="0" lang="en-US" sz="4400" spc="-1" strike="noStrike">
-              <a:solidFill>
-                <a:srgbClr val="000000"/>
-              </a:solidFill>
-              <a:latin typeface="Calibri"/>
-            </a:endParaRPr>
-          </a:p>
-        </p:txBody>
-      </p:sp>
-      <p:sp>
-        <p:nvSpPr>
-          <p:cNvPr id="133" name="TextShape 2"/>
-          <p:cNvSpPr txBox="1"/>
+            <a:endParaRPr b="0" lang="en-CA" sz="4400" spc="-1" strike="noStrike">
+              <a:latin typeface="Arial"/>
+            </a:endParaRPr>
+          </a:p>
+        </p:txBody>
+      </p:sp>
+      <p:sp>
+        <p:nvSpPr>
+          <p:cNvPr id="127" name="CustomShape 2"/>
+          <p:cNvSpPr/>
           <p:nvPr/>
         </p:nvSpPr>
         <p:spPr>
           <a:xfrm>
             <a:off x="838080" y="1825560"/>
-            <a:ext cx="10515240" cy="4350960"/>
+            <a:ext cx="10514880" cy="4350600"/>
           </a:xfrm>
           <a:prstGeom prst="rect">
             <a:avLst/>
@@ -5249,12 +4804,18 @@
             <a:noFill/>
           </a:ln>
         </p:spPr>
-        <p:txBody>
-          <a:bodyPr>
+        <p:style>
+          <a:lnRef idx="0"/>
+          <a:fillRef idx="0"/>
+          <a:effectRef idx="0"/>
+          <a:fontRef idx="minor"/>
+        </p:style>
+        <p:txBody>
+          <a:bodyPr lIns="90000" rIns="90000" tIns="45000" bIns="45000">
             <a:normAutofit/>
           </a:bodyPr>
           <a:p>
-            <a:pPr marL="228600" indent="-228240">
+            <a:pPr marL="228600" indent="-227880">
               <a:lnSpc>
                 <a:spcPct val="90000"/>
               </a:lnSpc>
@@ -5268,7 +4829,7 @@
               <a:buChar char="•"/>
             </a:pPr>
             <a:r>
-              <a:rPr b="0" lang="en-US" sz="2800" spc="-1" strike="noStrike">
+              <a:rPr b="0" lang="en-CA" sz="2800" spc="-1" strike="noStrike">
                 <a:solidFill>
                   <a:srgbClr val="000000"/>
                 </a:solidFill>
@@ -5277,18 +4838,15 @@
               </a:rPr>
               <a:t>Guess the output</a:t>
             </a:r>
-            <a:endParaRPr b="0" lang="en-US" sz="2800" spc="-1" strike="noStrike">
-              <a:solidFill>
-                <a:srgbClr val="000000"/>
-              </a:solidFill>
-              <a:latin typeface="Calibri"/>
+            <a:endParaRPr b="0" lang="en-CA" sz="2800" spc="-1" strike="noStrike">
+              <a:latin typeface="Arial"/>
             </a:endParaRPr>
           </a:p>
         </p:txBody>
       </p:sp>
       <p:pic>
         <p:nvPicPr>
-          <p:cNvPr id="134" name="Picture 3" descr=""/>
+          <p:cNvPr id="128" name="Picture 3" descr=""/>
           <p:cNvPicPr/>
           <p:nvPr/>
         </p:nvPicPr>
@@ -5300,7 +4858,7 @@
         <p:spPr>
           <a:xfrm>
             <a:off x="4597920" y="1341000"/>
-            <a:ext cx="5354640" cy="5308920"/>
+            <a:ext cx="5354280" cy="5308560"/>
           </a:xfrm>
           <a:prstGeom prst="rect">
             <a:avLst/>
@@ -5342,14 +4900,14 @@
       </p:grpSpPr>
       <p:sp>
         <p:nvSpPr>
-          <p:cNvPr id="135" name="TextShape 1"/>
-          <p:cNvSpPr txBox="1"/>
+          <p:cNvPr id="129" name="CustomShape 1"/>
+          <p:cNvSpPr/>
           <p:nvPr/>
         </p:nvSpPr>
         <p:spPr>
           <a:xfrm>
             <a:off x="838080" y="365040"/>
-            <a:ext cx="10515240" cy="1325160"/>
+            <a:ext cx="10514880" cy="1324800"/>
           </a:xfrm>
           <a:prstGeom prst="rect">
             <a:avLst/>
@@ -5359,8 +4917,14 @@
             <a:noFill/>
           </a:ln>
         </p:spPr>
-        <p:txBody>
-          <a:bodyPr anchor="ctr">
+        <p:style>
+          <a:lnRef idx="0"/>
+          <a:fillRef idx="0"/>
+          <a:effectRef idx="0"/>
+          <a:fontRef idx="minor"/>
+        </p:style>
+        <p:txBody>
+          <a:bodyPr lIns="90000" rIns="90000" tIns="45000" bIns="45000" anchor="ctr">
             <a:noAutofit/>
           </a:bodyPr>
           <a:p>
@@ -5370,7 +4934,7 @@
               </a:lnSpc>
             </a:pPr>
             <a:r>
-              <a:rPr b="0" lang="en-US" sz="4400" spc="-1" strike="noStrike">
+              <a:rPr b="0" lang="en-CA" sz="4400" spc="-1" strike="noStrike">
                 <a:solidFill>
                   <a:srgbClr val="000000"/>
                 </a:solidFill>
@@ -5379,25 +4943,22 @@
               </a:rPr>
               <a:t>How functions are called</a:t>
             </a:r>
-            <a:endParaRPr b="0" lang="en-US" sz="4400" spc="-1" strike="noStrike">
-              <a:solidFill>
-                <a:srgbClr val="000000"/>
-              </a:solidFill>
-              <a:latin typeface="Calibri"/>
-            </a:endParaRPr>
-          </a:p>
-        </p:txBody>
-      </p:sp>
-      <p:sp>
-        <p:nvSpPr>
-          <p:cNvPr id="136" name="TextShape 2"/>
-          <p:cNvSpPr txBox="1"/>
+            <a:endParaRPr b="0" lang="en-CA" sz="4400" spc="-1" strike="noStrike">
+              <a:latin typeface="Arial"/>
+            </a:endParaRPr>
+          </a:p>
+        </p:txBody>
+      </p:sp>
+      <p:sp>
+        <p:nvSpPr>
+          <p:cNvPr id="130" name="CustomShape 2"/>
+          <p:cNvSpPr/>
           <p:nvPr/>
         </p:nvSpPr>
         <p:spPr>
           <a:xfrm>
             <a:off x="838080" y="1825560"/>
-            <a:ext cx="10515240" cy="4350960"/>
+            <a:ext cx="10514880" cy="4350600"/>
           </a:xfrm>
           <a:prstGeom prst="rect">
             <a:avLst/>
@@ -5407,12 +4968,18 @@
             <a:noFill/>
           </a:ln>
         </p:spPr>
-        <p:txBody>
-          <a:bodyPr>
+        <p:style>
+          <a:lnRef idx="0"/>
+          <a:fillRef idx="0"/>
+          <a:effectRef idx="0"/>
+          <a:fontRef idx="minor"/>
+        </p:style>
+        <p:txBody>
+          <a:bodyPr lIns="90000" rIns="90000" tIns="45000" bIns="45000">
             <a:normAutofit/>
           </a:bodyPr>
           <a:p>
-            <a:pPr marL="228600" indent="-228240">
+            <a:pPr marL="228600" indent="-227880">
               <a:lnSpc>
                 <a:spcPct val="90000"/>
               </a:lnSpc>
@@ -5426,7 +4993,7 @@
               <a:buChar char="•"/>
             </a:pPr>
             <a:r>
-              <a:rPr b="0" lang="en-US" sz="2800" spc="-1" strike="noStrike">
+              <a:rPr b="0" lang="en-CA" sz="2800" spc="-1" strike="noStrike">
                 <a:solidFill>
                   <a:srgbClr val="000000"/>
                 </a:solidFill>
@@ -5435,11 +5002,8 @@
               </a:rPr>
               <a:t>Calling through </a:t>
             </a:r>
-            <a:endParaRPr b="0" lang="en-US" sz="2800" spc="-1" strike="noStrike">
-              <a:solidFill>
-                <a:srgbClr val="000000"/>
-              </a:solidFill>
-              <a:latin typeface="Calibri"/>
+            <a:endParaRPr b="0" lang="en-CA" sz="2800" spc="-1" strike="noStrike">
+              <a:latin typeface="Arial"/>
             </a:endParaRPr>
           </a:p>
           <a:p>
@@ -5452,7 +5016,7 @@
               </a:spcBef>
             </a:pPr>
             <a:r>
-              <a:rPr b="0" lang="en-US" sz="2800" spc="-1" strike="noStrike">
+              <a:rPr b="0" lang="en-CA" sz="2800" spc="-1" strike="noStrike">
                 <a:solidFill>
                   <a:srgbClr val="000000"/>
                 </a:solidFill>
@@ -5461,18 +5025,15 @@
               </a:rPr>
               <a:t>reference</a:t>
             </a:r>
-            <a:endParaRPr b="0" lang="en-US" sz="2800" spc="-1" strike="noStrike">
-              <a:solidFill>
-                <a:srgbClr val="000000"/>
-              </a:solidFill>
-              <a:latin typeface="Calibri"/>
+            <a:endParaRPr b="0" lang="en-CA" sz="2800" spc="-1" strike="noStrike">
+              <a:latin typeface="Arial"/>
             </a:endParaRPr>
           </a:p>
         </p:txBody>
       </p:sp>
       <p:pic>
         <p:nvPicPr>
-          <p:cNvPr id="137" name="Picture 3" descr=""/>
+          <p:cNvPr id="131" name="Picture 3" descr=""/>
           <p:cNvPicPr/>
           <p:nvPr/>
         </p:nvPicPr>
@@ -5483,7 +5044,7 @@
         <p:spPr>
           <a:xfrm>
             <a:off x="4743720" y="1476000"/>
-            <a:ext cx="7330680" cy="4595760"/>
+            <a:ext cx="7330320" cy="4595400"/>
           </a:xfrm>
           <a:prstGeom prst="rect">
             <a:avLst/>
@@ -5525,14 +5086,14 @@
       </p:grpSpPr>
       <p:sp>
         <p:nvSpPr>
-          <p:cNvPr id="138" name="TextShape 1"/>
-          <p:cNvSpPr txBox="1"/>
+          <p:cNvPr id="132" name="CustomShape 1"/>
+          <p:cNvSpPr/>
           <p:nvPr/>
         </p:nvSpPr>
         <p:spPr>
           <a:xfrm>
             <a:off x="838080" y="365040"/>
-            <a:ext cx="10515240" cy="1325160"/>
+            <a:ext cx="10514880" cy="1324800"/>
           </a:xfrm>
           <a:prstGeom prst="rect">
             <a:avLst/>
@@ -5542,8 +5103,14 @@
             <a:noFill/>
           </a:ln>
         </p:spPr>
-        <p:txBody>
-          <a:bodyPr anchor="ctr">
+        <p:style>
+          <a:lnRef idx="0"/>
+          <a:fillRef idx="0"/>
+          <a:effectRef idx="0"/>
+          <a:fontRef idx="minor"/>
+        </p:style>
+        <p:txBody>
+          <a:bodyPr lIns="90000" rIns="90000" tIns="45000" bIns="45000" anchor="ctr">
             <a:noAutofit/>
           </a:bodyPr>
           <a:p>
@@ -5553,7 +5120,7 @@
               </a:lnSpc>
             </a:pPr>
             <a:r>
-              <a:rPr b="0" lang="en-US" sz="4400" spc="-1" strike="noStrike">
+              <a:rPr b="0" lang="en-CA" sz="4400" spc="-1" strike="noStrike">
                 <a:solidFill>
                   <a:srgbClr val="000000"/>
                 </a:solidFill>
@@ -5562,25 +5129,22 @@
               </a:rPr>
               <a:t>Returning reference from a function</a:t>
             </a:r>
-            <a:endParaRPr b="0" lang="en-US" sz="4400" spc="-1" strike="noStrike">
-              <a:solidFill>
-                <a:srgbClr val="000000"/>
-              </a:solidFill>
-              <a:latin typeface="Calibri"/>
-            </a:endParaRPr>
-          </a:p>
-        </p:txBody>
-      </p:sp>
-      <p:sp>
-        <p:nvSpPr>
-          <p:cNvPr id="139" name="TextShape 2"/>
-          <p:cNvSpPr txBox="1"/>
+            <a:endParaRPr b="0" lang="en-CA" sz="4400" spc="-1" strike="noStrike">
+              <a:latin typeface="Arial"/>
+            </a:endParaRPr>
+          </a:p>
+        </p:txBody>
+      </p:sp>
+      <p:sp>
+        <p:nvSpPr>
+          <p:cNvPr id="133" name="CustomShape 2"/>
+          <p:cNvSpPr/>
           <p:nvPr/>
         </p:nvSpPr>
         <p:spPr>
           <a:xfrm>
             <a:off x="838080" y="1825560"/>
-            <a:ext cx="10515240" cy="4350960"/>
+            <a:ext cx="10514880" cy="4350600"/>
           </a:xfrm>
           <a:prstGeom prst="rect">
             <a:avLst/>
@@ -5590,19 +5154,12 @@
             <a:noFill/>
           </a:ln>
         </p:spPr>
-        <p:txBody>
-          <a:bodyPr>
-            <a:noAutofit/>
-          </a:bodyPr>
-          <a:p>
-            <a:endParaRPr b="0" lang="en-US" sz="2800" spc="-1" strike="noStrike">
-              <a:solidFill>
-                <a:srgbClr val="000000"/>
-              </a:solidFill>
-              <a:latin typeface="Calibri"/>
-            </a:endParaRPr>
-          </a:p>
-        </p:txBody>
+        <p:style>
+          <a:lnRef idx="0"/>
+          <a:fillRef idx="0"/>
+          <a:effectRef idx="0"/>
+          <a:fontRef idx="minor"/>
+        </p:style>
       </p:sp>
     </p:spTree>
   </p:cSld>
@@ -5636,14 +5193,14 @@
       </p:grpSpPr>
       <p:sp>
         <p:nvSpPr>
-          <p:cNvPr id="140" name="TextShape 1"/>
-          <p:cNvSpPr txBox="1"/>
+          <p:cNvPr id="134" name="CustomShape 1"/>
+          <p:cNvSpPr/>
           <p:nvPr/>
         </p:nvSpPr>
         <p:spPr>
           <a:xfrm>
             <a:off x="838080" y="365040"/>
-            <a:ext cx="10515240" cy="1325160"/>
+            <a:ext cx="10514880" cy="1324800"/>
           </a:xfrm>
           <a:prstGeom prst="rect">
             <a:avLst/>
@@ -5653,8 +5210,14 @@
             <a:noFill/>
           </a:ln>
         </p:spPr>
-        <p:txBody>
-          <a:bodyPr anchor="ctr">
+        <p:style>
+          <a:lnRef idx="0"/>
+          <a:fillRef idx="0"/>
+          <a:effectRef idx="0"/>
+          <a:fontRef idx="minor"/>
+        </p:style>
+        <p:txBody>
+          <a:bodyPr lIns="90000" rIns="90000" tIns="45000" bIns="45000" anchor="ctr">
             <a:noAutofit/>
           </a:bodyPr>
           <a:p>
@@ -5664,7 +5227,7 @@
               </a:lnSpc>
             </a:pPr>
             <a:r>
-              <a:rPr b="0" lang="en-US" sz="4400" spc="-1" strike="noStrike">
+              <a:rPr b="0" lang="en-CA" sz="4400" spc="-1" strike="noStrike">
                 <a:solidFill>
                   <a:srgbClr val="000000"/>
                 </a:solidFill>
@@ -5673,25 +5236,22 @@
               </a:rPr>
               <a:t>Dynamic memory</a:t>
             </a:r>
-            <a:endParaRPr b="0" lang="en-US" sz="4400" spc="-1" strike="noStrike">
-              <a:solidFill>
-                <a:srgbClr val="000000"/>
-              </a:solidFill>
-              <a:latin typeface="Calibri"/>
-            </a:endParaRPr>
-          </a:p>
-        </p:txBody>
-      </p:sp>
-      <p:sp>
-        <p:nvSpPr>
-          <p:cNvPr id="141" name="TextShape 2"/>
-          <p:cNvSpPr txBox="1"/>
+            <a:endParaRPr b="0" lang="en-CA" sz="4400" spc="-1" strike="noStrike">
+              <a:latin typeface="Arial"/>
+            </a:endParaRPr>
+          </a:p>
+        </p:txBody>
+      </p:sp>
+      <p:sp>
+        <p:nvSpPr>
+          <p:cNvPr id="135" name="CustomShape 2"/>
+          <p:cNvSpPr/>
           <p:nvPr/>
         </p:nvSpPr>
         <p:spPr>
           <a:xfrm>
             <a:off x="838080" y="1825560"/>
-            <a:ext cx="10515240" cy="4350960"/>
+            <a:ext cx="10514880" cy="4350600"/>
           </a:xfrm>
           <a:prstGeom prst="rect">
             <a:avLst/>
@@ -5701,12 +5261,18 @@
             <a:noFill/>
           </a:ln>
         </p:spPr>
-        <p:txBody>
-          <a:bodyPr>
+        <p:style>
+          <a:lnRef idx="0"/>
+          <a:fillRef idx="0"/>
+          <a:effectRef idx="0"/>
+          <a:fontRef idx="minor"/>
+        </p:style>
+        <p:txBody>
+          <a:bodyPr lIns="90000" rIns="90000" tIns="45000" bIns="45000">
             <a:normAutofit/>
           </a:bodyPr>
           <a:p>
-            <a:pPr marL="228600" indent="-228240">
+            <a:pPr marL="228600" indent="-227880">
               <a:lnSpc>
                 <a:spcPct val="90000"/>
               </a:lnSpc>
@@ -5720,7 +5286,7 @@
               <a:buChar char="•"/>
             </a:pPr>
             <a:r>
-              <a:rPr b="0" lang="en-US" sz="2800" spc="-1" strike="noStrike">
+              <a:rPr b="0" lang="en-CA" sz="2800" spc="-1" strike="noStrike">
                 <a:solidFill>
                   <a:srgbClr val="000000"/>
                 </a:solidFill>
@@ -5729,15 +5295,12 @@
               </a:rPr>
               <a:t>Variable sized array</a:t>
             </a:r>
-            <a:endParaRPr b="0" lang="en-US" sz="2800" spc="-1" strike="noStrike">
-              <a:solidFill>
-                <a:srgbClr val="000000"/>
-              </a:solidFill>
-              <a:latin typeface="Calibri"/>
-            </a:endParaRPr>
-          </a:p>
-          <a:p>
-            <a:pPr marL="228600" indent="-228240">
+            <a:endParaRPr b="0" lang="en-CA" sz="2800" spc="-1" strike="noStrike">
+              <a:latin typeface="Arial"/>
+            </a:endParaRPr>
+          </a:p>
+          <a:p>
+            <a:pPr marL="228600" indent="-227880">
               <a:lnSpc>
                 <a:spcPct val="90000"/>
               </a:lnSpc>
@@ -5751,47 +5314,21 @@
               <a:buChar char="•"/>
             </a:pPr>
             <a:r>
-              <a:rPr b="0" lang="en-US" sz="2800" spc="-1" strike="noStrike">
+              <a:rPr b="0" lang="en-CA" sz="2800" spc="-1" strike="noStrike">
                 <a:solidFill>
                   <a:srgbClr val="000000"/>
                 </a:solidFill>
                 <a:latin typeface="Calibri"/>
                 <a:ea typeface="Calibri"/>
               </a:rPr>
-              <a:t>Employee example</a:t>
-            </a:r>
-            <a:endParaRPr b="0" lang="en-US" sz="2800" spc="-1" strike="noStrike">
-              <a:solidFill>
-                <a:srgbClr val="000000"/>
-              </a:solidFill>
-              <a:latin typeface="Calibri"/>
-            </a:endParaRPr>
-          </a:p>
-        </p:txBody>
-      </p:sp>
-      <p:pic>
-        <p:nvPicPr>
-          <p:cNvPr id="142" name="Picture 4" descr=""/>
-          <p:cNvPicPr/>
-          <p:nvPr/>
-        </p:nvPicPr>
-        <p:blipFill>
-          <a:blip r:embed="rId1"/>
-          <a:stretch/>
-        </p:blipFill>
-        <p:spPr>
-          <a:xfrm>
-            <a:off x="4898520" y="1624680"/>
-            <a:ext cx="5800320" cy="5000400"/>
-          </a:xfrm>
-          <a:prstGeom prst="rect">
-            <a:avLst/>
-          </a:prstGeom>
-          <a:ln>
-            <a:noFill/>
-          </a:ln>
-        </p:spPr>
-      </p:pic>
+              <a:t>Vector example</a:t>
+            </a:r>
+            <a:endParaRPr b="0" lang="en-CA" sz="2800" spc="-1" strike="noStrike">
+              <a:latin typeface="Arial"/>
+            </a:endParaRPr>
+          </a:p>
+        </p:txBody>
+      </p:sp>
     </p:spTree>
   </p:cSld>
   <mc:AlternateContent>
@@ -5824,14 +5361,14 @@
       </p:grpSpPr>
       <p:sp>
         <p:nvSpPr>
-          <p:cNvPr id="84" name="TextShape 1"/>
-          <p:cNvSpPr txBox="1"/>
+          <p:cNvPr id="78" name="CustomShape 1"/>
+          <p:cNvSpPr/>
           <p:nvPr/>
         </p:nvSpPr>
         <p:spPr>
           <a:xfrm>
             <a:off x="838080" y="365040"/>
-            <a:ext cx="10515240" cy="1325160"/>
+            <a:ext cx="10514880" cy="1324800"/>
           </a:xfrm>
           <a:prstGeom prst="rect">
             <a:avLst/>
@@ -5841,8 +5378,14 @@
             <a:noFill/>
           </a:ln>
         </p:spPr>
-        <p:txBody>
-          <a:bodyPr anchor="ctr">
+        <p:style>
+          <a:lnRef idx="0"/>
+          <a:fillRef idx="0"/>
+          <a:effectRef idx="0"/>
+          <a:fontRef idx="minor"/>
+        </p:style>
+        <p:txBody>
+          <a:bodyPr lIns="90000" rIns="90000" tIns="45000" bIns="45000" anchor="ctr">
             <a:noAutofit/>
           </a:bodyPr>
           <a:p>
@@ -5852,7 +5395,7 @@
               </a:lnSpc>
             </a:pPr>
             <a:r>
-              <a:rPr b="0" lang="en-US" sz="4400" spc="-1" strike="noStrike">
+              <a:rPr b="0" lang="en-CA" sz="4400" spc="-1" strike="noStrike">
                 <a:solidFill>
                   <a:srgbClr val="000000"/>
                 </a:solidFill>
@@ -5861,25 +5404,22 @@
               </a:rPr>
               <a:t>Agenda</a:t>
             </a:r>
-            <a:endParaRPr b="0" lang="en-US" sz="4400" spc="-1" strike="noStrike">
-              <a:solidFill>
-                <a:srgbClr val="000000"/>
-              </a:solidFill>
-              <a:latin typeface="Calibri"/>
-            </a:endParaRPr>
-          </a:p>
-        </p:txBody>
-      </p:sp>
-      <p:sp>
-        <p:nvSpPr>
-          <p:cNvPr id="85" name="TextShape 2"/>
-          <p:cNvSpPr txBox="1"/>
+            <a:endParaRPr b="0" lang="en-CA" sz="4400" spc="-1" strike="noStrike">
+              <a:latin typeface="Arial"/>
+            </a:endParaRPr>
+          </a:p>
+        </p:txBody>
+      </p:sp>
+      <p:sp>
+        <p:nvSpPr>
+          <p:cNvPr id="79" name="CustomShape 2"/>
+          <p:cNvSpPr/>
           <p:nvPr/>
         </p:nvSpPr>
         <p:spPr>
           <a:xfrm>
             <a:off x="838080" y="1825560"/>
-            <a:ext cx="10515240" cy="4350960"/>
+            <a:ext cx="10514880" cy="4350600"/>
           </a:xfrm>
           <a:prstGeom prst="rect">
             <a:avLst/>
@@ -5889,12 +5429,18 @@
             <a:noFill/>
           </a:ln>
         </p:spPr>
-        <p:txBody>
-          <a:bodyPr>
+        <p:style>
+          <a:lnRef idx="0"/>
+          <a:fillRef idx="0"/>
+          <a:effectRef idx="0"/>
+          <a:fontRef idx="minor"/>
+        </p:style>
+        <p:txBody>
+          <a:bodyPr lIns="90000" rIns="90000" tIns="45000" bIns="45000">
             <a:normAutofit/>
           </a:bodyPr>
           <a:p>
-            <a:pPr marL="228600" indent="-228240">
+            <a:pPr marL="228600" indent="-227880">
               <a:lnSpc>
                 <a:spcPct val="90000"/>
               </a:lnSpc>
@@ -5908,7 +5454,7 @@
               <a:buChar char="•"/>
             </a:pPr>
             <a:r>
-              <a:rPr b="0" lang="en-US" sz="2800" spc="-1" strike="noStrike">
+              <a:rPr b="0" lang="en-CA" sz="2800" spc="-1" strike="noStrike">
                 <a:solidFill>
                   <a:srgbClr val="000000"/>
                 </a:solidFill>
@@ -5917,15 +5463,12 @@
               </a:rPr>
               <a:t>Types</a:t>
             </a:r>
-            <a:endParaRPr b="0" lang="en-US" sz="2800" spc="-1" strike="noStrike">
-              <a:solidFill>
-                <a:srgbClr val="000000"/>
-              </a:solidFill>
-              <a:latin typeface="Calibri"/>
-            </a:endParaRPr>
-          </a:p>
-          <a:p>
-            <a:pPr marL="228600" indent="-228240">
+            <a:endParaRPr b="0" lang="en-CA" sz="2800" spc="-1" strike="noStrike">
+              <a:latin typeface="Arial"/>
+            </a:endParaRPr>
+          </a:p>
+          <a:p>
+            <a:pPr marL="228600" indent="-227880">
               <a:lnSpc>
                 <a:spcPct val="90000"/>
               </a:lnSpc>
@@ -5939,7 +5482,7 @@
               <a:buChar char="•"/>
             </a:pPr>
             <a:r>
-              <a:rPr b="0" lang="en-US" sz="2800" spc="-1" strike="noStrike">
+              <a:rPr b="0" lang="en-CA" sz="2800" spc="-1" strike="noStrike">
                 <a:solidFill>
                   <a:srgbClr val="000000"/>
                 </a:solidFill>
@@ -5948,15 +5491,12 @@
               </a:rPr>
               <a:t>Forward declaration</a:t>
             </a:r>
-            <a:endParaRPr b="0" lang="en-US" sz="2800" spc="-1" strike="noStrike">
-              <a:solidFill>
-                <a:srgbClr val="000000"/>
-              </a:solidFill>
-              <a:latin typeface="Calibri"/>
-            </a:endParaRPr>
-          </a:p>
-          <a:p>
-            <a:pPr marL="228600" indent="-228240">
+            <a:endParaRPr b="0" lang="en-CA" sz="2800" spc="-1" strike="noStrike">
+              <a:latin typeface="Arial"/>
+            </a:endParaRPr>
+          </a:p>
+          <a:p>
+            <a:pPr marL="228600" indent="-227880">
               <a:lnSpc>
                 <a:spcPct val="90000"/>
               </a:lnSpc>
@@ -5970,7 +5510,7 @@
               <a:buChar char="•"/>
             </a:pPr>
             <a:r>
-              <a:rPr b="0" lang="en-US" sz="2800" spc="-1" strike="noStrike">
+              <a:rPr b="0" lang="en-CA" sz="2800" spc="-1" strike="noStrike">
                 <a:solidFill>
                   <a:srgbClr val="000000"/>
                 </a:solidFill>
@@ -5979,15 +5519,12 @@
               </a:rPr>
               <a:t>Function overloading, default parameters</a:t>
             </a:r>
-            <a:endParaRPr b="0" lang="en-US" sz="2800" spc="-1" strike="noStrike">
-              <a:solidFill>
-                <a:srgbClr val="000000"/>
-              </a:solidFill>
-              <a:latin typeface="Calibri"/>
-            </a:endParaRPr>
-          </a:p>
-          <a:p>
-            <a:pPr marL="228600" indent="-228240">
+            <a:endParaRPr b="0" lang="en-CA" sz="2800" spc="-1" strike="noStrike">
+              <a:latin typeface="Arial"/>
+            </a:endParaRPr>
+          </a:p>
+          <a:p>
+            <a:pPr marL="228600" indent="-227880">
               <a:lnSpc>
                 <a:spcPct val="90000"/>
               </a:lnSpc>
@@ -6001,7 +5538,7 @@
               <a:buChar char="•"/>
             </a:pPr>
             <a:r>
-              <a:rPr b="0" lang="en-US" sz="2800" spc="-1" strike="noStrike">
+              <a:rPr b="0" lang="en-CA" sz="2800" spc="-1" strike="noStrike">
                 <a:solidFill>
                   <a:srgbClr val="000000"/>
                 </a:solidFill>
@@ -6010,15 +5547,12 @@
               </a:rPr>
               <a:t>References</a:t>
             </a:r>
-            <a:endParaRPr b="0" lang="en-US" sz="2800" spc="-1" strike="noStrike">
-              <a:solidFill>
-                <a:srgbClr val="000000"/>
-              </a:solidFill>
-              <a:latin typeface="Calibri"/>
-            </a:endParaRPr>
-          </a:p>
-          <a:p>
-            <a:pPr marL="228600" indent="-228240">
+            <a:endParaRPr b="0" lang="en-CA" sz="2800" spc="-1" strike="noStrike">
+              <a:latin typeface="Arial"/>
+            </a:endParaRPr>
+          </a:p>
+          <a:p>
+            <a:pPr marL="228600" indent="-227880">
               <a:lnSpc>
                 <a:spcPct val="90000"/>
               </a:lnSpc>
@@ -6032,7 +5566,7 @@
               <a:buChar char="•"/>
             </a:pPr>
             <a:r>
-              <a:rPr b="0" lang="en-US" sz="2800" spc="-1" strike="noStrike">
+              <a:rPr b="0" lang="en-CA" sz="2800" spc="-1" strike="noStrike">
                 <a:solidFill>
                   <a:srgbClr val="000000"/>
                 </a:solidFill>
@@ -6041,15 +5575,12 @@
               </a:rPr>
               <a:t>Dynamic memory allocation</a:t>
             </a:r>
-            <a:endParaRPr b="0" lang="en-US" sz="2800" spc="-1" strike="noStrike">
-              <a:solidFill>
-                <a:srgbClr val="000000"/>
-              </a:solidFill>
-              <a:latin typeface="Calibri"/>
-            </a:endParaRPr>
-          </a:p>
-          <a:p>
-            <a:pPr marL="228600" indent="-228240">
+            <a:endParaRPr b="0" lang="en-CA" sz="2800" spc="-1" strike="noStrike">
+              <a:latin typeface="Arial"/>
+            </a:endParaRPr>
+          </a:p>
+          <a:p>
+            <a:pPr marL="228600" indent="-227880">
               <a:lnSpc>
                 <a:spcPct val="90000"/>
               </a:lnSpc>
@@ -6063,7 +5594,7 @@
               <a:buChar char="•"/>
             </a:pPr>
             <a:r>
-              <a:rPr b="0" lang="en-US" sz="2800" spc="-1" strike="noStrike">
+              <a:rPr b="0" lang="en-CA" sz="2800" spc="-1" strike="noStrike">
                 <a:solidFill>
                   <a:srgbClr val="000000"/>
                 </a:solidFill>
@@ -6072,11 +5603,8 @@
               </a:rPr>
               <a:t>Empty state</a:t>
             </a:r>
-            <a:endParaRPr b="0" lang="en-US" sz="2800" spc="-1" strike="noStrike">
-              <a:solidFill>
-                <a:srgbClr val="000000"/>
-              </a:solidFill>
-              <a:latin typeface="Calibri"/>
+            <a:endParaRPr b="0" lang="en-CA" sz="2800" spc="-1" strike="noStrike">
+              <a:latin typeface="Arial"/>
             </a:endParaRPr>
           </a:p>
         </p:txBody>
@@ -6113,14 +5641,14 @@
       </p:grpSpPr>
       <p:sp>
         <p:nvSpPr>
-          <p:cNvPr id="143" name="TextShape 1"/>
-          <p:cNvSpPr txBox="1"/>
+          <p:cNvPr id="136" name="CustomShape 1"/>
+          <p:cNvSpPr/>
           <p:nvPr/>
         </p:nvSpPr>
         <p:spPr>
           <a:xfrm>
             <a:off x="838080" y="365040"/>
-            <a:ext cx="10515240" cy="1325160"/>
+            <a:ext cx="10514880" cy="1324800"/>
           </a:xfrm>
           <a:prstGeom prst="rect">
             <a:avLst/>
@@ -6130,8 +5658,14 @@
             <a:noFill/>
           </a:ln>
         </p:spPr>
-        <p:txBody>
-          <a:bodyPr anchor="ctr">
+        <p:style>
+          <a:lnRef idx="0"/>
+          <a:fillRef idx="0"/>
+          <a:effectRef idx="0"/>
+          <a:fontRef idx="minor"/>
+        </p:style>
+        <p:txBody>
+          <a:bodyPr lIns="90000" rIns="90000" tIns="45000" bIns="45000" anchor="ctr">
             <a:noAutofit/>
           </a:bodyPr>
           <a:p>
@@ -6141,27 +5675,86 @@
               </a:lnSpc>
             </a:pPr>
             <a:r>
-              <a:rPr b="0" lang="en-US" sz="4400" spc="-1" strike="noStrike">
+              <a:rPr b="0" lang="en-CA" sz="4400" spc="-1" strike="noStrike">
                 <a:solidFill>
                   <a:srgbClr val="000000"/>
                 </a:solidFill>
                 <a:latin typeface="Calibri Light"/>
                 <a:ea typeface="Calibri Light"/>
               </a:rPr>
-              <a:t>Employee Example</a:t>
-            </a:r>
-            <a:endParaRPr b="0" lang="en-US" sz="4400" spc="-1" strike="noStrike">
-              <a:solidFill>
-                <a:srgbClr val="000000"/>
-              </a:solidFill>
-              <a:latin typeface="Calibri"/>
+              <a:t>Empty State</a:t>
+            </a:r>
+            <a:endParaRPr b="0" lang="en-CA" sz="4400" spc="-1" strike="noStrike">
+              <a:latin typeface="Arial"/>
+            </a:endParaRPr>
+          </a:p>
+        </p:txBody>
+      </p:sp>
+      <p:sp>
+        <p:nvSpPr>
+          <p:cNvPr id="137" name="CustomShape 2"/>
+          <p:cNvSpPr/>
+          <p:nvPr/>
+        </p:nvSpPr>
+        <p:spPr>
+          <a:xfrm>
+            <a:off x="838080" y="1825560"/>
+            <a:ext cx="10514880" cy="4350600"/>
+          </a:xfrm>
+          <a:prstGeom prst="rect">
+            <a:avLst/>
+          </a:prstGeom>
+          <a:noFill/>
+          <a:ln>
+            <a:noFill/>
+          </a:ln>
+        </p:spPr>
+        <p:style>
+          <a:lnRef idx="0"/>
+          <a:fillRef idx="0"/>
+          <a:effectRef idx="0"/>
+          <a:fontRef idx="minor"/>
+        </p:style>
+      </p:sp>
+      <p:sp>
+        <p:nvSpPr>
+          <p:cNvPr id="138" name="TextShape 3"/>
+          <p:cNvSpPr txBox="1"/>
+          <p:nvPr/>
+        </p:nvSpPr>
+        <p:spPr>
+          <a:xfrm>
+            <a:off x="1224000" y="1512000"/>
+            <a:ext cx="9720000" cy="602280"/>
+          </a:xfrm>
+          <a:prstGeom prst="rect">
+            <a:avLst/>
+          </a:prstGeom>
+          <a:noFill/>
+          <a:ln>
+            <a:noFill/>
+          </a:ln>
+        </p:spPr>
+        <p:txBody>
+          <a:bodyPr lIns="90000" rIns="90000" tIns="45000" bIns="45000">
+            <a:spAutoFit/>
+          </a:bodyPr>
+          <a:p>
+            <a:r>
+              <a:rPr b="0" lang="en-CA" sz="1800" spc="-1" strike="noStrike">
+                <a:latin typeface="Arial"/>
+              </a:rPr>
+              <a:t>Default values of member variables when client-given value is invalid</a:t>
+            </a:r>
+            <a:endParaRPr b="0" lang="en-CA" sz="1800" spc="-1" strike="noStrike">
+              <a:latin typeface="Arial"/>
             </a:endParaRPr>
           </a:p>
         </p:txBody>
       </p:sp>
       <p:pic>
         <p:nvPicPr>
-          <p:cNvPr id="144" name="Picture 3" descr=""/>
+          <p:cNvPr id="139" name="" descr=""/>
           <p:cNvPicPr/>
           <p:nvPr/>
         </p:nvPicPr>
@@ -6171,8 +5764,8 @@
         </p:blipFill>
         <p:spPr>
           <a:xfrm>
-            <a:off x="890640" y="1555560"/>
-            <a:ext cx="4314600" cy="1733040"/>
+            <a:off x="838080" y="1980000"/>
+            <a:ext cx="5924880" cy="4572000"/>
           </a:xfrm>
           <a:prstGeom prst="rect">
             <a:avLst/>
@@ -6182,60 +5775,9 @@
           </a:ln>
         </p:spPr>
       </p:pic>
-      <p:sp>
-        <p:nvSpPr>
-          <p:cNvPr id="145" name="CustomShape 2"/>
-          <p:cNvSpPr/>
-          <p:nvPr/>
-        </p:nvSpPr>
-        <p:spPr>
-          <a:xfrm>
-            <a:off x="5343480" y="1552320"/>
-            <a:ext cx="1137960" cy="366120"/>
-          </a:xfrm>
-          <a:prstGeom prst="rect">
-            <a:avLst/>
-          </a:prstGeom>
-          <a:noFill/>
-          <a:ln>
-            <a:noFill/>
-          </a:ln>
-        </p:spPr>
-        <p:style>
-          <a:lnRef idx="0"/>
-          <a:fillRef idx="0"/>
-          <a:effectRef idx="0"/>
-          <a:fontRef idx="minor"/>
-        </p:style>
-        <p:txBody>
-          <a:bodyPr>
-            <a:spAutoFit/>
-          </a:bodyPr>
-          <a:p>
-            <a:pPr>
-              <a:lnSpc>
-                <a:spcPct val="100000"/>
-              </a:lnSpc>
-            </a:pPr>
-            <a:r>
-              <a:rPr b="0" lang="en-CA" sz="1800" spc="-1" strike="noStrike">
-                <a:solidFill>
-                  <a:srgbClr val="000000"/>
-                </a:solidFill>
-                <a:latin typeface="Calibri"/>
-                <a:ea typeface="Calibri"/>
-              </a:rPr>
-              <a:t>Utils.h</a:t>
-            </a:r>
-            <a:endParaRPr b="0" lang="en-CA" sz="1800" spc="-1" strike="noStrike">
-              <a:latin typeface="Arial"/>
-            </a:endParaRPr>
-          </a:p>
-        </p:txBody>
-      </p:sp>
       <p:pic>
         <p:nvPicPr>
-          <p:cNvPr id="146" name="Picture 5" descr=""/>
+          <p:cNvPr id="140" name="" descr=""/>
           <p:cNvPicPr/>
           <p:nvPr/>
         </p:nvPicPr>
@@ -6245,8 +5787,8 @@
         </p:blipFill>
         <p:spPr>
           <a:xfrm>
-            <a:off x="838800" y="3609360"/>
-            <a:ext cx="2819160" cy="1275840"/>
+            <a:off x="7560000" y="1968480"/>
+            <a:ext cx="3400200" cy="2495520"/>
           </a:xfrm>
           <a:prstGeom prst="rect">
             <a:avLst/>
@@ -6256,272 +5798,6 @@
           </a:ln>
         </p:spPr>
       </p:pic>
-      <p:pic>
-        <p:nvPicPr>
-          <p:cNvPr id="147" name="Picture 6" descr=""/>
-          <p:cNvPicPr/>
-          <p:nvPr/>
-        </p:nvPicPr>
-        <p:blipFill>
-          <a:blip r:embed="rId3"/>
-          <a:stretch/>
-        </p:blipFill>
-        <p:spPr>
-          <a:xfrm>
-            <a:off x="4102200" y="3547440"/>
-            <a:ext cx="3742920" cy="1399680"/>
-          </a:xfrm>
-          <a:prstGeom prst="rect">
-            <a:avLst/>
-          </a:prstGeom>
-          <a:ln>
-            <a:noFill/>
-          </a:ln>
-        </p:spPr>
-      </p:pic>
-      <p:pic>
-        <p:nvPicPr>
-          <p:cNvPr id="148" name="Picture 7" descr=""/>
-          <p:cNvPicPr/>
-          <p:nvPr/>
-        </p:nvPicPr>
-        <p:blipFill>
-          <a:blip r:embed="rId4"/>
-          <a:stretch/>
-        </p:blipFill>
-        <p:spPr>
-          <a:xfrm>
-            <a:off x="8183520" y="3490560"/>
-            <a:ext cx="3933360" cy="1456920"/>
-          </a:xfrm>
-          <a:prstGeom prst="rect">
-            <a:avLst/>
-          </a:prstGeom>
-          <a:ln>
-            <a:noFill/>
-          </a:ln>
-        </p:spPr>
-      </p:pic>
-    </p:spTree>
-  </p:cSld>
-  <mc:AlternateContent>
-    <mc:Choice Requires="p14">
-      <p:transition spd="slow" p14:dur="2000"/>
-    </mc:Choice>
-    <mc:Fallback>
-      <p:transition spd="slow"/>
-    </mc:Fallback>
-  </mc:AlternateContent>
-</p:sld>
-</file>
-
-<file path=ppt/slides/slide21.xml><?xml version="1.0" encoding="utf-8"?>
-<p:sld xmlns:a="http://schemas.openxmlformats.org/drawingml/2006/main" xmlns:p="http://schemas.openxmlformats.org/presentationml/2006/main" xmlns:r="http://schemas.openxmlformats.org/officeDocument/2006/relationships" xmlns:p14="http://schemas.microsoft.com/office/powerpoint/2010/main" xmlns:p15="http://schemas.microsoft.com/office/powerpoint/2012/main" xmlns:mc="http://schemas.openxmlformats.org/markup-compatibility/2006">
-  <p:cSld>
-    <p:spTree>
-      <p:nvGrpSpPr>
-        <p:cNvPr id="1" name=""/>
-        <p:cNvGrpSpPr/>
-        <p:nvPr/>
-      </p:nvGrpSpPr>
-      <p:grpSpPr>
-        <a:xfrm>
-          <a:off x="0" y="0"/>
-          <a:ext cx="0" cy="0"/>
-          <a:chOff x="0" y="0"/>
-          <a:chExt cx="0" cy="0"/>
-        </a:xfrm>
-      </p:grpSpPr>
-      <p:sp>
-        <p:nvSpPr>
-          <p:cNvPr id="149" name="TextShape 1"/>
-          <p:cNvSpPr txBox="1"/>
-          <p:nvPr/>
-        </p:nvSpPr>
-        <p:spPr>
-          <a:xfrm>
-            <a:off x="838080" y="365040"/>
-            <a:ext cx="10515240" cy="1325160"/>
-          </a:xfrm>
-          <a:prstGeom prst="rect">
-            <a:avLst/>
-          </a:prstGeom>
-          <a:noFill/>
-          <a:ln>
-            <a:noFill/>
-          </a:ln>
-        </p:spPr>
-        <p:txBody>
-          <a:bodyPr anchor="ctr">
-            <a:noAutofit/>
-          </a:bodyPr>
-          <a:p>
-            <a:endParaRPr b="0" lang="en-US" sz="1800" spc="-1" strike="noStrike">
-              <a:solidFill>
-                <a:srgbClr val="000000"/>
-              </a:solidFill>
-              <a:latin typeface="Calibri"/>
-            </a:endParaRPr>
-          </a:p>
-        </p:txBody>
-      </p:sp>
-      <p:pic>
-        <p:nvPicPr>
-          <p:cNvPr id="150" name="Picture 3" descr=""/>
-          <p:cNvPicPr/>
-          <p:nvPr/>
-        </p:nvPicPr>
-        <p:blipFill>
-          <a:blip r:embed="rId1"/>
-          <a:stretch/>
-        </p:blipFill>
-        <p:spPr>
-          <a:xfrm>
-            <a:off x="1083240" y="1892160"/>
-            <a:ext cx="2819160" cy="2866680"/>
-          </a:xfrm>
-          <a:prstGeom prst="rect">
-            <a:avLst/>
-          </a:prstGeom>
-          <a:ln>
-            <a:noFill/>
-          </a:ln>
-        </p:spPr>
-      </p:pic>
-      <p:pic>
-        <p:nvPicPr>
-          <p:cNvPr id="151" name="Picture 4" descr=""/>
-          <p:cNvPicPr/>
-          <p:nvPr/>
-        </p:nvPicPr>
-        <p:blipFill>
-          <a:blip r:embed="rId2"/>
-          <a:stretch/>
-        </p:blipFill>
-        <p:spPr>
-          <a:xfrm>
-            <a:off x="4767120" y="1373400"/>
-            <a:ext cx="5705280" cy="5352840"/>
-          </a:xfrm>
-          <a:prstGeom prst="rect">
-            <a:avLst/>
-          </a:prstGeom>
-          <a:ln>
-            <a:noFill/>
-          </a:ln>
-        </p:spPr>
-      </p:pic>
-    </p:spTree>
-  </p:cSld>
-  <mc:AlternateContent>
-    <mc:Choice Requires="p14">
-      <p:transition spd="slow" p14:dur="2000"/>
-    </mc:Choice>
-    <mc:Fallback>
-      <p:transition spd="slow"/>
-    </mc:Fallback>
-  </mc:AlternateContent>
-</p:sld>
-</file>
-
-<file path=ppt/slides/slide22.xml><?xml version="1.0" encoding="utf-8"?>
-<p:sld xmlns:a="http://schemas.openxmlformats.org/drawingml/2006/main" xmlns:p="http://schemas.openxmlformats.org/presentationml/2006/main" xmlns:r="http://schemas.openxmlformats.org/officeDocument/2006/relationships" xmlns:p14="http://schemas.microsoft.com/office/powerpoint/2010/main" xmlns:p15="http://schemas.microsoft.com/office/powerpoint/2012/main" xmlns:mc="http://schemas.openxmlformats.org/markup-compatibility/2006">
-  <p:cSld>
-    <p:spTree>
-      <p:nvGrpSpPr>
-        <p:cNvPr id="1" name=""/>
-        <p:cNvGrpSpPr/>
-        <p:nvPr/>
-      </p:nvGrpSpPr>
-      <p:grpSpPr>
-        <a:xfrm>
-          <a:off x="0" y="0"/>
-          <a:ext cx="0" cy="0"/>
-          <a:chOff x="0" y="0"/>
-          <a:chExt cx="0" cy="0"/>
-        </a:xfrm>
-      </p:grpSpPr>
-      <p:sp>
-        <p:nvSpPr>
-          <p:cNvPr id="152" name="TextShape 1"/>
-          <p:cNvSpPr txBox="1"/>
-          <p:nvPr/>
-        </p:nvSpPr>
-        <p:spPr>
-          <a:xfrm>
-            <a:off x="838080" y="365040"/>
-            <a:ext cx="10515240" cy="1325160"/>
-          </a:xfrm>
-          <a:prstGeom prst="rect">
-            <a:avLst/>
-          </a:prstGeom>
-          <a:noFill/>
-          <a:ln>
-            <a:noFill/>
-          </a:ln>
-        </p:spPr>
-        <p:txBody>
-          <a:bodyPr anchor="ctr">
-            <a:noAutofit/>
-          </a:bodyPr>
-          <a:p>
-            <a:pPr>
-              <a:lnSpc>
-                <a:spcPct val="90000"/>
-              </a:lnSpc>
-            </a:pPr>
-            <a:r>
-              <a:rPr b="0" lang="en-US" sz="4400" spc="-1" strike="noStrike">
-                <a:solidFill>
-                  <a:srgbClr val="000000"/>
-                </a:solidFill>
-                <a:latin typeface="Calibri Light"/>
-                <a:ea typeface="Calibri Light"/>
-              </a:rPr>
-              <a:t>Empty State</a:t>
-            </a:r>
-            <a:endParaRPr b="0" lang="en-US" sz="4400" spc="-1" strike="noStrike">
-              <a:solidFill>
-                <a:srgbClr val="000000"/>
-              </a:solidFill>
-              <a:latin typeface="Calibri"/>
-            </a:endParaRPr>
-          </a:p>
-        </p:txBody>
-      </p:sp>
-      <p:sp>
-        <p:nvSpPr>
-          <p:cNvPr id="153" name="TextShape 2"/>
-          <p:cNvSpPr txBox="1"/>
-          <p:nvPr/>
-        </p:nvSpPr>
-        <p:spPr>
-          <a:xfrm>
-            <a:off x="838080" y="1825560"/>
-            <a:ext cx="10515240" cy="4350960"/>
-          </a:xfrm>
-          <a:prstGeom prst="rect">
-            <a:avLst/>
-          </a:prstGeom>
-          <a:noFill/>
-          <a:ln>
-            <a:noFill/>
-          </a:ln>
-        </p:spPr>
-        <p:txBody>
-          <a:bodyPr>
-            <a:noAutofit/>
-          </a:bodyPr>
-          <a:p>
-            <a:endParaRPr b="0" lang="en-US" sz="2800" spc="-1" strike="noStrike">
-              <a:solidFill>
-                <a:srgbClr val="000000"/>
-              </a:solidFill>
-              <a:latin typeface="Calibri"/>
-            </a:endParaRPr>
-          </a:p>
-        </p:txBody>
-      </p:sp>
     </p:spTree>
   </p:cSld>
   <mc:AlternateContent>
@@ -6554,14 +5830,14 @@
       </p:grpSpPr>
       <p:sp>
         <p:nvSpPr>
-          <p:cNvPr id="86" name="TextShape 1"/>
-          <p:cNvSpPr txBox="1"/>
+          <p:cNvPr id="80" name="CustomShape 1"/>
+          <p:cNvSpPr/>
           <p:nvPr/>
         </p:nvSpPr>
         <p:spPr>
           <a:xfrm>
             <a:off x="838080" y="365040"/>
-            <a:ext cx="10515240" cy="1325160"/>
+            <a:ext cx="10514880" cy="1324800"/>
           </a:xfrm>
           <a:prstGeom prst="rect">
             <a:avLst/>
@@ -6571,8 +5847,14 @@
             <a:noFill/>
           </a:ln>
         </p:spPr>
-        <p:txBody>
-          <a:bodyPr anchor="ctr">
+        <p:style>
+          <a:lnRef idx="0"/>
+          <a:fillRef idx="0"/>
+          <a:effectRef idx="0"/>
+          <a:fontRef idx="minor"/>
+        </p:style>
+        <p:txBody>
+          <a:bodyPr lIns="90000" rIns="90000" tIns="45000" bIns="45000" anchor="ctr">
             <a:noAutofit/>
           </a:bodyPr>
           <a:p>
@@ -6582,7 +5864,7 @@
               </a:lnSpc>
             </a:pPr>
             <a:r>
-              <a:rPr b="0" lang="en-US" sz="4400" spc="-1" strike="noStrike">
+              <a:rPr b="0" lang="en-CA" sz="4400" spc="-1" strike="noStrike">
                 <a:solidFill>
                   <a:srgbClr val="000000"/>
                 </a:solidFill>
@@ -6590,25 +5872,22 @@
               </a:rPr>
               <a:t>Types</a:t>
             </a:r>
-            <a:endParaRPr b="0" lang="en-US" sz="4400" spc="-1" strike="noStrike">
-              <a:solidFill>
-                <a:srgbClr val="000000"/>
-              </a:solidFill>
-              <a:latin typeface="Calibri"/>
-            </a:endParaRPr>
-          </a:p>
-        </p:txBody>
-      </p:sp>
-      <p:sp>
-        <p:nvSpPr>
-          <p:cNvPr id="87" name="TextShape 2"/>
-          <p:cNvSpPr txBox="1"/>
+            <a:endParaRPr b="0" lang="en-CA" sz="4400" spc="-1" strike="noStrike">
+              <a:latin typeface="Arial"/>
+            </a:endParaRPr>
+          </a:p>
+        </p:txBody>
+      </p:sp>
+      <p:sp>
+        <p:nvSpPr>
+          <p:cNvPr id="81" name="CustomShape 2"/>
+          <p:cNvSpPr/>
           <p:nvPr/>
         </p:nvSpPr>
         <p:spPr>
           <a:xfrm>
             <a:off x="838080" y="1825560"/>
-            <a:ext cx="10515240" cy="4350960"/>
+            <a:ext cx="10514880" cy="4350600"/>
           </a:xfrm>
           <a:prstGeom prst="rect">
             <a:avLst/>
@@ -6618,12 +5897,18 @@
             <a:noFill/>
           </a:ln>
         </p:spPr>
-        <p:txBody>
-          <a:bodyPr>
+        <p:style>
+          <a:lnRef idx="0"/>
+          <a:fillRef idx="0"/>
+          <a:effectRef idx="0"/>
+          <a:fontRef idx="minor"/>
+        </p:style>
+        <p:txBody>
+          <a:bodyPr lIns="90000" rIns="90000" tIns="45000" bIns="45000">
             <a:normAutofit/>
           </a:bodyPr>
           <a:p>
-            <a:pPr marL="228600" indent="-228240">
+            <a:pPr marL="228600" indent="-227880">
               <a:lnSpc>
                 <a:spcPct val="90000"/>
               </a:lnSpc>
@@ -6637,7 +5922,7 @@
               <a:buChar char="•"/>
             </a:pPr>
             <a:r>
-              <a:rPr b="0" lang="en-US" sz="2800" spc="-1" strike="noStrike">
+              <a:rPr b="0" lang="en-CA" sz="2800" spc="-1" strike="noStrike">
                 <a:solidFill>
                   <a:srgbClr val="000000"/>
                 </a:solidFill>
@@ -6646,7 +5931,7 @@
               <a:t>bool </a:t>
             </a:r>
             <a:r>
-              <a:rPr b="0" lang="en-US" sz="2800" spc="-1" strike="noStrike">
+              <a:rPr b="0" lang="en-CA" sz="2800" spc="-1" strike="noStrike">
                 <a:solidFill>
                   <a:srgbClr val="000000"/>
                 </a:solidFill>
@@ -6654,15 +5939,12 @@
               </a:rPr>
               <a:t>type</a:t>
             </a:r>
-            <a:endParaRPr b="0" lang="en-US" sz="2800" spc="-1" strike="noStrike">
-              <a:solidFill>
-                <a:srgbClr val="000000"/>
-              </a:solidFill>
-              <a:latin typeface="Calibri"/>
-            </a:endParaRPr>
-          </a:p>
-          <a:p>
-            <a:pPr lvl="1" marL="685800" indent="-228240">
+            <a:endParaRPr b="0" lang="en-CA" sz="2800" spc="-1" strike="noStrike">
+              <a:latin typeface="Arial"/>
+            </a:endParaRPr>
+          </a:p>
+          <a:p>
+            <a:pPr lvl="1" marL="685800" indent="-227880">
               <a:lnSpc>
                 <a:spcPct val="90000"/>
               </a:lnSpc>
@@ -6676,7 +5958,7 @@
               <a:buChar char="o"/>
             </a:pPr>
             <a:r>
-              <a:rPr b="0" lang="en-US" sz="2400" spc="-1" strike="noStrike">
+              <a:rPr b="0" lang="en-CA" sz="2400" spc="-1" strike="noStrike">
                 <a:solidFill>
                   <a:srgbClr val="000000"/>
                 </a:solidFill>
@@ -6684,15 +5966,12 @@
               </a:rPr>
               <a:t>bool var = true;</a:t>
             </a:r>
-            <a:endParaRPr b="0" lang="en-US" sz="2400" spc="-1" strike="noStrike">
-              <a:solidFill>
-                <a:srgbClr val="000000"/>
-              </a:solidFill>
-              <a:latin typeface="Calibri"/>
-            </a:endParaRPr>
-          </a:p>
-          <a:p>
-            <a:pPr lvl="1" marL="685800" indent="-228240">
+            <a:endParaRPr b="0" lang="en-CA" sz="2400" spc="-1" strike="noStrike">
+              <a:latin typeface="Arial"/>
+            </a:endParaRPr>
+          </a:p>
+          <a:p>
+            <a:pPr lvl="1" marL="685800" indent="-227880">
               <a:lnSpc>
                 <a:spcPct val="90000"/>
               </a:lnSpc>
@@ -6706,7 +5985,7 @@
               <a:buChar char="o"/>
             </a:pPr>
             <a:r>
-              <a:rPr b="0" lang="en-US" sz="2400" spc="-1" strike="noStrike">
+              <a:rPr b="0" lang="en-CA" sz="2400" spc="-1" strike="noStrike">
                 <a:solidFill>
                   <a:srgbClr val="000000"/>
                 </a:solidFill>
@@ -6714,15 +5993,12 @@
               </a:rPr>
               <a:t>cout &lt;&lt; var &lt;&lt; endl;                      // displays 1</a:t>
             </a:r>
-            <a:endParaRPr b="0" lang="en-US" sz="2400" spc="-1" strike="noStrike">
-              <a:solidFill>
-                <a:srgbClr val="000000"/>
-              </a:solidFill>
-              <a:latin typeface="Calibri"/>
-            </a:endParaRPr>
-          </a:p>
-          <a:p>
-            <a:pPr lvl="1" marL="685800" indent="-228240">
+            <a:endParaRPr b="0" lang="en-CA" sz="2400" spc="-1" strike="noStrike">
+              <a:latin typeface="Arial"/>
+            </a:endParaRPr>
+          </a:p>
+          <a:p>
+            <a:pPr lvl="1" marL="685800" indent="-227880">
               <a:lnSpc>
                 <a:spcPct val="90000"/>
               </a:lnSpc>
@@ -6736,7 +6012,7 @@
               <a:buChar char="o"/>
             </a:pPr>
             <a:r>
-              <a:rPr b="0" lang="en-US" sz="2400" spc="-1" strike="noStrike">
+              <a:rPr b="0" lang="en-CA" sz="2400" spc="-1" strike="noStrike">
                 <a:solidFill>
                   <a:srgbClr val="000000"/>
                 </a:solidFill>
@@ -6744,15 +6020,12 @@
               </a:rPr>
               <a:t>cout &lt;&lt; !var &lt;&lt; endl;                          // 0</a:t>
             </a:r>
-            <a:endParaRPr b="0" lang="en-US" sz="2400" spc="-1" strike="noStrike">
-              <a:solidFill>
-                <a:srgbClr val="000000"/>
-              </a:solidFill>
-              <a:latin typeface="Calibri"/>
-            </a:endParaRPr>
-          </a:p>
-          <a:p>
-            <a:pPr lvl="1" marL="685800" indent="-228240">
+            <a:endParaRPr b="0" lang="en-CA" sz="2400" spc="-1" strike="noStrike">
+              <a:latin typeface="Arial"/>
+            </a:endParaRPr>
+          </a:p>
+          <a:p>
+            <a:pPr lvl="1" marL="685800" indent="-227880">
               <a:lnSpc>
                 <a:spcPct val="90000"/>
               </a:lnSpc>
@@ -6766,7 +6039,7 @@
               <a:buChar char="o"/>
             </a:pPr>
             <a:r>
-              <a:rPr b="0" lang="en-US" sz="2400" spc="-1" strike="noStrike">
+              <a:rPr b="0" lang="en-CA" sz="2400" spc="-1" strike="noStrike">
                 <a:solidFill>
                   <a:srgbClr val="000000"/>
                 </a:solidFill>
@@ -6774,15 +6047,12 @@
               </a:rPr>
               <a:t>cout &lt;&lt; !!var &lt;&lt; endl;                         // 1</a:t>
             </a:r>
-            <a:endParaRPr b="0" lang="en-US" sz="2400" spc="-1" strike="noStrike">
-              <a:solidFill>
-                <a:srgbClr val="000000"/>
-              </a:solidFill>
-              <a:latin typeface="Calibri"/>
-            </a:endParaRPr>
-          </a:p>
-          <a:p>
-            <a:pPr lvl="1" marL="685800" indent="-228240">
+            <a:endParaRPr b="0" lang="en-CA" sz="2400" spc="-1" strike="noStrike">
+              <a:latin typeface="Arial"/>
+            </a:endParaRPr>
+          </a:p>
+          <a:p>
+            <a:pPr lvl="1" marL="685800" indent="-227880">
               <a:lnSpc>
                 <a:spcPct val="90000"/>
               </a:lnSpc>
@@ -6796,7 +6066,7 @@
               <a:buChar char="o"/>
             </a:pPr>
             <a:r>
-              <a:rPr b="0" lang="en-US" sz="2400" spc="-1" strike="noStrike">
+              <a:rPr b="0" lang="en-CA" sz="2400" spc="-1" strike="noStrike">
                 <a:solidFill>
                   <a:srgbClr val="000000"/>
                 </a:solidFill>
@@ -6804,11 +6074,8 @@
               </a:rPr>
               <a:t>int x = 4; cout &lt;&lt; !!4 &lt;&lt; endl ;               // 1</a:t>
             </a:r>
-            <a:endParaRPr b="0" lang="en-US" sz="2400" spc="-1" strike="noStrike">
-              <a:solidFill>
-                <a:srgbClr val="000000"/>
-              </a:solidFill>
-              <a:latin typeface="Calibri"/>
+            <a:endParaRPr b="0" lang="en-CA" sz="2400" spc="-1" strike="noStrike">
+              <a:latin typeface="Arial"/>
             </a:endParaRPr>
           </a:p>
         </p:txBody>
@@ -6845,14 +6112,14 @@
       </p:grpSpPr>
       <p:sp>
         <p:nvSpPr>
-          <p:cNvPr id="88" name="TextShape 1"/>
-          <p:cNvSpPr txBox="1"/>
+          <p:cNvPr id="82" name="CustomShape 1"/>
+          <p:cNvSpPr/>
           <p:nvPr/>
         </p:nvSpPr>
         <p:spPr>
           <a:xfrm>
             <a:off x="838080" y="365040"/>
-            <a:ext cx="10515240" cy="1325160"/>
+            <a:ext cx="10514880" cy="1324800"/>
           </a:xfrm>
           <a:prstGeom prst="rect">
             <a:avLst/>
@@ -6862,8 +6129,14 @@
             <a:noFill/>
           </a:ln>
         </p:spPr>
-        <p:txBody>
-          <a:bodyPr anchor="ctr">
+        <p:style>
+          <a:lnRef idx="0"/>
+          <a:fillRef idx="0"/>
+          <a:effectRef idx="0"/>
+          <a:fontRef idx="minor"/>
+        </p:style>
+        <p:txBody>
+          <a:bodyPr lIns="90000" rIns="90000" tIns="45000" bIns="45000" anchor="ctr">
             <a:noAutofit/>
           </a:bodyPr>
           <a:p>
@@ -6873,7 +6146,7 @@
               </a:lnSpc>
             </a:pPr>
             <a:r>
-              <a:rPr b="0" lang="en-US" sz="4400" spc="-1" strike="noStrike">
+              <a:rPr b="0" lang="en-CA" sz="4400" spc="-1" strike="noStrike">
                 <a:solidFill>
                   <a:srgbClr val="000000"/>
                 </a:solidFill>
@@ -6881,25 +6154,22 @@
               </a:rPr>
               <a:t>Compound types</a:t>
             </a:r>
-            <a:endParaRPr b="0" lang="en-US" sz="4400" spc="-1" strike="noStrike">
-              <a:solidFill>
-                <a:srgbClr val="000000"/>
-              </a:solidFill>
-              <a:latin typeface="Calibri"/>
-            </a:endParaRPr>
-          </a:p>
-        </p:txBody>
-      </p:sp>
-      <p:sp>
-        <p:nvSpPr>
-          <p:cNvPr id="89" name="TextShape 2"/>
-          <p:cNvSpPr txBox="1"/>
+            <a:endParaRPr b="0" lang="en-CA" sz="4400" spc="-1" strike="noStrike">
+              <a:latin typeface="Arial"/>
+            </a:endParaRPr>
+          </a:p>
+        </p:txBody>
+      </p:sp>
+      <p:sp>
+        <p:nvSpPr>
+          <p:cNvPr id="83" name="CustomShape 2"/>
+          <p:cNvSpPr/>
           <p:nvPr/>
         </p:nvSpPr>
         <p:spPr>
           <a:xfrm>
             <a:off x="838080" y="1825560"/>
-            <a:ext cx="10515240" cy="4350960"/>
+            <a:ext cx="10514880" cy="4350600"/>
           </a:xfrm>
           <a:prstGeom prst="rect">
             <a:avLst/>
@@ -6909,12 +6179,18 @@
             <a:noFill/>
           </a:ln>
         </p:spPr>
-        <p:txBody>
-          <a:bodyPr>
+        <p:style>
+          <a:lnRef idx="0"/>
+          <a:fillRef idx="0"/>
+          <a:effectRef idx="0"/>
+          <a:fontRef idx="minor"/>
+        </p:style>
+        <p:txBody>
+          <a:bodyPr lIns="90000" rIns="90000" tIns="45000" bIns="45000">
             <a:normAutofit/>
           </a:bodyPr>
           <a:p>
-            <a:pPr marL="228600" indent="-228240">
+            <a:pPr marL="228600" indent="-227880">
               <a:lnSpc>
                 <a:spcPct val="90000"/>
               </a:lnSpc>
@@ -6928,7 +6204,7 @@
               <a:buChar char="•"/>
             </a:pPr>
             <a:r>
-              <a:rPr b="0" lang="en-US" sz="2800" spc="-1" strike="noStrike">
+              <a:rPr b="0" lang="en-CA" sz="2800" spc="-1" strike="noStrike">
                 <a:solidFill>
                   <a:srgbClr val="000000"/>
                 </a:solidFill>
@@ -6936,18 +6212,15 @@
               </a:rPr>
               <a:t>Struct and Class --&gt; VERY similar in C++</a:t>
             </a:r>
-            <a:endParaRPr b="0" lang="en-US" sz="2800" spc="-1" strike="noStrike">
-              <a:solidFill>
-                <a:srgbClr val="000000"/>
-              </a:solidFill>
-              <a:latin typeface="Calibri"/>
+            <a:endParaRPr b="0" lang="en-CA" sz="2800" spc="-1" strike="noStrike">
+              <a:latin typeface="Arial"/>
             </a:endParaRPr>
           </a:p>
         </p:txBody>
       </p:sp>
       <p:pic>
         <p:nvPicPr>
-          <p:cNvPr id="90" name="Picture 3" descr=""/>
+          <p:cNvPr id="84" name="Picture 3" descr=""/>
           <p:cNvPicPr/>
           <p:nvPr/>
         </p:nvPicPr>
@@ -6958,7 +6231,7 @@
         <p:spPr>
           <a:xfrm>
             <a:off x="1004040" y="2643480"/>
-            <a:ext cx="4719600" cy="3485160"/>
+            <a:ext cx="4719240" cy="3484800"/>
           </a:xfrm>
           <a:prstGeom prst="rect">
             <a:avLst/>
@@ -6970,14 +6243,14 @@
       </p:pic>
       <p:sp>
         <p:nvSpPr>
-          <p:cNvPr id="91" name="CustomShape 3"/>
+          <p:cNvPr id="85" name="CustomShape 3"/>
           <p:cNvSpPr/>
           <p:nvPr/>
         </p:nvSpPr>
         <p:spPr>
           <a:xfrm>
             <a:off x="1467000" y="3703320"/>
-            <a:ext cx="1579320" cy="374400"/>
+            <a:ext cx="1578960" cy="374040"/>
           </a:xfrm>
           <a:prstGeom prst="ellipse">
             <a:avLst/>
@@ -6987,6 +6260,7 @@
             <a:solidFill>
               <a:srgbClr val="ff0000"/>
             </a:solidFill>
+            <a:round/>
           </a:ln>
         </p:spPr>
         <p:style>
@@ -7006,14 +6280,14 @@
       </p:sp>
       <p:sp>
         <p:nvSpPr>
-          <p:cNvPr id="92" name="CustomShape 4"/>
+          <p:cNvPr id="86" name="CustomShape 4"/>
           <p:cNvSpPr/>
           <p:nvPr/>
         </p:nvSpPr>
         <p:spPr>
           <a:xfrm>
             <a:off x="2469960" y="4906080"/>
-            <a:ext cx="3157920" cy="1018440"/>
+            <a:ext cx="3157560" cy="1018080"/>
           </a:xfrm>
           <a:prstGeom prst="ellipse">
             <a:avLst/>
@@ -7023,6 +6297,7 @@
             <a:solidFill>
               <a:srgbClr val="ff0000"/>
             </a:solidFill>
+            <a:round/>
           </a:ln>
         </p:spPr>
         <p:style>
@@ -7042,7 +6317,7 @@
       </p:sp>
       <p:pic>
         <p:nvPicPr>
-          <p:cNvPr id="93" name="Picture 6" descr=""/>
+          <p:cNvPr id="87" name="Picture 6" descr=""/>
           <p:cNvPicPr/>
           <p:nvPr/>
         </p:nvPicPr>
@@ -7053,7 +6328,7 @@
         <p:spPr>
           <a:xfrm>
             <a:off x="6680520" y="2513160"/>
-            <a:ext cx="4672800" cy="3065040"/>
+            <a:ext cx="4672440" cy="3064680"/>
           </a:xfrm>
           <a:prstGeom prst="rect">
             <a:avLst/>
@@ -7065,14 +6340,14 @@
       </p:pic>
       <p:sp>
         <p:nvSpPr>
-          <p:cNvPr id="94" name="CustomShape 5"/>
+          <p:cNvPr id="88" name="CustomShape 5"/>
           <p:cNvSpPr/>
           <p:nvPr/>
         </p:nvSpPr>
         <p:spPr>
           <a:xfrm>
             <a:off x="6858000" y="5778360"/>
-            <a:ext cx="3374280" cy="366120"/>
+            <a:ext cx="3373920" cy="364680"/>
           </a:xfrm>
           <a:prstGeom prst="rect">
             <a:avLst/>
@@ -7089,7 +6364,7 @@
           <a:fontRef idx="minor"/>
         </p:style>
         <p:txBody>
-          <a:bodyPr>
+          <a:bodyPr lIns="90000" rIns="90000" tIns="45000" bIns="45000">
             <a:spAutoFit/>
           </a:bodyPr>
           <a:p>
@@ -7104,6 +6379,7 @@
                   <a:srgbClr val="000000"/>
                 </a:solidFill>
                 <a:latin typeface="Calibri"/>
+                <a:ea typeface="DejaVu Sans"/>
               </a:rPr>
               <a:t>Inheritance ^</a:t>
             </a:r>
@@ -7157,7 +6433,7 @@
                                           </p:stCondLst>
                                         </p:cTn>
                                         <p:tgtEl>
-                                          <p:spTgt spid="93"/>
+                                          <p:spTgt spid="87"/>
                                         </p:tgtEl>
                                         <p:attrNameLst>
                                           <p:attrName>style.visibility</p:attrName>
@@ -7184,7 +6460,7 @@
                                           </p:stCondLst>
                                         </p:cTn>
                                         <p:tgtEl>
-                                          <p:spTgt spid="94"/>
+                                          <p:spTgt spid="88"/>
                                         </p:tgtEl>
                                         <p:attrNameLst>
                                           <p:attrName>style.visibility</p:attrName>
@@ -7247,14 +6523,14 @@
       </p:grpSpPr>
       <p:sp>
         <p:nvSpPr>
-          <p:cNvPr id="95" name="TextShape 1"/>
-          <p:cNvSpPr txBox="1"/>
+          <p:cNvPr id="89" name="CustomShape 1"/>
+          <p:cNvSpPr/>
           <p:nvPr/>
         </p:nvSpPr>
         <p:spPr>
           <a:xfrm>
             <a:off x="838080" y="365040"/>
-            <a:ext cx="10515240" cy="1325160"/>
+            <a:ext cx="10514880" cy="1324800"/>
           </a:xfrm>
           <a:prstGeom prst="rect">
             <a:avLst/>
@@ -7264,8 +6540,14 @@
             <a:noFill/>
           </a:ln>
         </p:spPr>
-        <p:txBody>
-          <a:bodyPr anchor="ctr">
+        <p:style>
+          <a:lnRef idx="0"/>
+          <a:fillRef idx="0"/>
+          <a:effectRef idx="0"/>
+          <a:fontRef idx="minor"/>
+        </p:style>
+        <p:txBody>
+          <a:bodyPr lIns="90000" rIns="90000" tIns="45000" bIns="45000" anchor="ctr">
             <a:noAutofit/>
           </a:bodyPr>
           <a:p>
@@ -7275,7 +6557,7 @@
               </a:lnSpc>
             </a:pPr>
             <a:r>
-              <a:rPr b="0" lang="en-US" sz="4400" spc="-1" strike="noStrike">
+              <a:rPr b="0" lang="en-CA" sz="4400" spc="-1" strike="noStrike">
                 <a:solidFill>
                   <a:srgbClr val="000000"/>
                 </a:solidFill>
@@ -7283,18 +6565,15 @@
               </a:rPr>
               <a:t>Compound types</a:t>
             </a:r>
-            <a:endParaRPr b="0" lang="en-US" sz="4400" spc="-1" strike="noStrike">
-              <a:solidFill>
-                <a:srgbClr val="000000"/>
-              </a:solidFill>
-              <a:latin typeface="Calibri"/>
+            <a:endParaRPr b="0" lang="en-CA" sz="4400" spc="-1" strike="noStrike">
+              <a:latin typeface="Arial"/>
             </a:endParaRPr>
           </a:p>
         </p:txBody>
       </p:sp>
       <p:pic>
         <p:nvPicPr>
-          <p:cNvPr id="96" name="Picture 3" descr=""/>
+          <p:cNvPr id="90" name="Picture 3" descr=""/>
           <p:cNvPicPr/>
           <p:nvPr/>
         </p:nvPicPr>
@@ -7305,7 +6584,7 @@
         <p:spPr>
           <a:xfrm>
             <a:off x="6643440" y="1416960"/>
-            <a:ext cx="4489200" cy="4728240"/>
+            <a:ext cx="4488840" cy="4727880"/>
           </a:xfrm>
           <a:prstGeom prst="rect">
             <a:avLst/>
@@ -7317,7 +6596,7 @@
       </p:pic>
       <p:pic>
         <p:nvPicPr>
-          <p:cNvPr id="97" name="Picture 4" descr=""/>
+          <p:cNvPr id="91" name="Picture 4" descr=""/>
           <p:cNvPicPr/>
           <p:nvPr/>
         </p:nvPicPr>
@@ -7328,7 +6607,7 @@
         <p:spPr>
           <a:xfrm>
             <a:off x="1041840" y="1581120"/>
-            <a:ext cx="4822200" cy="4640760"/>
+            <a:ext cx="4821840" cy="4640400"/>
           </a:xfrm>
           <a:prstGeom prst="rect">
             <a:avLst/>
@@ -7340,14 +6619,14 @@
       </p:pic>
       <p:sp>
         <p:nvSpPr>
-          <p:cNvPr id="98" name="CustomShape 2"/>
+          <p:cNvPr id="92" name="CustomShape 2"/>
           <p:cNvSpPr/>
           <p:nvPr/>
         </p:nvSpPr>
         <p:spPr>
           <a:xfrm>
             <a:off x="2275920" y="3778920"/>
-            <a:ext cx="817560" cy="374400"/>
+            <a:ext cx="817200" cy="374040"/>
           </a:xfrm>
           <a:prstGeom prst="ellipse">
             <a:avLst/>
@@ -7357,6 +6636,7 @@
             <a:solidFill>
               <a:srgbClr val="ff0000"/>
             </a:solidFill>
+            <a:round/>
           </a:ln>
         </p:spPr>
         <p:style>
@@ -7376,14 +6656,14 @@
       </p:sp>
       <p:sp>
         <p:nvSpPr>
-          <p:cNvPr id="99" name="CustomShape 3"/>
+          <p:cNvPr id="93" name="CustomShape 3"/>
           <p:cNvSpPr/>
           <p:nvPr/>
         </p:nvSpPr>
         <p:spPr>
           <a:xfrm>
             <a:off x="7976880" y="3713040"/>
-            <a:ext cx="1579320" cy="374400"/>
+            <a:ext cx="1578960" cy="374040"/>
           </a:xfrm>
           <a:prstGeom prst="ellipse">
             <a:avLst/>
@@ -7393,6 +6673,7 @@
             <a:solidFill>
               <a:srgbClr val="ff0000"/>
             </a:solidFill>
+            <a:round/>
           </a:ln>
         </p:spPr>
         <p:style>
@@ -7412,14 +6693,14 @@
       </p:sp>
       <p:sp>
         <p:nvSpPr>
-          <p:cNvPr id="100" name="CustomShape 4"/>
+          <p:cNvPr id="94" name="CustomShape 4"/>
           <p:cNvSpPr/>
           <p:nvPr/>
         </p:nvSpPr>
         <p:spPr>
           <a:xfrm>
             <a:off x="3122640" y="1662120"/>
-            <a:ext cx="817560" cy="374400"/>
+            <a:ext cx="817200" cy="374040"/>
           </a:xfrm>
           <a:prstGeom prst="ellipse">
             <a:avLst/>
@@ -7429,6 +6710,7 @@
             <a:solidFill>
               <a:srgbClr val="ff0000"/>
             </a:solidFill>
+            <a:round/>
           </a:ln>
         </p:spPr>
         <p:style>
@@ -7448,14 +6730,14 @@
       </p:sp>
       <p:sp>
         <p:nvSpPr>
-          <p:cNvPr id="101" name="CustomShape 5"/>
+          <p:cNvPr id="95" name="CustomShape 5"/>
           <p:cNvSpPr/>
           <p:nvPr/>
         </p:nvSpPr>
         <p:spPr>
           <a:xfrm>
             <a:off x="8889480" y="1577520"/>
-            <a:ext cx="817560" cy="374400"/>
+            <a:ext cx="817200" cy="374040"/>
           </a:xfrm>
           <a:prstGeom prst="ellipse">
             <a:avLst/>
@@ -7465,6 +6747,7 @@
             <a:solidFill>
               <a:srgbClr val="ff0000"/>
             </a:solidFill>
+            <a:round/>
           </a:ln>
         </p:spPr>
         <p:style>
@@ -7514,14 +6797,14 @@
       </p:grpSpPr>
       <p:sp>
         <p:nvSpPr>
-          <p:cNvPr id="102" name="TextShape 1"/>
-          <p:cNvSpPr txBox="1"/>
+          <p:cNvPr id="96" name="CustomShape 1"/>
+          <p:cNvSpPr/>
           <p:nvPr/>
         </p:nvSpPr>
         <p:spPr>
           <a:xfrm>
             <a:off x="838080" y="365040"/>
-            <a:ext cx="10515240" cy="1325160"/>
+            <a:ext cx="10514880" cy="1324800"/>
           </a:xfrm>
           <a:prstGeom prst="rect">
             <a:avLst/>
@@ -7531,8 +6814,14 @@
             <a:noFill/>
           </a:ln>
         </p:spPr>
-        <p:txBody>
-          <a:bodyPr anchor="ctr">
+        <p:style>
+          <a:lnRef idx="0"/>
+          <a:fillRef idx="0"/>
+          <a:effectRef idx="0"/>
+          <a:fontRef idx="minor"/>
+        </p:style>
+        <p:txBody>
+          <a:bodyPr lIns="90000" rIns="90000" tIns="45000" bIns="45000" anchor="ctr">
             <a:noAutofit/>
           </a:bodyPr>
           <a:p>
@@ -7542,7 +6831,7 @@
               </a:lnSpc>
             </a:pPr>
             <a:r>
-              <a:rPr b="0" lang="en-US" sz="4400" spc="-1" strike="noStrike">
+              <a:rPr b="0" lang="en-CA" sz="4400" spc="-1" strike="noStrike">
                 <a:solidFill>
                   <a:srgbClr val="000000"/>
                 </a:solidFill>
@@ -7551,7 +6840,7 @@
               <a:t>auto </a:t>
             </a:r>
             <a:r>
-              <a:rPr b="0" lang="en-US" sz="4400" spc="-1" strike="noStrike">
+              <a:rPr b="0" lang="en-CA" sz="4400" spc="-1" strike="noStrike">
                 <a:solidFill>
                   <a:srgbClr val="000000"/>
                 </a:solidFill>
@@ -7559,25 +6848,22 @@
               </a:rPr>
               <a:t>keyword</a:t>
             </a:r>
-            <a:endParaRPr b="0" lang="en-US" sz="4400" spc="-1" strike="noStrike">
-              <a:solidFill>
-                <a:srgbClr val="000000"/>
-              </a:solidFill>
-              <a:latin typeface="Calibri"/>
-            </a:endParaRPr>
-          </a:p>
-        </p:txBody>
-      </p:sp>
-      <p:sp>
-        <p:nvSpPr>
-          <p:cNvPr id="103" name="TextShape 2"/>
-          <p:cNvSpPr txBox="1"/>
+            <a:endParaRPr b="0" lang="en-CA" sz="4400" spc="-1" strike="noStrike">
+              <a:latin typeface="Arial"/>
+            </a:endParaRPr>
+          </a:p>
+        </p:txBody>
+      </p:sp>
+      <p:sp>
+        <p:nvSpPr>
+          <p:cNvPr id="97" name="CustomShape 2"/>
+          <p:cNvSpPr/>
           <p:nvPr/>
         </p:nvSpPr>
         <p:spPr>
           <a:xfrm>
             <a:off x="838080" y="1825560"/>
-            <a:ext cx="10515240" cy="4350960"/>
+            <a:ext cx="10514880" cy="4350600"/>
           </a:xfrm>
           <a:prstGeom prst="rect">
             <a:avLst/>
@@ -7587,12 +6873,18 @@
             <a:noFill/>
           </a:ln>
         </p:spPr>
-        <p:txBody>
-          <a:bodyPr>
+        <p:style>
+          <a:lnRef idx="0"/>
+          <a:fillRef idx="0"/>
+          <a:effectRef idx="0"/>
+          <a:fontRef idx="minor"/>
+        </p:style>
+        <p:txBody>
+          <a:bodyPr lIns="90000" rIns="90000" tIns="45000" bIns="45000">
             <a:normAutofit/>
           </a:bodyPr>
           <a:p>
-            <a:pPr marL="228600" indent="-228240">
+            <a:pPr marL="228600" indent="-227880">
               <a:lnSpc>
                 <a:spcPct val="90000"/>
               </a:lnSpc>
@@ -7606,7 +6898,7 @@
               <a:buChar char="•"/>
             </a:pPr>
             <a:r>
-              <a:rPr b="0" lang="en-US" sz="2000" spc="-1" strike="noStrike">
+              <a:rPr b="0" lang="en-CA" sz="2000" spc="-1" strike="noStrike">
                 <a:solidFill>
                   <a:srgbClr val="1c1e21"/>
                 </a:solidFill>
@@ -7614,11 +6906,8 @@
               </a:rPr>
               <a:t>Deduces the object's type directly from its initializer's type</a:t>
             </a:r>
-            <a:endParaRPr b="0" lang="en-US" sz="2000" spc="-1" strike="noStrike">
-              <a:solidFill>
-                <a:srgbClr val="000000"/>
-              </a:solidFill>
-              <a:latin typeface="Calibri"/>
+            <a:endParaRPr b="0" lang="en-CA" sz="2000" spc="-1" strike="noStrike">
+              <a:latin typeface="Arial"/>
             </a:endParaRPr>
           </a:p>
           <a:p>
@@ -7630,11 +6919,8 @@
                 <a:spcPts val="1001"/>
               </a:spcBef>
             </a:pPr>
-            <a:endParaRPr b="0" lang="en-US" sz="2000" spc="-1" strike="noStrike">
-              <a:solidFill>
-                <a:srgbClr val="000000"/>
-              </a:solidFill>
-              <a:latin typeface="Calibri"/>
+            <a:endParaRPr b="0" lang="en-CA" sz="2000" spc="-1" strike="noStrike">
+              <a:latin typeface="Arial"/>
             </a:endParaRPr>
           </a:p>
           <a:p>
@@ -7646,11 +6932,8 @@
                 <a:spcPts val="1001"/>
               </a:spcBef>
             </a:pPr>
-            <a:endParaRPr b="0" lang="en-US" sz="2000" spc="-1" strike="noStrike">
-              <a:solidFill>
-                <a:srgbClr val="000000"/>
-              </a:solidFill>
-              <a:latin typeface="Calibri"/>
+            <a:endParaRPr b="0" lang="en-CA" sz="2000" spc="-1" strike="noStrike">
+              <a:latin typeface="Arial"/>
             </a:endParaRPr>
           </a:p>
           <a:p>
@@ -7662,11 +6945,8 @@
                 <a:spcPts val="1001"/>
               </a:spcBef>
             </a:pPr>
-            <a:endParaRPr b="0" lang="en-US" sz="2000" spc="-1" strike="noStrike">
-              <a:solidFill>
-                <a:srgbClr val="000000"/>
-              </a:solidFill>
-              <a:latin typeface="Calibri"/>
+            <a:endParaRPr b="0" lang="en-CA" sz="2000" spc="-1" strike="noStrike">
+              <a:latin typeface="Arial"/>
             </a:endParaRPr>
           </a:p>
           <a:p>
@@ -7678,11 +6958,8 @@
                 <a:spcPts val="1001"/>
               </a:spcBef>
             </a:pPr>
-            <a:endParaRPr b="0" lang="en-US" sz="2000" spc="-1" strike="noStrike">
-              <a:solidFill>
-                <a:srgbClr val="000000"/>
-              </a:solidFill>
-              <a:latin typeface="Calibri"/>
+            <a:endParaRPr b="0" lang="en-CA" sz="2000" spc="-1" strike="noStrike">
+              <a:latin typeface="Arial"/>
             </a:endParaRPr>
           </a:p>
           <a:p>
@@ -7694,15 +6971,12 @@
                 <a:spcPts val="1001"/>
               </a:spcBef>
             </a:pPr>
-            <a:endParaRPr b="0" lang="en-US" sz="2000" spc="-1" strike="noStrike">
-              <a:solidFill>
-                <a:srgbClr val="000000"/>
-              </a:solidFill>
-              <a:latin typeface="Calibri"/>
-            </a:endParaRPr>
-          </a:p>
-          <a:p>
-            <a:pPr marL="228600" indent="-228240">
+            <a:endParaRPr b="0" lang="en-CA" sz="2000" spc="-1" strike="noStrike">
+              <a:latin typeface="Arial"/>
+            </a:endParaRPr>
+          </a:p>
+          <a:p>
+            <a:pPr marL="228600" indent="-227880">
               <a:lnSpc>
                 <a:spcPct val="90000"/>
               </a:lnSpc>
@@ -7716,7 +6990,7 @@
               <a:buChar char="•"/>
             </a:pPr>
             <a:r>
-              <a:rPr b="0" lang="en-US" sz="2000" spc="-1" strike="noStrike">
+              <a:rPr b="0" lang="en-CA" sz="2000" spc="-1" strike="noStrike">
                 <a:solidFill>
                   <a:srgbClr val="1c1e21"/>
                 </a:solidFill>
@@ -7724,18 +6998,15 @@
               </a:rPr>
               <a:t>Range based for loop demo</a:t>
             </a:r>
-            <a:endParaRPr b="0" lang="en-US" sz="2000" spc="-1" strike="noStrike">
-              <a:solidFill>
-                <a:srgbClr val="000000"/>
-              </a:solidFill>
-              <a:latin typeface="Calibri"/>
+            <a:endParaRPr b="0" lang="en-CA" sz="2000" spc="-1" strike="noStrike">
+              <a:latin typeface="Arial"/>
             </a:endParaRPr>
           </a:p>
         </p:txBody>
       </p:sp>
       <p:pic>
         <p:nvPicPr>
-          <p:cNvPr id="104" name="Picture 3" descr=""/>
+          <p:cNvPr id="98" name="Picture 3" descr=""/>
           <p:cNvPicPr/>
           <p:nvPr/>
         </p:nvPicPr>
@@ -7746,7 +7017,7 @@
         <p:spPr>
           <a:xfrm>
             <a:off x="2176920" y="2499840"/>
-            <a:ext cx="7119000" cy="1176840"/>
+            <a:ext cx="7118640" cy="1176480"/>
           </a:xfrm>
           <a:prstGeom prst="rect">
             <a:avLst/>
@@ -7788,14 +7059,14 @@
       </p:grpSpPr>
       <p:sp>
         <p:nvSpPr>
-          <p:cNvPr id="105" name="TextShape 1"/>
-          <p:cNvSpPr txBox="1"/>
+          <p:cNvPr id="99" name="CustomShape 1"/>
+          <p:cNvSpPr/>
           <p:nvPr/>
         </p:nvSpPr>
         <p:spPr>
           <a:xfrm>
             <a:off x="838080" y="365040"/>
-            <a:ext cx="10515240" cy="1325160"/>
+            <a:ext cx="10514880" cy="1324800"/>
           </a:xfrm>
           <a:prstGeom prst="rect">
             <a:avLst/>
@@ -7805,8 +7076,14 @@
             <a:noFill/>
           </a:ln>
         </p:spPr>
-        <p:txBody>
-          <a:bodyPr anchor="ctr">
+        <p:style>
+          <a:lnRef idx="0"/>
+          <a:fillRef idx="0"/>
+          <a:effectRef idx="0"/>
+          <a:fontRef idx="minor"/>
+        </p:style>
+        <p:txBody>
+          <a:bodyPr lIns="90000" rIns="90000" tIns="45000" bIns="45000" anchor="ctr">
             <a:noAutofit/>
           </a:bodyPr>
           <a:p>
@@ -7816,7 +7093,7 @@
               </a:lnSpc>
             </a:pPr>
             <a:r>
-              <a:rPr b="0" lang="en-US" sz="4400" spc="-1" strike="noStrike">
+              <a:rPr b="0" lang="en-CA" sz="4400" spc="-1" strike="noStrike">
                 <a:solidFill>
                   <a:srgbClr val="000000"/>
                 </a:solidFill>
@@ -7824,25 +7101,22 @@
               </a:rPr>
               <a:t>Shadowing</a:t>
             </a:r>
-            <a:endParaRPr b="0" lang="en-US" sz="4400" spc="-1" strike="noStrike">
-              <a:solidFill>
-                <a:srgbClr val="000000"/>
-              </a:solidFill>
-              <a:latin typeface="Calibri"/>
-            </a:endParaRPr>
-          </a:p>
-        </p:txBody>
-      </p:sp>
-      <p:sp>
-        <p:nvSpPr>
-          <p:cNvPr id="106" name="TextShape 2"/>
-          <p:cNvSpPr txBox="1"/>
+            <a:endParaRPr b="0" lang="en-CA" sz="4400" spc="-1" strike="noStrike">
+              <a:latin typeface="Arial"/>
+            </a:endParaRPr>
+          </a:p>
+        </p:txBody>
+      </p:sp>
+      <p:sp>
+        <p:nvSpPr>
+          <p:cNvPr id="100" name="CustomShape 2"/>
+          <p:cNvSpPr/>
           <p:nvPr/>
         </p:nvSpPr>
         <p:spPr>
           <a:xfrm>
             <a:off x="838080" y="1825560"/>
-            <a:ext cx="10515240" cy="4350960"/>
+            <a:ext cx="10514880" cy="4350600"/>
           </a:xfrm>
           <a:prstGeom prst="rect">
             <a:avLst/>
@@ -7852,12 +7126,18 @@
             <a:noFill/>
           </a:ln>
         </p:spPr>
-        <p:txBody>
-          <a:bodyPr>
+        <p:style>
+          <a:lnRef idx="0"/>
+          <a:fillRef idx="0"/>
+          <a:effectRef idx="0"/>
+          <a:fontRef idx="minor"/>
+        </p:style>
+        <p:txBody>
+          <a:bodyPr lIns="90000" rIns="90000" tIns="45000" bIns="45000">
             <a:normAutofit/>
           </a:bodyPr>
           <a:p>
-            <a:pPr marL="228600" indent="-228240">
+            <a:pPr marL="228600" indent="-227880">
               <a:lnSpc>
                 <a:spcPct val="90000"/>
               </a:lnSpc>
@@ -7871,7 +7151,7 @@
               <a:buChar char="•"/>
             </a:pPr>
             <a:r>
-              <a:rPr b="0" lang="en-US" sz="2800" spc="-1" strike="noStrike">
+              <a:rPr b="0" lang="en-CA" sz="2800" spc="-1" strike="noStrike">
                 <a:solidFill>
                   <a:srgbClr val="000000"/>
                 </a:solidFill>
@@ -7879,18 +7159,15 @@
               </a:rPr>
               <a:t>Guess the output</a:t>
             </a:r>
-            <a:endParaRPr b="0" lang="en-US" sz="2800" spc="-1" strike="noStrike">
-              <a:solidFill>
-                <a:srgbClr val="000000"/>
-              </a:solidFill>
-              <a:latin typeface="Calibri"/>
+            <a:endParaRPr b="0" lang="en-CA" sz="2800" spc="-1" strike="noStrike">
+              <a:latin typeface="Arial"/>
             </a:endParaRPr>
           </a:p>
         </p:txBody>
       </p:sp>
       <p:pic>
         <p:nvPicPr>
-          <p:cNvPr id="107" name="Picture 3" descr=""/>
+          <p:cNvPr id="101" name="Picture 3" descr=""/>
           <p:cNvPicPr/>
           <p:nvPr/>
         </p:nvPicPr>
@@ -7901,7 +7178,7 @@
         <p:spPr>
           <a:xfrm>
             <a:off x="4700880" y="681840"/>
-            <a:ext cx="6197040" cy="5683320"/>
+            <a:ext cx="6196680" cy="5682960"/>
           </a:xfrm>
           <a:prstGeom prst="rect">
             <a:avLst/>
@@ -7943,14 +7220,14 @@
       </p:grpSpPr>
       <p:sp>
         <p:nvSpPr>
-          <p:cNvPr id="108" name="TextShape 1"/>
-          <p:cNvSpPr txBox="1"/>
+          <p:cNvPr id="102" name="CustomShape 1"/>
+          <p:cNvSpPr/>
           <p:nvPr/>
         </p:nvSpPr>
         <p:spPr>
           <a:xfrm>
             <a:off x="838080" y="365040"/>
-            <a:ext cx="10515240" cy="1325160"/>
+            <a:ext cx="10514880" cy="1324800"/>
           </a:xfrm>
           <a:prstGeom prst="rect">
             <a:avLst/>
@@ -7960,8 +7237,14 @@
             <a:noFill/>
           </a:ln>
         </p:spPr>
-        <p:txBody>
-          <a:bodyPr anchor="ctr">
+        <p:style>
+          <a:lnRef idx="0"/>
+          <a:fillRef idx="0"/>
+          <a:effectRef idx="0"/>
+          <a:fontRef idx="minor"/>
+        </p:style>
+        <p:txBody>
+          <a:bodyPr lIns="90000" rIns="90000" tIns="45000" bIns="45000" anchor="ctr">
             <a:noAutofit/>
           </a:bodyPr>
           <a:p>
@@ -7971,7 +7254,7 @@
               </a:lnSpc>
             </a:pPr>
             <a:r>
-              <a:rPr b="0" lang="en-US" sz="4400" spc="-1" strike="noStrike">
+              <a:rPr b="0" lang="en-CA" sz="4400" spc="-1" strike="noStrike">
                 <a:solidFill>
                   <a:srgbClr val="000000"/>
                 </a:solidFill>
@@ -7979,25 +7262,22 @@
               </a:rPr>
               <a:t>Scope resolution</a:t>
             </a:r>
-            <a:endParaRPr b="0" lang="en-US" sz="4400" spc="-1" strike="noStrike">
-              <a:solidFill>
-                <a:srgbClr val="000000"/>
-              </a:solidFill>
-              <a:latin typeface="Calibri"/>
-            </a:endParaRPr>
-          </a:p>
-        </p:txBody>
-      </p:sp>
-      <p:sp>
-        <p:nvSpPr>
-          <p:cNvPr id="109" name="TextShape 2"/>
-          <p:cNvSpPr txBox="1"/>
+            <a:endParaRPr b="0" lang="en-CA" sz="4400" spc="-1" strike="noStrike">
+              <a:latin typeface="Arial"/>
+            </a:endParaRPr>
+          </a:p>
+        </p:txBody>
+      </p:sp>
+      <p:sp>
+        <p:nvSpPr>
+          <p:cNvPr id="103" name="CustomShape 2"/>
+          <p:cNvSpPr/>
           <p:nvPr/>
         </p:nvSpPr>
         <p:spPr>
           <a:xfrm>
             <a:off x="838080" y="1825560"/>
-            <a:ext cx="10515240" cy="4350960"/>
+            <a:ext cx="10514880" cy="4350600"/>
           </a:xfrm>
           <a:prstGeom prst="rect">
             <a:avLst/>
@@ -8007,12 +7287,18 @@
             <a:noFill/>
           </a:ln>
         </p:spPr>
-        <p:txBody>
-          <a:bodyPr>
+        <p:style>
+          <a:lnRef idx="0"/>
+          <a:fillRef idx="0"/>
+          <a:effectRef idx="0"/>
+          <a:fontRef idx="minor"/>
+        </p:style>
+        <p:txBody>
+          <a:bodyPr lIns="90000" rIns="90000" tIns="45000" bIns="45000">
             <a:normAutofit/>
           </a:bodyPr>
           <a:p>
-            <a:pPr marL="228600" indent="-228240">
+            <a:pPr marL="228600" indent="-227880">
               <a:lnSpc>
                 <a:spcPct val="90000"/>
               </a:lnSpc>
@@ -8026,7 +7312,7 @@
               <a:buChar char="•"/>
             </a:pPr>
             <a:r>
-              <a:rPr b="0" lang="en-US" sz="2800" spc="-1" strike="noStrike">
+              <a:rPr b="0" lang="en-CA" sz="2800" spc="-1" strike="noStrike">
                 <a:solidFill>
                   <a:srgbClr val="000000"/>
                 </a:solidFill>
@@ -8034,11 +7320,8 @@
               </a:rPr>
               <a:t>Guess the output</a:t>
             </a:r>
-            <a:endParaRPr b="0" lang="en-US" sz="2800" spc="-1" strike="noStrike">
-              <a:solidFill>
-                <a:srgbClr val="000000"/>
-              </a:solidFill>
-              <a:latin typeface="Calibri"/>
+            <a:endParaRPr b="0" lang="en-CA" sz="2800" spc="-1" strike="noStrike">
+              <a:latin typeface="Arial"/>
             </a:endParaRPr>
           </a:p>
           <a:p>
@@ -8051,7 +7334,7 @@
               </a:spcBef>
             </a:pPr>
             <a:r>
-              <a:rPr b="0" lang="en-US" sz="2400" spc="-1" strike="noStrike">
+              <a:rPr b="0" lang="en-CA" sz="2400" spc="-1" strike="noStrike">
                 <a:solidFill>
                   <a:srgbClr val="000000"/>
                 </a:solidFill>
@@ -8061,7 +7344,7 @@
               <a:t>     </a:t>
             </a:r>
             <a:r>
-              <a:rPr b="0" lang="en-US" sz="2400" spc="-1" strike="noStrike">
+              <a:rPr b="0" lang="en-CA" sz="2400" spc="-1" strike="noStrike">
                 <a:solidFill>
                   <a:srgbClr val="000000"/>
                 </a:solidFill>
@@ -8070,11 +7353,8 @@
               </a:rPr>
               <a:t>int i = 0;</a:t>
             </a:r>
-            <a:endParaRPr b="0" lang="en-US" sz="2400" spc="-1" strike="noStrike">
-              <a:solidFill>
-                <a:srgbClr val="000000"/>
-              </a:solidFill>
-              <a:latin typeface="Calibri"/>
+            <a:endParaRPr b="0" lang="en-CA" sz="2400" spc="-1" strike="noStrike">
+              <a:latin typeface="Arial"/>
             </a:endParaRPr>
           </a:p>
           <a:p>
@@ -8087,7 +7367,7 @@
               </a:spcBef>
             </a:pPr>
             <a:r>
-              <a:rPr b="0" lang="en-US" sz="2400" spc="-1" strike="noStrike">
+              <a:rPr b="0" lang="en-CA" sz="2400" spc="-1" strike="noStrike">
                 <a:solidFill>
                   <a:srgbClr val="000000"/>
                 </a:solidFill>
@@ -8097,7 +7377,7 @@
               <a:t>     </a:t>
             </a:r>
             <a:r>
-              <a:rPr b="0" lang="en-US" sz="2400" spc="-1" strike="noStrike">
+              <a:rPr b="0" lang="en-CA" sz="2400" spc="-1" strike="noStrike">
                 <a:solidFill>
                   <a:srgbClr val="000000"/>
                 </a:solidFill>
@@ -8106,11 +7386,8 @@
               </a:rPr>
               <a:t>for (i = 0; i &lt; 3; i++) {</a:t>
             </a:r>
-            <a:endParaRPr b="0" lang="en-US" sz="2400" spc="-1" strike="noStrike">
-              <a:solidFill>
-                <a:srgbClr val="000000"/>
-              </a:solidFill>
-              <a:latin typeface="Calibri"/>
+            <a:endParaRPr b="0" lang="en-CA" sz="2400" spc="-1" strike="noStrike">
+              <a:latin typeface="Arial"/>
             </a:endParaRPr>
           </a:p>
           <a:p>
@@ -8123,7 +7400,7 @@
               </a:spcBef>
             </a:pPr>
             <a:r>
-              <a:rPr b="0" lang="en-US" sz="2400" spc="-1" strike="noStrike">
+              <a:rPr b="0" lang="en-CA" sz="2400" spc="-1" strike="noStrike">
                 <a:solidFill>
                   <a:srgbClr val="000000"/>
                 </a:solidFill>
@@ -8133,7 +7410,7 @@
               <a:t>        </a:t>
             </a:r>
             <a:r>
-              <a:rPr b="0" lang="en-US" sz="2400" spc="-1" strike="noStrike">
+              <a:rPr b="0" lang="en-CA" sz="2400" spc="-1" strike="noStrike">
                 <a:solidFill>
                   <a:srgbClr val="000000"/>
                 </a:solidFill>
@@ -8142,11 +7419,8 @@
               </a:rPr>
               <a:t>int j = 2 * i;</a:t>
             </a:r>
-            <a:endParaRPr b="0" lang="en-US" sz="2400" spc="-1" strike="noStrike">
-              <a:solidFill>
-                <a:srgbClr val="000000"/>
-              </a:solidFill>
-              <a:latin typeface="Calibri"/>
+            <a:endParaRPr b="0" lang="en-CA" sz="2400" spc="-1" strike="noStrike">
+              <a:latin typeface="Arial"/>
             </a:endParaRPr>
           </a:p>
           <a:p>
@@ -8159,7 +7433,7 @@
               </a:spcBef>
             </a:pPr>
             <a:r>
-              <a:rPr b="0" lang="en-US" sz="2400" spc="-1" strike="noStrike">
+              <a:rPr b="0" lang="en-CA" sz="2400" spc="-1" strike="noStrike">
                 <a:solidFill>
                   <a:srgbClr val="000000"/>
                 </a:solidFill>
@@ -8169,7 +7443,7 @@
               <a:t>        </a:t>
             </a:r>
             <a:r>
-              <a:rPr b="0" lang="en-US" sz="2400" spc="-1" strike="noStrike">
+              <a:rPr b="0" lang="en-CA" sz="2400" spc="-1" strike="noStrike">
                 <a:solidFill>
                   <a:srgbClr val="000000"/>
                 </a:solidFill>
@@ -8178,11 +7452,8 @@
               </a:rPr>
               <a:t>cout &lt;&lt; "The value of j inside" &lt;&lt; j &lt;&lt; endl;</a:t>
             </a:r>
-            <a:endParaRPr b="0" lang="en-US" sz="2400" spc="-1" strike="noStrike">
-              <a:solidFill>
-                <a:srgbClr val="000000"/>
-              </a:solidFill>
-              <a:latin typeface="Calibri"/>
+            <a:endParaRPr b="0" lang="en-CA" sz="2400" spc="-1" strike="noStrike">
+              <a:latin typeface="Arial"/>
             </a:endParaRPr>
           </a:p>
           <a:p>
@@ -8195,7 +7466,7 @@
               </a:spcBef>
             </a:pPr>
             <a:r>
-              <a:rPr b="0" lang="en-US" sz="2400" spc="-1" strike="noStrike">
+              <a:rPr b="0" lang="en-CA" sz="2400" spc="-1" strike="noStrike">
                 <a:solidFill>
                   <a:srgbClr val="000000"/>
                 </a:solidFill>
@@ -8205,7 +7476,7 @@
               <a:t>     </a:t>
             </a:r>
             <a:r>
-              <a:rPr b="0" lang="en-US" sz="2400" spc="-1" strike="noStrike">
+              <a:rPr b="0" lang="en-CA" sz="2400" spc="-1" strike="noStrike">
                 <a:solidFill>
                   <a:srgbClr val="000000"/>
                 </a:solidFill>
@@ -8214,15 +7485,12 @@
               </a:rPr>
               <a:t>} </a:t>
             </a:r>
-            <a:endParaRPr b="0" lang="en-US" sz="2400" spc="-1" strike="noStrike">
-              <a:solidFill>
-                <a:srgbClr val="000000"/>
-              </a:solidFill>
-              <a:latin typeface="Calibri"/>
-            </a:endParaRPr>
-          </a:p>
-          <a:p>
-            <a:pPr marL="228600" indent="-228240">
+            <a:endParaRPr b="0" lang="en-CA" sz="2400" spc="-1" strike="noStrike">
+              <a:latin typeface="Arial"/>
+            </a:endParaRPr>
+          </a:p>
+          <a:p>
+            <a:pPr marL="228600" indent="-227880">
               <a:lnSpc>
                 <a:spcPct val="90000"/>
               </a:lnSpc>
@@ -8231,7 +7499,7 @@
               </a:spcBef>
             </a:pPr>
             <a:r>
-              <a:rPr b="0" lang="en-US" sz="2400" spc="-1" strike="noStrike">
+              <a:rPr b="0" lang="en-CA" sz="2400" spc="-1" strike="noStrike">
                 <a:solidFill>
                   <a:srgbClr val="000000"/>
                 </a:solidFill>
@@ -8241,7 +7509,7 @@
               <a:t>     </a:t>
             </a:r>
             <a:r>
-              <a:rPr b="0" lang="en-US" sz="2400" spc="-1" strike="noStrike">
+              <a:rPr b="0" lang="en-CA" sz="2400" spc="-1" strike="noStrike">
                 <a:solidFill>
                   <a:srgbClr val="000000"/>
                 </a:solidFill>
@@ -8250,15 +7518,12 @@
               </a:rPr>
               <a:t>cout &lt;&lt; "The value of i outside" &lt;&lt; i &lt;&lt; endl;</a:t>
             </a:r>
-            <a:endParaRPr b="0" lang="en-US" sz="2400" spc="-1" strike="noStrike">
-              <a:solidFill>
-                <a:srgbClr val="000000"/>
-              </a:solidFill>
-              <a:latin typeface="Calibri"/>
-            </a:endParaRPr>
-          </a:p>
-          <a:p>
-            <a:pPr marL="228600" indent="-228240">
+            <a:endParaRPr b="0" lang="en-CA" sz="2400" spc="-1" strike="noStrike">
+              <a:latin typeface="Arial"/>
+            </a:endParaRPr>
+          </a:p>
+          <a:p>
+            <a:pPr marL="228600" indent="-227880">
               <a:lnSpc>
                 <a:spcPct val="90000"/>
               </a:lnSpc>
@@ -8267,7 +7532,7 @@
               </a:spcBef>
             </a:pPr>
             <a:r>
-              <a:rPr b="0" lang="en-US" sz="2400" spc="-1" strike="noStrike">
+              <a:rPr b="0" lang="en-CA" sz="2400" spc="-1" strike="noStrike">
                 <a:solidFill>
                   <a:srgbClr val="000000"/>
                 </a:solidFill>
@@ -8277,7 +7542,7 @@
               <a:t>     </a:t>
             </a:r>
             <a:r>
-              <a:rPr b="0" lang="en-US" sz="2400" spc="-1" strike="noStrike">
+              <a:rPr b="0" lang="en-CA" sz="2400" spc="-1" strike="noStrike">
                 <a:solidFill>
                   <a:srgbClr val="000000"/>
                 </a:solidFill>
@@ -8286,15 +7551,12 @@
               </a:rPr>
               <a:t>cout &lt;&lt; "The value of j outside" &lt;&lt; j &lt;&lt; endl;</a:t>
             </a:r>
-            <a:endParaRPr b="0" lang="en-US" sz="2400" spc="-1" strike="noStrike">
-              <a:solidFill>
-                <a:srgbClr val="000000"/>
-              </a:solidFill>
-              <a:latin typeface="Calibri"/>
-            </a:endParaRPr>
-          </a:p>
-          <a:p>
-            <a:pPr>
+            <a:endParaRPr b="0" lang="en-CA" sz="2400" spc="-1" strike="noStrike">
+              <a:latin typeface="Arial"/>
+            </a:endParaRPr>
+          </a:p>
+          <a:p>
+            <a:pPr marL="228600" indent="-227880">
               <a:lnSpc>
                 <a:spcPct val="90000"/>
               </a:lnSpc>
@@ -8302,11 +7564,8 @@
                 <a:spcPts val="1001"/>
               </a:spcBef>
             </a:pPr>
-            <a:endParaRPr b="0" lang="en-US" sz="2400" spc="-1" strike="noStrike">
-              <a:solidFill>
-                <a:srgbClr val="000000"/>
-              </a:solidFill>
-              <a:latin typeface="Calibri"/>
+            <a:endParaRPr b="0" lang="en-CA" sz="2400" spc="-1" strike="noStrike">
+              <a:latin typeface="Arial"/>
             </a:endParaRPr>
           </a:p>
         </p:txBody>
@@ -8343,14 +7602,14 @@
       </p:grpSpPr>
       <p:sp>
         <p:nvSpPr>
-          <p:cNvPr id="110" name="TextShape 1"/>
-          <p:cNvSpPr txBox="1"/>
+          <p:cNvPr id="104" name="CustomShape 1"/>
+          <p:cNvSpPr/>
           <p:nvPr/>
         </p:nvSpPr>
         <p:spPr>
           <a:xfrm>
             <a:off x="838080" y="365040"/>
-            <a:ext cx="10515240" cy="1325160"/>
+            <a:ext cx="10514880" cy="1324800"/>
           </a:xfrm>
           <a:prstGeom prst="rect">
             <a:avLst/>
@@ -8360,8 +7619,14 @@
             <a:noFill/>
           </a:ln>
         </p:spPr>
-        <p:txBody>
-          <a:bodyPr anchor="ctr">
+        <p:style>
+          <a:lnRef idx="0"/>
+          <a:fillRef idx="0"/>
+          <a:effectRef idx="0"/>
+          <a:fontRef idx="minor"/>
+        </p:style>
+        <p:txBody>
+          <a:bodyPr lIns="90000" rIns="90000" tIns="45000" bIns="45000" anchor="ctr">
             <a:noAutofit/>
           </a:bodyPr>
           <a:p>
@@ -8371,7 +7636,7 @@
               </a:lnSpc>
             </a:pPr>
             <a:r>
-              <a:rPr b="0" lang="en-US" sz="4400" spc="-1" strike="noStrike">
+              <a:rPr b="0" lang="en-CA" sz="4400" spc="-1" strike="noStrike">
                 <a:solidFill>
                   <a:srgbClr val="000000"/>
                 </a:solidFill>
@@ -8379,25 +7644,22 @@
               </a:rPr>
               <a:t>One def rule: Forward declaration</a:t>
             </a:r>
-            <a:endParaRPr b="0" lang="en-US" sz="4400" spc="-1" strike="noStrike">
-              <a:solidFill>
-                <a:srgbClr val="000000"/>
-              </a:solidFill>
-              <a:latin typeface="Calibri"/>
-            </a:endParaRPr>
-          </a:p>
-        </p:txBody>
-      </p:sp>
-      <p:sp>
-        <p:nvSpPr>
-          <p:cNvPr id="111" name="TextShape 2"/>
-          <p:cNvSpPr txBox="1"/>
+            <a:endParaRPr b="0" lang="en-CA" sz="4400" spc="-1" strike="noStrike">
+              <a:latin typeface="Arial"/>
+            </a:endParaRPr>
+          </a:p>
+        </p:txBody>
+      </p:sp>
+      <p:sp>
+        <p:nvSpPr>
+          <p:cNvPr id="105" name="CustomShape 2"/>
+          <p:cNvSpPr/>
           <p:nvPr/>
         </p:nvSpPr>
         <p:spPr>
           <a:xfrm>
             <a:off x="838080" y="1825560"/>
-            <a:ext cx="10515240" cy="4350960"/>
+            <a:ext cx="10514880" cy="4350600"/>
           </a:xfrm>
           <a:prstGeom prst="rect">
             <a:avLst/>
@@ -8407,19 +7669,12 @@
             <a:noFill/>
           </a:ln>
         </p:spPr>
-        <p:txBody>
-          <a:bodyPr>
-            <a:noAutofit/>
-          </a:bodyPr>
-          <a:p>
-            <a:endParaRPr b="0" lang="en-US" sz="2800" spc="-1" strike="noStrike">
-              <a:solidFill>
-                <a:srgbClr val="000000"/>
-              </a:solidFill>
-              <a:latin typeface="Calibri"/>
-            </a:endParaRPr>
-          </a:p>
-        </p:txBody>
+        <p:style>
+          <a:lnRef idx="0"/>
+          <a:fillRef idx="0"/>
+          <a:effectRef idx="0"/>
+          <a:fontRef idx="minor"/>
+        </p:style>
       </p:sp>
     </p:spTree>
   </p:cSld>
